--- a/report/データ解析コンペティション中間報告.pptx
+++ b/report/データ解析コンペティション中間報告.pptx
@@ -5,10 +5,10 @@
     <p:sldMasterId id="2147483684" r:id="rId1"/>
   </p:sldMasterIdLst>
   <p:notesMasterIdLst>
-    <p:notesMasterId r:id="rId15"/>
+    <p:notesMasterId r:id="rId17"/>
   </p:notesMasterIdLst>
   <p:handoutMasterIdLst>
-    <p:handoutMasterId r:id="rId16"/>
+    <p:handoutMasterId r:id="rId18"/>
   </p:handoutMasterIdLst>
   <p:sldIdLst>
     <p:sldId id="272" r:id="rId2"/>
@@ -22,8 +22,10 @@
     <p:sldId id="284" r:id="rId10"/>
     <p:sldId id="276" r:id="rId11"/>
     <p:sldId id="277" r:id="rId12"/>
-    <p:sldId id="278" r:id="rId13"/>
-    <p:sldId id="279" r:id="rId14"/>
+    <p:sldId id="285" r:id="rId13"/>
+    <p:sldId id="286" r:id="rId14"/>
+    <p:sldId id="278" r:id="rId15"/>
+    <p:sldId id="279" r:id="rId16"/>
   </p:sldIdLst>
   <p:sldSz cx="12192000" cy="6858000"/>
   <p:notesSz cx="6858000" cy="9144000"/>
@@ -221,7 +223,7 @@
                 <a:latin typeface="Meiryo UI" panose="020B0604030504040204" pitchFamily="50" charset="-128"/>
                 <a:ea typeface="Meiryo UI" panose="020B0604030504040204" pitchFamily="50" charset="-128"/>
               </a:rPr>
-              <a:t>2017年11月1日</a:t>
+              <a:t>2017年11月8日</a:t>
             </a:fld>
             <a:endParaRPr kumimoji="1" lang="ja-JP" altLang="en-US" dirty="0">
               <a:latin typeface="Meiryo UI" panose="020B0604030504040204" pitchFamily="50" charset="-128"/>
@@ -405,7 +407,7 @@
             <a:fld id="{EECA54F6-A409-4052-BA8C-D33E3AF8AD29}" type="datetime4">
               <a:rPr lang="ja-JP" altLang="en-US" smtClean="0"/>
               <a:pPr/>
-              <a:t>2017年11月1日</a:t>
+              <a:t>2017年11月8日</a:t>
             </a:fld>
             <a:endParaRPr lang="ja-JP" altLang="en-US" dirty="0"/>
           </a:p>
@@ -1079,7 +1081,7 @@
     </p:spTree>
     <p:extLst>
       <p:ext uri="{BB962C8B-B14F-4D97-AF65-F5344CB8AC3E}">
-        <p14:creationId xmlns:p14="http://schemas.microsoft.com/office/powerpoint/2010/main" val="56100311"/>
+        <p14:creationId xmlns:p14="http://schemas.microsoft.com/office/powerpoint/2010/main" val="2744374120"/>
       </p:ext>
     </p:extLst>
   </p:cSld>
@@ -1162,6 +1164,194 @@
                 <a:ea typeface="Meiryo UI" panose="020B0604030504040204" pitchFamily="50" charset="-128"/>
               </a:rPr>
               <a:t>13</a:t>
+            </a:fld>
+            <a:endParaRPr lang="ja-JP" altLang="en-US" dirty="0">
+              <a:latin typeface="Meiryo UI" panose="020B0604030504040204" pitchFamily="50" charset="-128"/>
+              <a:ea typeface="Meiryo UI" panose="020B0604030504040204" pitchFamily="50" charset="-128"/>
+            </a:endParaRPr>
+          </a:p>
+        </p:txBody>
+      </p:sp>
+    </p:spTree>
+    <p:extLst>
+      <p:ext uri="{BB962C8B-B14F-4D97-AF65-F5344CB8AC3E}">
+        <p14:creationId xmlns:p14="http://schemas.microsoft.com/office/powerpoint/2010/main" val="2586045657"/>
+      </p:ext>
+    </p:extLst>
+  </p:cSld>
+  <p:clrMapOvr>
+    <a:masterClrMapping/>
+  </p:clrMapOvr>
+</p:notes>
+</file>
+
+<file path=ppt/notesSlides/notesSlide14.xml><?xml version="1.0" encoding="utf-8"?>
+<p:notes xmlns:a="http://schemas.openxmlformats.org/drawingml/2006/main" xmlns:r="http://schemas.openxmlformats.org/officeDocument/2006/relationships" xmlns:p="http://schemas.openxmlformats.org/presentationml/2006/main">
+  <p:cSld>
+    <p:spTree>
+      <p:nvGrpSpPr>
+        <p:cNvPr id="1" name=""/>
+        <p:cNvGrpSpPr/>
+        <p:nvPr/>
+      </p:nvGrpSpPr>
+      <p:grpSpPr>
+        <a:xfrm>
+          <a:off x="0" y="0"/>
+          <a:ext cx="0" cy="0"/>
+          <a:chOff x="0" y="0"/>
+          <a:chExt cx="0" cy="0"/>
+        </a:xfrm>
+      </p:grpSpPr>
+      <p:sp>
+        <p:nvSpPr>
+          <p:cNvPr id="2" name="スライド イメージ プレースホルダー 1"/>
+          <p:cNvSpPr>
+            <a:spLocks noGrp="1" noRot="1" noChangeAspect="1"/>
+          </p:cNvSpPr>
+          <p:nvPr>
+            <p:ph type="sldImg"/>
+          </p:nvPr>
+        </p:nvSpPr>
+        <p:spPr/>
+      </p:sp>
+      <p:sp>
+        <p:nvSpPr>
+          <p:cNvPr id="3" name="ノート プレースホルダー 2"/>
+          <p:cNvSpPr>
+            <a:spLocks noGrp="1"/>
+          </p:cNvSpPr>
+          <p:nvPr>
+            <p:ph type="body" idx="1"/>
+          </p:nvPr>
+        </p:nvSpPr>
+        <p:spPr/>
+        <p:txBody>
+          <a:bodyPr/>
+          <a:lstStyle/>
+          <a:p>
+            <a:endParaRPr kumimoji="1" lang="ja-JP" altLang="en-US" dirty="0">
+              <a:latin typeface="Meiryo UI" panose="020B0604030504040204" pitchFamily="50" charset="-128"/>
+              <a:ea typeface="Meiryo UI" panose="020B0604030504040204" pitchFamily="50" charset="-128"/>
+            </a:endParaRPr>
+          </a:p>
+        </p:txBody>
+      </p:sp>
+      <p:sp>
+        <p:nvSpPr>
+          <p:cNvPr id="4" name="スライド番号プレースホルダー 3"/>
+          <p:cNvSpPr>
+            <a:spLocks noGrp="1"/>
+          </p:cNvSpPr>
+          <p:nvPr>
+            <p:ph type="sldNum" sz="quarter" idx="10"/>
+          </p:nvPr>
+        </p:nvSpPr>
+        <p:spPr/>
+        <p:txBody>
+          <a:bodyPr/>
+          <a:lstStyle/>
+          <a:p>
+            <a:pPr rtl="0"/>
+            <a:fld id="{893B0CF2-7F87-4E02-A248-870047730F99}" type="slidenum">
+              <a:rPr lang="en-US" altLang="ja-JP" smtClean="0">
+                <a:latin typeface="Meiryo UI" panose="020B0604030504040204" pitchFamily="50" charset="-128"/>
+                <a:ea typeface="Meiryo UI" panose="020B0604030504040204" pitchFamily="50" charset="-128"/>
+              </a:rPr>
+              <a:t>14</a:t>
+            </a:fld>
+            <a:endParaRPr lang="ja-JP" altLang="en-US" dirty="0">
+              <a:latin typeface="Meiryo UI" panose="020B0604030504040204" pitchFamily="50" charset="-128"/>
+              <a:ea typeface="Meiryo UI" panose="020B0604030504040204" pitchFamily="50" charset="-128"/>
+            </a:endParaRPr>
+          </a:p>
+        </p:txBody>
+      </p:sp>
+    </p:spTree>
+    <p:extLst>
+      <p:ext uri="{BB962C8B-B14F-4D97-AF65-F5344CB8AC3E}">
+        <p14:creationId xmlns:p14="http://schemas.microsoft.com/office/powerpoint/2010/main" val="56100311"/>
+      </p:ext>
+    </p:extLst>
+  </p:cSld>
+  <p:clrMapOvr>
+    <a:masterClrMapping/>
+  </p:clrMapOvr>
+</p:notes>
+</file>
+
+<file path=ppt/notesSlides/notesSlide15.xml><?xml version="1.0" encoding="utf-8"?>
+<p:notes xmlns:a="http://schemas.openxmlformats.org/drawingml/2006/main" xmlns:r="http://schemas.openxmlformats.org/officeDocument/2006/relationships" xmlns:p="http://schemas.openxmlformats.org/presentationml/2006/main">
+  <p:cSld>
+    <p:spTree>
+      <p:nvGrpSpPr>
+        <p:cNvPr id="1" name=""/>
+        <p:cNvGrpSpPr/>
+        <p:nvPr/>
+      </p:nvGrpSpPr>
+      <p:grpSpPr>
+        <a:xfrm>
+          <a:off x="0" y="0"/>
+          <a:ext cx="0" cy="0"/>
+          <a:chOff x="0" y="0"/>
+          <a:chExt cx="0" cy="0"/>
+        </a:xfrm>
+      </p:grpSpPr>
+      <p:sp>
+        <p:nvSpPr>
+          <p:cNvPr id="2" name="スライド イメージ プレースホルダー 1"/>
+          <p:cNvSpPr>
+            <a:spLocks noGrp="1" noRot="1" noChangeAspect="1"/>
+          </p:cNvSpPr>
+          <p:nvPr>
+            <p:ph type="sldImg"/>
+          </p:nvPr>
+        </p:nvSpPr>
+        <p:spPr/>
+      </p:sp>
+      <p:sp>
+        <p:nvSpPr>
+          <p:cNvPr id="3" name="ノート プレースホルダー 2"/>
+          <p:cNvSpPr>
+            <a:spLocks noGrp="1"/>
+          </p:cNvSpPr>
+          <p:nvPr>
+            <p:ph type="body" idx="1"/>
+          </p:nvPr>
+        </p:nvSpPr>
+        <p:spPr/>
+        <p:txBody>
+          <a:bodyPr/>
+          <a:lstStyle/>
+          <a:p>
+            <a:endParaRPr kumimoji="1" lang="ja-JP" altLang="en-US" dirty="0">
+              <a:latin typeface="Meiryo UI" panose="020B0604030504040204" pitchFamily="50" charset="-128"/>
+              <a:ea typeface="Meiryo UI" panose="020B0604030504040204" pitchFamily="50" charset="-128"/>
+            </a:endParaRPr>
+          </a:p>
+        </p:txBody>
+      </p:sp>
+      <p:sp>
+        <p:nvSpPr>
+          <p:cNvPr id="4" name="スライド番号プレースホルダー 3"/>
+          <p:cNvSpPr>
+            <a:spLocks noGrp="1"/>
+          </p:cNvSpPr>
+          <p:nvPr>
+            <p:ph type="sldNum" sz="quarter" idx="10"/>
+          </p:nvPr>
+        </p:nvSpPr>
+        <p:spPr/>
+        <p:txBody>
+          <a:bodyPr/>
+          <a:lstStyle/>
+          <a:p>
+            <a:pPr rtl="0"/>
+            <a:fld id="{893B0CF2-7F87-4E02-A248-870047730F99}" type="slidenum">
+              <a:rPr lang="en-US" altLang="ja-JP" smtClean="0">
+                <a:latin typeface="Meiryo UI" panose="020B0604030504040204" pitchFamily="50" charset="-128"/>
+                <a:ea typeface="Meiryo UI" panose="020B0604030504040204" pitchFamily="50" charset="-128"/>
+              </a:rPr>
+              <a:t>15</a:t>
             </a:fld>
             <a:endParaRPr lang="ja-JP" altLang="en-US" dirty="0">
               <a:latin typeface="Meiryo UI" panose="020B0604030504040204" pitchFamily="50" charset="-128"/>
@@ -2253,7 +2443,7 @@
             <a:pPr rtl="0"/>
             <a:fld id="{18ECF309-3B86-4579-B137-88A650364831}" type="datetime4">
               <a:rPr lang="ja-JP" altLang="en-US" smtClean="0"/>
-              <a:t>2017年11月1日</a:t>
+              <a:t>2017年11月8日</a:t>
             </a:fld>
             <a:endParaRPr lang="en-US" dirty="0"/>
           </a:p>
@@ -2473,7 +2663,7 @@
             <a:pPr rtl="0"/>
             <a:fld id="{C48E08F4-9226-4E7A-984A-9249018A2D88}" type="datetime4">
               <a:rPr lang="ja-JP" altLang="en-US" smtClean="0"/>
-              <a:t>2017年11月1日</a:t>
+              <a:t>2017年11月8日</a:t>
             </a:fld>
             <a:endParaRPr lang="en-US" dirty="0"/>
           </a:p>
@@ -2703,7 +2893,7 @@
             <a:pPr rtl="0"/>
             <a:fld id="{6251088C-7039-419E-802E-BD5362D82CE3}" type="datetime4">
               <a:rPr lang="ja-JP" altLang="en-US" smtClean="0"/>
-              <a:t>2017年11月1日</a:t>
+              <a:t>2017年11月8日</a:t>
             </a:fld>
             <a:endParaRPr lang="en-US" dirty="0"/>
           </a:p>
@@ -2924,7 +3114,7 @@
             <a:pPr rtl="0"/>
             <a:fld id="{D2B8F4F0-DD0B-4516-9E3C-10530980B3C7}" type="datetime4">
               <a:rPr lang="ja-JP" altLang="en-US" smtClean="0"/>
-              <a:t>2017年11月1日</a:t>
+              <a:t>2017年11月8日</a:t>
             </a:fld>
             <a:endParaRPr lang="en-US" dirty="0"/>
           </a:p>
@@ -3176,7 +3366,7 @@
             <a:pPr rtl="0"/>
             <a:fld id="{DA448180-72EA-4A5B-A1EF-838407754246}" type="datetime4">
               <a:rPr lang="ja-JP" altLang="en-US" smtClean="0"/>
-              <a:t>2017年11月1日</a:t>
+              <a:t>2017年11月8日</a:t>
             </a:fld>
             <a:endParaRPr lang="en-US" dirty="0"/>
           </a:p>
@@ -3528,7 +3718,7 @@
             <a:pPr rtl="0"/>
             <a:fld id="{6C040AEB-A5BB-43B0-8911-FA04B8C3FE49}" type="datetime4">
               <a:rPr lang="ja-JP" altLang="en-US" smtClean="0"/>
-              <a:t>2017年11月1日</a:t>
+              <a:t>2017年11月8日</a:t>
             </a:fld>
             <a:endParaRPr lang="en-US" dirty="0"/>
           </a:p>
@@ -3994,7 +4184,7 @@
             <a:pPr rtl="0"/>
             <a:fld id="{7CFF4D35-92CC-485E-8973-FBAF1F7BEC99}" type="datetime4">
               <a:rPr lang="ja-JP" altLang="en-US" smtClean="0"/>
-              <a:t>2017年11月1日</a:t>
+              <a:t>2017年11月8日</a:t>
             </a:fld>
             <a:endParaRPr lang="en-US" dirty="0"/>
           </a:p>
@@ -4169,7 +4359,7 @@
             <a:pPr rtl="0"/>
             <a:fld id="{947912BA-6A00-47C0-911C-54608524483C}" type="datetime4">
               <a:rPr lang="ja-JP" altLang="en-US" smtClean="0"/>
-              <a:t>2017年11月1日</a:t>
+              <a:t>2017年11月8日</a:t>
             </a:fld>
             <a:endParaRPr lang="en-US" dirty="0"/>
           </a:p>
@@ -4282,7 +4472,7 @@
             <a:pPr rtl="0"/>
             <a:fld id="{04DF9383-A652-4932-A36F-571EC122802A}" type="datetime4">
               <a:rPr lang="ja-JP" altLang="en-US" smtClean="0"/>
-              <a:t>2017年11月1日</a:t>
+              <a:t>2017年11月8日</a:t>
             </a:fld>
             <a:endParaRPr lang="en-US" dirty="0"/>
           </a:p>
@@ -4599,7 +4789,7 @@
             <a:pPr rtl="0"/>
             <a:fld id="{BAF210E1-61AC-492D-A321-6C678AC06DBE}" type="datetime4">
               <a:rPr lang="ja-JP" altLang="en-US" smtClean="0"/>
-              <a:t>2017年11月1日</a:t>
+              <a:t>2017年11月8日</a:t>
             </a:fld>
             <a:endParaRPr lang="en-US" dirty="0"/>
           </a:p>
@@ -4958,7 +5148,7 @@
             <a:pPr rtl="0"/>
             <a:fld id="{B3E5F795-E9BD-471B-BB35-76B25F093B28}" type="datetime4">
               <a:rPr lang="ja-JP" altLang="en-US" smtClean="0"/>
-              <a:t>2017年11月1日</a:t>
+              <a:t>2017年11月8日</a:t>
             </a:fld>
             <a:endParaRPr lang="en-US" dirty="0"/>
           </a:p>
@@ -6029,7 +6219,7 @@
           <a:p>
             <a:fld id="{094F16E5-A987-4DA0-AEEC-D541C24CF4F4}" type="datetime4">
               <a:rPr lang="ja-JP" altLang="en-US" smtClean="0"/>
-              <a:t>2017年11月1日</a:t>
+              <a:t>2017年11月8日</a:t>
             </a:fld>
             <a:endParaRPr lang="en-US" dirty="0"/>
           </a:p>
@@ -6557,7 +6747,7 @@
           <p:cNvPr id="6" name="日付プレースホルダー 5">
             <a:extLst>
               <a:ext uri="{FF2B5EF4-FFF2-40B4-BE49-F238E27FC236}">
-                <a16:creationId xmlns:a16="http://schemas.microsoft.com/office/drawing/2014/main" xmlns="" id="{06288D64-2430-4210-8551-B383D2BF8DB0}"/>
+                <a16:creationId xmlns="" xmlns:a16="http://schemas.microsoft.com/office/drawing/2014/main" id="{06288D64-2430-4210-8551-B383D2BF8DB0}"/>
               </a:ext>
             </a:extLst>
           </p:cNvPr>
@@ -6576,7 +6766,7 @@
             <a:pPr rtl="0"/>
             <a:fld id="{A2342F28-FC40-49A6-9DDB-4B98AA196348}" type="datetime4">
               <a:rPr lang="ja-JP" altLang="en-US" smtClean="0"/>
-              <a:t>2017年11月1日</a:t>
+              <a:t>2017年11月8日</a:t>
             </a:fld>
             <a:endParaRPr lang="en-US" dirty="0"/>
           </a:p>
@@ -6587,7 +6777,7 @@
           <p:cNvPr id="7" name="スライド番号プレースホルダー 6">
             <a:extLst>
               <a:ext uri="{FF2B5EF4-FFF2-40B4-BE49-F238E27FC236}">
-                <a16:creationId xmlns:a16="http://schemas.microsoft.com/office/drawing/2014/main" xmlns="" id="{9E8D6284-2EED-4BBA-A6DA-E9384CAC5CB6}"/>
+                <a16:creationId xmlns="" xmlns:a16="http://schemas.microsoft.com/office/drawing/2014/main" id="{9E8D6284-2EED-4BBA-A6DA-E9384CAC5CB6}"/>
               </a:ext>
             </a:extLst>
           </p:cNvPr>
@@ -6685,7 +6875,7 @@
           <p:cNvPr id="4" name="日付プレースホルダー 3">
             <a:extLst>
               <a:ext uri="{FF2B5EF4-FFF2-40B4-BE49-F238E27FC236}">
-                <a16:creationId xmlns:a16="http://schemas.microsoft.com/office/drawing/2014/main" xmlns="" id="{06B1ED64-E469-461F-BAFD-4C2F22A620C6}"/>
+                <a16:creationId xmlns="" xmlns:a16="http://schemas.microsoft.com/office/drawing/2014/main" id="{06B1ED64-E469-461F-BAFD-4C2F22A620C6}"/>
               </a:ext>
             </a:extLst>
           </p:cNvPr>
@@ -6704,7 +6894,7 @@
             <a:pPr rtl="0"/>
             <a:fld id="{DA655A48-EA42-4638-8FA0-D2ACF9EC852F}" type="datetime4">
               <a:rPr lang="ja-JP" altLang="en-US" smtClean="0"/>
-              <a:t>2017年11月1日</a:t>
+              <a:t>2017年11月8日</a:t>
             </a:fld>
             <a:endParaRPr lang="en-US" dirty="0"/>
           </a:p>
@@ -6715,7 +6905,7 @@
           <p:cNvPr id="5" name="スライド番号プレースホルダー 4">
             <a:extLst>
               <a:ext uri="{FF2B5EF4-FFF2-40B4-BE49-F238E27FC236}">
-                <a16:creationId xmlns:a16="http://schemas.microsoft.com/office/drawing/2014/main" xmlns="" id="{B658C540-8ADF-4B54-AACB-0D06C525C7F1}"/>
+                <a16:creationId xmlns="" xmlns:a16="http://schemas.microsoft.com/office/drawing/2014/main" id="{B658C540-8ADF-4B54-AACB-0D06C525C7F1}"/>
               </a:ext>
             </a:extLst>
           </p:cNvPr>
@@ -6745,7 +6935,7 @@
           <p:cNvPr id="9" name="コンテンツ プレースホルダー 8">
             <a:extLst>
               <a:ext uri="{FF2B5EF4-FFF2-40B4-BE49-F238E27FC236}">
-                <a16:creationId xmlns:a16="http://schemas.microsoft.com/office/drawing/2014/main" xmlns="" id="{6C924DD0-1C46-4792-AD8A-8D0E8C4B630B}"/>
+                <a16:creationId xmlns="" xmlns:a16="http://schemas.microsoft.com/office/drawing/2014/main" id="{6C924DD0-1C46-4792-AD8A-8D0E8C4B630B}"/>
               </a:ext>
             </a:extLst>
           </p:cNvPr>
@@ -6775,49 +6965,49 @@
                 <a:gridCol w="1567543">
                   <a:extLst>
                     <a:ext uri="{9D8B030D-6E8A-4147-A177-3AD203B41FA5}">
-                      <a16:colId xmlns:a16="http://schemas.microsoft.com/office/drawing/2014/main" xmlns="" val="1745892809"/>
+                      <a16:colId xmlns="" xmlns:a16="http://schemas.microsoft.com/office/drawing/2014/main" val="1745892809"/>
                     </a:ext>
                   </a:extLst>
                 </a:gridCol>
                 <a:gridCol w="1567543">
                   <a:extLst>
                     <a:ext uri="{9D8B030D-6E8A-4147-A177-3AD203B41FA5}">
-                      <a16:colId xmlns:a16="http://schemas.microsoft.com/office/drawing/2014/main" xmlns="" val="1449369351"/>
+                      <a16:colId xmlns="" xmlns:a16="http://schemas.microsoft.com/office/drawing/2014/main" val="1449369351"/>
                     </a:ext>
                   </a:extLst>
                 </a:gridCol>
                 <a:gridCol w="1567543">
                   <a:extLst>
                     <a:ext uri="{9D8B030D-6E8A-4147-A177-3AD203B41FA5}">
-                      <a16:colId xmlns:a16="http://schemas.microsoft.com/office/drawing/2014/main" xmlns="" val="568099461"/>
+                      <a16:colId xmlns="" xmlns:a16="http://schemas.microsoft.com/office/drawing/2014/main" val="568099461"/>
                     </a:ext>
                   </a:extLst>
                 </a:gridCol>
                 <a:gridCol w="1567543">
                   <a:extLst>
                     <a:ext uri="{9D8B030D-6E8A-4147-A177-3AD203B41FA5}">
-                      <a16:colId xmlns:a16="http://schemas.microsoft.com/office/drawing/2014/main" xmlns="" val="1458967814"/>
+                      <a16:colId xmlns="" xmlns:a16="http://schemas.microsoft.com/office/drawing/2014/main" val="1458967814"/>
                     </a:ext>
                   </a:extLst>
                 </a:gridCol>
                 <a:gridCol w="1567543">
                   <a:extLst>
                     <a:ext uri="{9D8B030D-6E8A-4147-A177-3AD203B41FA5}">
-                      <a16:colId xmlns:a16="http://schemas.microsoft.com/office/drawing/2014/main" xmlns="" val="1163922"/>
+                      <a16:colId xmlns="" xmlns:a16="http://schemas.microsoft.com/office/drawing/2014/main" val="1163922"/>
                     </a:ext>
                   </a:extLst>
                 </a:gridCol>
                 <a:gridCol w="1567543">
                   <a:extLst>
                     <a:ext uri="{9D8B030D-6E8A-4147-A177-3AD203B41FA5}">
-                      <a16:colId xmlns:a16="http://schemas.microsoft.com/office/drawing/2014/main" xmlns="" val="544888355"/>
+                      <a16:colId xmlns="" xmlns:a16="http://schemas.microsoft.com/office/drawing/2014/main" val="544888355"/>
                     </a:ext>
                   </a:extLst>
                 </a:gridCol>
                 <a:gridCol w="1567543">
                   <a:extLst>
                     <a:ext uri="{9D8B030D-6E8A-4147-A177-3AD203B41FA5}">
-                      <a16:colId xmlns:a16="http://schemas.microsoft.com/office/drawing/2014/main" xmlns="" val="3650096592"/>
+                      <a16:colId xmlns="" xmlns:a16="http://schemas.microsoft.com/office/drawing/2014/main" val="3650096592"/>
                     </a:ext>
                   </a:extLst>
                 </a:gridCol>
@@ -6913,7 +7103,7 @@
                 </a:tc>
                 <a:extLst>
                   <a:ext uri="{0D108BD9-81ED-4DB2-BD59-A6C34878D82A}">
-                    <a16:rowId xmlns:a16="http://schemas.microsoft.com/office/drawing/2014/main" xmlns="" val="1620933915"/>
+                    <a16:rowId xmlns="" xmlns:a16="http://schemas.microsoft.com/office/drawing/2014/main" val="1620933915"/>
                   </a:ext>
                 </a:extLst>
               </a:tr>
@@ -7017,7 +7207,7 @@
                 </a:tc>
                 <a:extLst>
                   <a:ext uri="{0D108BD9-81ED-4DB2-BD59-A6C34878D82A}">
-                    <a16:rowId xmlns:a16="http://schemas.microsoft.com/office/drawing/2014/main" xmlns="" val="3499039659"/>
+                    <a16:rowId xmlns="" xmlns:a16="http://schemas.microsoft.com/office/drawing/2014/main" val="3499039659"/>
                   </a:ext>
                 </a:extLst>
               </a:tr>
@@ -7030,7 +7220,7 @@
           <p:cNvPr id="11" name="コンテンツ プレースホルダー 1">
             <a:extLst>
               <a:ext uri="{FF2B5EF4-FFF2-40B4-BE49-F238E27FC236}">
-                <a16:creationId xmlns:a16="http://schemas.microsoft.com/office/drawing/2014/main" xmlns="" id="{B479F282-F383-4548-A92F-99FE0B739BE9}"/>
+                <a16:creationId xmlns="" xmlns:a16="http://schemas.microsoft.com/office/drawing/2014/main" id="{B479F282-F383-4548-A92F-99FE0B739BE9}"/>
               </a:ext>
             </a:extLst>
           </p:cNvPr>
@@ -7237,9 +7427,16 @@
             </a:lvl9pPr>
           </a:lstStyle>
           <a:p>
+            <a:pPr marL="0" indent="0">
+              <a:buNone/>
+            </a:pPr>
+            <a:r>
+              <a:rPr lang="ja-JP" altLang="en-US" dirty="0" smtClean="0"/>
+              <a:t>会計</a:t>
+            </a:r>
             <a:r>
               <a:rPr lang="ja-JP" altLang="en-US" dirty="0"/>
-              <a:t>会計履歴と会計明細は返品項目を削除したため行数が減少</a:t>
+              <a:t>履歴と会計明細は返品項目を削除したため行数が減少</a:t>
             </a:r>
             <a:endParaRPr lang="en-US" altLang="ja-JP" dirty="0"/>
           </a:p>
@@ -7267,6 +7464,13 @@
       </p:transition>
     </mc:Fallback>
   </mc:AlternateContent>
+  <p:timing>
+    <p:tnLst>
+      <p:par>
+        <p:cTn id="1" dur="indefinite" restart="never" nodeType="tmRoot"/>
+      </p:par>
+    </p:tnLst>
+  </p:timing>
 </p:sld>
 </file>
 
@@ -7287,61 +7491,41 @@
           <a:chExt cx="0" cy="0"/>
         </a:xfrm>
       </p:grpSpPr>
-      <p:sp>
-        <p:nvSpPr>
-          <p:cNvPr id="3" name="タイトル 2"/>
-          <p:cNvSpPr>
-            <a:spLocks noGrp="1"/>
-          </p:cNvSpPr>
-          <p:nvPr>
-            <p:ph type="title"/>
-          </p:nvPr>
-        </p:nvSpPr>
-        <p:spPr/>
-        <p:txBody>
-          <a:bodyPr rtlCol="0"/>
-          <a:lstStyle/>
-          <a:p>
-            <a:pPr rtl="0"/>
-            <a:r>
-              <a:rPr lang="ja-JP" altLang="en-US" dirty="0">
-                <a:latin typeface="Meiryo UI" panose="020B0604030504040204" pitchFamily="50" charset="-128"/>
-                <a:ea typeface="Meiryo UI" panose="020B0604030504040204" pitchFamily="50" charset="-128"/>
-              </a:rPr>
-              <a:t>簡単な分析</a:t>
-            </a:r>
-          </a:p>
-        </p:txBody>
-      </p:sp>
-      <p:sp>
-        <p:nvSpPr>
-          <p:cNvPr id="2" name="コンテンツ プレースホルダー 1"/>
-          <p:cNvSpPr>
-            <a:spLocks noGrp="1"/>
-          </p:cNvSpPr>
+      <p:pic>
+        <p:nvPicPr>
+          <p:cNvPr id="6" name="コンテンツ プレースホルダー 5"/>
+          <p:cNvPicPr>
+            <a:picLocks noGrp="1" noChangeAspect="1"/>
+          </p:cNvPicPr>
           <p:nvPr>
             <p:ph idx="1"/>
           </p:nvPr>
-        </p:nvSpPr>
-        <p:spPr/>
-        <p:txBody>
-          <a:bodyPr rtlCol="0"/>
-          <a:lstStyle/>
-          <a:p>
-            <a:pPr rtl="0"/>
-            <a:endParaRPr lang="ja-JP" altLang="en-US" dirty="0">
-              <a:latin typeface="ＭＳ 明朝" panose="02020609040205080304" pitchFamily="17" charset="-128"/>
-              <a:ea typeface="ＭＳ 明朝" panose="02020609040205080304" pitchFamily="17" charset="-128"/>
-            </a:endParaRPr>
-          </a:p>
-        </p:txBody>
-      </p:sp>
+        </p:nvPicPr>
+        <p:blipFill>
+          <a:blip r:embed="rId3" cstate="print">
+            <a:extLst>
+              <a:ext uri="{28A0092B-C50C-407E-A947-70E740481C1C}">
+                <a14:useLocalDpi xmlns:a14="http://schemas.microsoft.com/office/drawing/2010/main" val="0"/>
+              </a:ext>
+            </a:extLst>
+          </a:blip>
+          <a:stretch>
+            <a:fillRect/>
+          </a:stretch>
+        </p:blipFill>
+        <p:spPr>
+          <a:xfrm>
+            <a:off x="2261938" y="1495398"/>
+            <a:ext cx="6809874" cy="4860953"/>
+          </a:xfrm>
+        </p:spPr>
+      </p:pic>
       <p:sp>
         <p:nvSpPr>
           <p:cNvPr id="4" name="日付プレースホルダー 3">
             <a:extLst>
               <a:ext uri="{FF2B5EF4-FFF2-40B4-BE49-F238E27FC236}">
-                <a16:creationId xmlns:a16="http://schemas.microsoft.com/office/drawing/2014/main" xmlns="" id="{025892AF-5659-4772-B1F5-BA0EBDF9722B}"/>
+                <a16:creationId xmlns="" xmlns:a16="http://schemas.microsoft.com/office/drawing/2014/main" id="{025892AF-5659-4772-B1F5-BA0EBDF9722B}"/>
               </a:ext>
             </a:extLst>
           </p:cNvPr>
@@ -7360,7 +7544,7 @@
             <a:pPr rtl="0"/>
             <a:fld id="{6D0A085D-0221-4FE5-BD83-4A6338CA0455}" type="datetime4">
               <a:rPr lang="ja-JP" altLang="en-US" smtClean="0"/>
-              <a:t>2017年11月1日</a:t>
+              <a:t>2017年11月8日</a:t>
             </a:fld>
             <a:endParaRPr lang="en-US" dirty="0"/>
           </a:p>
@@ -7371,7 +7555,7 @@
           <p:cNvPr id="5" name="スライド番号プレースホルダー 4">
             <a:extLst>
               <a:ext uri="{FF2B5EF4-FFF2-40B4-BE49-F238E27FC236}">
-                <a16:creationId xmlns:a16="http://schemas.microsoft.com/office/drawing/2014/main" xmlns="" id="{6A639EF7-7272-46D1-BBF0-E0C878B5782A}"/>
+                <a16:creationId xmlns="" xmlns:a16="http://schemas.microsoft.com/office/drawing/2014/main" id="{6A639EF7-7272-46D1-BBF0-E0C878B5782A}"/>
               </a:ext>
             </a:extLst>
           </p:cNvPr>
@@ -7393,6 +7577,38 @@
               <a:t>11</a:t>
             </a:fld>
             <a:endParaRPr lang="ja-JP" altLang="en-US" noProof="0" dirty="0"/>
+          </a:p>
+        </p:txBody>
+      </p:sp>
+      <p:sp>
+        <p:nvSpPr>
+          <p:cNvPr id="9" name="タイトル 8"/>
+          <p:cNvSpPr>
+            <a:spLocks noGrp="1"/>
+          </p:cNvSpPr>
+          <p:nvPr>
+            <p:ph type="title"/>
+          </p:nvPr>
+        </p:nvSpPr>
+        <p:spPr/>
+        <p:txBody>
+          <a:bodyPr>
+            <a:normAutofit fontScale="90000"/>
+          </a:bodyPr>
+          <a:lstStyle/>
+          <a:p>
+            <a:r>
+              <a:rPr lang="ja-JP" altLang="en-US" dirty="0"/>
+              <a:t>店舗ごとの曜日別来店顧客数</a:t>
+            </a:r>
+            <a:r>
+              <a:rPr lang="en-US" altLang="ja-JP" dirty="0"/>
+              <a:t/>
+            </a:r>
+            <a:br>
+              <a:rPr lang="en-US" altLang="ja-JP" dirty="0"/>
+            </a:br>
+            <a:endParaRPr kumimoji="1" lang="ja-JP" altLang="en-US" dirty="0"/>
           </a:p>
         </p:txBody>
       </p:sp>
@@ -7418,6 +7634,13 @@
       </p:transition>
     </mc:Fallback>
   </mc:AlternateContent>
+  <p:timing>
+    <p:tnLst>
+      <p:par>
+        <p:cTn id="1" dur="indefinite" restart="never" nodeType="tmRoot"/>
+      </p:par>
+    </p:tnLst>
+  </p:timing>
 </p:sld>
 </file>
 
@@ -7440,6 +7663,354 @@
       </p:grpSpPr>
       <p:sp>
         <p:nvSpPr>
+          <p:cNvPr id="4" name="日付プレースホルダー 3">
+            <a:extLst>
+              <a:ext uri="{FF2B5EF4-FFF2-40B4-BE49-F238E27FC236}">
+                <a16:creationId xmlns="" xmlns:a16="http://schemas.microsoft.com/office/drawing/2014/main" id="{025892AF-5659-4772-B1F5-BA0EBDF9722B}"/>
+              </a:ext>
+            </a:extLst>
+          </p:cNvPr>
+          <p:cNvSpPr>
+            <a:spLocks noGrp="1"/>
+          </p:cNvSpPr>
+          <p:nvPr>
+            <p:ph type="dt" sz="half" idx="10"/>
+          </p:nvPr>
+        </p:nvSpPr>
+        <p:spPr/>
+        <p:txBody>
+          <a:bodyPr/>
+          <a:lstStyle/>
+          <a:p>
+            <a:pPr rtl="0"/>
+            <a:fld id="{6D0A085D-0221-4FE5-BD83-4A6338CA0455}" type="datetime4">
+              <a:rPr lang="ja-JP" altLang="en-US" smtClean="0"/>
+              <a:t>2017年11月8日</a:t>
+            </a:fld>
+            <a:endParaRPr lang="en-US" dirty="0"/>
+          </a:p>
+        </p:txBody>
+      </p:sp>
+      <p:sp>
+        <p:nvSpPr>
+          <p:cNvPr id="5" name="スライド番号プレースホルダー 4">
+            <a:extLst>
+              <a:ext uri="{FF2B5EF4-FFF2-40B4-BE49-F238E27FC236}">
+                <a16:creationId xmlns="" xmlns:a16="http://schemas.microsoft.com/office/drawing/2014/main" id="{6A639EF7-7272-46D1-BBF0-E0C878B5782A}"/>
+              </a:ext>
+            </a:extLst>
+          </p:cNvPr>
+          <p:cNvSpPr>
+            <a:spLocks noGrp="1"/>
+          </p:cNvSpPr>
+          <p:nvPr>
+            <p:ph type="sldNum" sz="quarter" idx="12"/>
+          </p:nvPr>
+        </p:nvSpPr>
+        <p:spPr/>
+        <p:txBody>
+          <a:bodyPr/>
+          <a:lstStyle/>
+          <a:p>
+            <a:pPr rtl="0"/>
+            <a:fld id="{401CF334-2D5C-4859-84A6-CA7E6E43FAEB}" type="slidenum">
+              <a:rPr lang="en-US" altLang="ja-JP" noProof="0" smtClean="0"/>
+              <a:t>12</a:t>
+            </a:fld>
+            <a:endParaRPr lang="ja-JP" altLang="en-US" noProof="0" dirty="0"/>
+          </a:p>
+        </p:txBody>
+      </p:sp>
+      <p:sp>
+        <p:nvSpPr>
+          <p:cNvPr id="9" name="タイトル 8"/>
+          <p:cNvSpPr>
+            <a:spLocks noGrp="1"/>
+          </p:cNvSpPr>
+          <p:nvPr>
+            <p:ph type="title"/>
+          </p:nvPr>
+        </p:nvSpPr>
+        <p:spPr/>
+        <p:txBody>
+          <a:bodyPr>
+            <a:normAutofit fontScale="90000"/>
+          </a:bodyPr>
+          <a:lstStyle/>
+          <a:p>
+            <a:r>
+              <a:rPr lang="ja-JP" altLang="en-US" dirty="0"/>
+              <a:t>店舗ごとの曜日</a:t>
+            </a:r>
+            <a:r>
+              <a:rPr lang="ja-JP" altLang="en-US" dirty="0" smtClean="0"/>
+              <a:t>別スタッフ数</a:t>
+            </a:r>
+            <a:r>
+              <a:rPr lang="en-US" altLang="ja-JP" dirty="0"/>
+              <a:t/>
+            </a:r>
+            <a:br>
+              <a:rPr lang="en-US" altLang="ja-JP" dirty="0"/>
+            </a:br>
+            <a:endParaRPr kumimoji="1" lang="ja-JP" altLang="en-US" dirty="0"/>
+          </a:p>
+        </p:txBody>
+      </p:sp>
+      <p:pic>
+        <p:nvPicPr>
+          <p:cNvPr id="8" name="コンテンツ プレースホルダー 7"/>
+          <p:cNvPicPr>
+            <a:picLocks noGrp="1" noChangeAspect="1"/>
+          </p:cNvPicPr>
+          <p:nvPr>
+            <p:ph idx="1"/>
+          </p:nvPr>
+        </p:nvPicPr>
+        <p:blipFill>
+          <a:blip r:embed="rId3" cstate="print">
+            <a:extLst>
+              <a:ext uri="{28A0092B-C50C-407E-A947-70E740481C1C}">
+                <a14:useLocalDpi xmlns:a14="http://schemas.microsoft.com/office/drawing/2010/main" val="0"/>
+              </a:ext>
+            </a:extLst>
+          </a:blip>
+          <a:stretch>
+            <a:fillRect/>
+          </a:stretch>
+        </p:blipFill>
+        <p:spPr>
+          <a:xfrm>
+            <a:off x="2586659" y="1593767"/>
+            <a:ext cx="6672065" cy="4762584"/>
+          </a:xfrm>
+        </p:spPr>
+      </p:pic>
+    </p:spTree>
+    <p:extLst>
+      <p:ext uri="{BB962C8B-B14F-4D97-AF65-F5344CB8AC3E}">
+        <p14:creationId xmlns:p14="http://schemas.microsoft.com/office/powerpoint/2010/main" val="543960113"/>
+      </p:ext>
+    </p:extLst>
+  </p:cSld>
+  <p:clrMapOvr>
+    <a:masterClrMapping/>
+  </p:clrMapOvr>
+  <mc:AlternateContent xmlns:mc="http://schemas.openxmlformats.org/markup-compatibility/2006" xmlns:p14="http://schemas.microsoft.com/office/powerpoint/2010/main">
+    <mc:Choice Requires="p14">
+      <p:transition spd="med" p14:dur="700">
+        <p:fade/>
+      </p:transition>
+    </mc:Choice>
+    <mc:Fallback xmlns="">
+      <p:transition spd="med">
+        <p:fade/>
+      </p:transition>
+    </mc:Fallback>
+  </mc:AlternateContent>
+  <p:timing>
+    <p:tnLst>
+      <p:par>
+        <p:cTn id="1" dur="indefinite" restart="never" nodeType="tmRoot"/>
+      </p:par>
+    </p:tnLst>
+  </p:timing>
+</p:sld>
+</file>
+
+<file path=ppt/slides/slide13.xml><?xml version="1.0" encoding="utf-8"?>
+<p:sld xmlns:a="http://schemas.openxmlformats.org/drawingml/2006/main" xmlns:r="http://schemas.openxmlformats.org/officeDocument/2006/relationships" xmlns:p="http://schemas.openxmlformats.org/presentationml/2006/main">
+  <p:cSld>
+    <p:spTree>
+      <p:nvGrpSpPr>
+        <p:cNvPr id="1" name=""/>
+        <p:cNvGrpSpPr/>
+        <p:nvPr/>
+      </p:nvGrpSpPr>
+      <p:grpSpPr>
+        <a:xfrm>
+          <a:off x="0" y="0"/>
+          <a:ext cx="0" cy="0"/>
+          <a:chOff x="0" y="0"/>
+          <a:chExt cx="0" cy="0"/>
+        </a:xfrm>
+      </p:grpSpPr>
+      <p:sp>
+        <p:nvSpPr>
+          <p:cNvPr id="4" name="日付プレースホルダー 3">
+            <a:extLst>
+              <a:ext uri="{FF2B5EF4-FFF2-40B4-BE49-F238E27FC236}">
+                <a16:creationId xmlns="" xmlns:a16="http://schemas.microsoft.com/office/drawing/2014/main" id="{025892AF-5659-4772-B1F5-BA0EBDF9722B}"/>
+              </a:ext>
+            </a:extLst>
+          </p:cNvPr>
+          <p:cNvSpPr>
+            <a:spLocks noGrp="1"/>
+          </p:cNvSpPr>
+          <p:nvPr>
+            <p:ph type="dt" sz="half" idx="10"/>
+          </p:nvPr>
+        </p:nvSpPr>
+        <p:spPr/>
+        <p:txBody>
+          <a:bodyPr/>
+          <a:lstStyle/>
+          <a:p>
+            <a:pPr rtl="0"/>
+            <a:fld id="{6D0A085D-0221-4FE5-BD83-4A6338CA0455}" type="datetime4">
+              <a:rPr lang="ja-JP" altLang="en-US" smtClean="0"/>
+              <a:t>2017年11月8日</a:t>
+            </a:fld>
+            <a:endParaRPr lang="en-US" dirty="0"/>
+          </a:p>
+        </p:txBody>
+      </p:sp>
+      <p:sp>
+        <p:nvSpPr>
+          <p:cNvPr id="5" name="スライド番号プレースホルダー 4">
+            <a:extLst>
+              <a:ext uri="{FF2B5EF4-FFF2-40B4-BE49-F238E27FC236}">
+                <a16:creationId xmlns="" xmlns:a16="http://schemas.microsoft.com/office/drawing/2014/main" id="{6A639EF7-7272-46D1-BBF0-E0C878B5782A}"/>
+              </a:ext>
+            </a:extLst>
+          </p:cNvPr>
+          <p:cNvSpPr>
+            <a:spLocks noGrp="1"/>
+          </p:cNvSpPr>
+          <p:nvPr>
+            <p:ph type="sldNum" sz="quarter" idx="12"/>
+          </p:nvPr>
+        </p:nvSpPr>
+        <p:spPr/>
+        <p:txBody>
+          <a:bodyPr/>
+          <a:lstStyle/>
+          <a:p>
+            <a:pPr rtl="0"/>
+            <a:fld id="{401CF334-2D5C-4859-84A6-CA7E6E43FAEB}" type="slidenum">
+              <a:rPr lang="en-US" altLang="ja-JP" noProof="0" smtClean="0"/>
+              <a:t>13</a:t>
+            </a:fld>
+            <a:endParaRPr lang="ja-JP" altLang="en-US" noProof="0" dirty="0"/>
+          </a:p>
+        </p:txBody>
+      </p:sp>
+      <p:sp>
+        <p:nvSpPr>
+          <p:cNvPr id="9" name="タイトル 8"/>
+          <p:cNvSpPr>
+            <a:spLocks noGrp="1"/>
+          </p:cNvSpPr>
+          <p:nvPr>
+            <p:ph type="title"/>
+          </p:nvPr>
+        </p:nvSpPr>
+        <p:spPr/>
+        <p:txBody>
+          <a:bodyPr>
+            <a:normAutofit fontScale="90000"/>
+          </a:bodyPr>
+          <a:lstStyle/>
+          <a:p>
+            <a:r>
+              <a:rPr lang="ja-JP" altLang="en-US" dirty="0"/>
+              <a:t>店舗ごとの曜日</a:t>
+            </a:r>
+            <a:r>
+              <a:rPr lang="ja-JP" altLang="en-US" dirty="0" smtClean="0"/>
+              <a:t>別売上額</a:t>
+            </a:r>
+            <a:r>
+              <a:rPr lang="en-US" altLang="ja-JP" dirty="0"/>
+              <a:t/>
+            </a:r>
+            <a:br>
+              <a:rPr lang="en-US" altLang="ja-JP" dirty="0"/>
+            </a:br>
+            <a:endParaRPr kumimoji="1" lang="ja-JP" altLang="en-US" dirty="0"/>
+          </a:p>
+        </p:txBody>
+      </p:sp>
+      <p:pic>
+        <p:nvPicPr>
+          <p:cNvPr id="3" name="コンテンツ プレースホルダー 2"/>
+          <p:cNvPicPr>
+            <a:picLocks noGrp="1" noChangeAspect="1"/>
+          </p:cNvPicPr>
+          <p:nvPr>
+            <p:ph idx="1"/>
+          </p:nvPr>
+        </p:nvPicPr>
+        <p:blipFill>
+          <a:blip r:embed="rId3" cstate="print">
+            <a:extLst>
+              <a:ext uri="{28A0092B-C50C-407E-A947-70E740481C1C}">
+                <a14:useLocalDpi xmlns:a14="http://schemas.microsoft.com/office/drawing/2010/main" val="0"/>
+              </a:ext>
+            </a:extLst>
+          </a:blip>
+          <a:stretch>
+            <a:fillRect/>
+          </a:stretch>
+        </p:blipFill>
+        <p:spPr>
+          <a:xfrm>
+            <a:off x="2470484" y="1483895"/>
+            <a:ext cx="6845349" cy="4886276"/>
+          </a:xfrm>
+        </p:spPr>
+      </p:pic>
+    </p:spTree>
+    <p:extLst>
+      <p:ext uri="{BB962C8B-B14F-4D97-AF65-F5344CB8AC3E}">
+        <p14:creationId xmlns:p14="http://schemas.microsoft.com/office/powerpoint/2010/main" val="1379259570"/>
+      </p:ext>
+    </p:extLst>
+  </p:cSld>
+  <p:clrMapOvr>
+    <a:masterClrMapping/>
+  </p:clrMapOvr>
+  <mc:AlternateContent xmlns:mc="http://schemas.openxmlformats.org/markup-compatibility/2006" xmlns:p14="http://schemas.microsoft.com/office/powerpoint/2010/main">
+    <mc:Choice Requires="p14">
+      <p:transition spd="med" p14:dur="700">
+        <p:fade/>
+      </p:transition>
+    </mc:Choice>
+    <mc:Fallback xmlns="">
+      <p:transition spd="med">
+        <p:fade/>
+      </p:transition>
+    </mc:Fallback>
+  </mc:AlternateContent>
+  <p:timing>
+    <p:tnLst>
+      <p:par>
+        <p:cTn id="1" dur="indefinite" restart="never" nodeType="tmRoot"/>
+      </p:par>
+    </p:tnLst>
+  </p:timing>
+</p:sld>
+</file>
+
+<file path=ppt/slides/slide14.xml><?xml version="1.0" encoding="utf-8"?>
+<p:sld xmlns:a="http://schemas.openxmlformats.org/drawingml/2006/main" xmlns:r="http://schemas.openxmlformats.org/officeDocument/2006/relationships" xmlns:p="http://schemas.openxmlformats.org/presentationml/2006/main">
+  <p:cSld>
+    <p:spTree>
+      <p:nvGrpSpPr>
+        <p:cNvPr id="1" name=""/>
+        <p:cNvGrpSpPr/>
+        <p:nvPr/>
+      </p:nvGrpSpPr>
+      <p:grpSpPr>
+        <a:xfrm>
+          <a:off x="0" y="0"/>
+          <a:ext cx="0" cy="0"/>
+          <a:chOff x="0" y="0"/>
+          <a:chExt cx="0" cy="0"/>
+        </a:xfrm>
+      </p:grpSpPr>
+      <p:sp>
+        <p:nvSpPr>
           <p:cNvPr id="3" name="タイトル 2"/>
           <p:cNvSpPr>
             <a:spLocks noGrp="1"/>
@@ -7492,7 +8063,7 @@
           <p:cNvPr id="4" name="日付プレースホルダー 3">
             <a:extLst>
               <a:ext uri="{FF2B5EF4-FFF2-40B4-BE49-F238E27FC236}">
-                <a16:creationId xmlns:a16="http://schemas.microsoft.com/office/drawing/2014/main" xmlns="" id="{6CB8136F-3B1A-4F57-A9B1-1C9EFDB64384}"/>
+                <a16:creationId xmlns="" xmlns:a16="http://schemas.microsoft.com/office/drawing/2014/main" id="{6CB8136F-3B1A-4F57-A9B1-1C9EFDB64384}"/>
               </a:ext>
             </a:extLst>
           </p:cNvPr>
@@ -7511,7 +8082,7 @@
             <a:pPr rtl="0"/>
             <a:fld id="{BC28DBE5-3AC0-4BDB-9723-66725C58468D}" type="datetime4">
               <a:rPr lang="ja-JP" altLang="en-US" smtClean="0"/>
-              <a:t>2017年11月1日</a:t>
+              <a:t>2017年11月8日</a:t>
             </a:fld>
             <a:endParaRPr lang="en-US" dirty="0"/>
           </a:p>
@@ -7522,7 +8093,7 @@
           <p:cNvPr id="5" name="スライド番号プレースホルダー 4">
             <a:extLst>
               <a:ext uri="{FF2B5EF4-FFF2-40B4-BE49-F238E27FC236}">
-                <a16:creationId xmlns:a16="http://schemas.microsoft.com/office/drawing/2014/main" xmlns="" id="{0923BB01-6B06-41F2-B73E-7FF366EDDB19}"/>
+                <a16:creationId xmlns="" xmlns:a16="http://schemas.microsoft.com/office/drawing/2014/main" id="{0923BB01-6B06-41F2-B73E-7FF366EDDB19}"/>
               </a:ext>
             </a:extLst>
           </p:cNvPr>
@@ -7541,7 +8112,7 @@
             <a:pPr rtl="0"/>
             <a:fld id="{401CF334-2D5C-4859-84A6-CA7E6E43FAEB}" type="slidenum">
               <a:rPr lang="en-US" altLang="ja-JP" noProof="0" smtClean="0"/>
-              <a:t>12</a:t>
+              <a:t>14</a:t>
             </a:fld>
             <a:endParaRPr lang="ja-JP" altLang="en-US" noProof="0" dirty="0"/>
           </a:p>
@@ -7569,10 +8140,17 @@
       </p:transition>
     </mc:Fallback>
   </mc:AlternateContent>
+  <p:timing>
+    <p:tnLst>
+      <p:par>
+        <p:cTn id="1" dur="indefinite" restart="never" nodeType="tmRoot"/>
+      </p:par>
+    </p:tnLst>
+  </p:timing>
 </p:sld>
 </file>
 
-<file path=ppt/slides/slide13.xml><?xml version="1.0" encoding="utf-8"?>
+<file path=ppt/slides/slide15.xml><?xml version="1.0" encoding="utf-8"?>
 <p:sld xmlns:a="http://schemas.openxmlformats.org/drawingml/2006/main" xmlns:r="http://schemas.openxmlformats.org/officeDocument/2006/relationships" xmlns:p="http://schemas.openxmlformats.org/presentationml/2006/main">
   <p:cSld>
     <p:spTree>
@@ -7647,7 +8225,7 @@
           <p:cNvPr id="4" name="日付プレースホルダー 3">
             <a:extLst>
               <a:ext uri="{FF2B5EF4-FFF2-40B4-BE49-F238E27FC236}">
-                <a16:creationId xmlns:a16="http://schemas.microsoft.com/office/drawing/2014/main" xmlns="" id="{D0905ABD-AA66-49E9-98EB-C61A053BD754}"/>
+                <a16:creationId xmlns="" xmlns:a16="http://schemas.microsoft.com/office/drawing/2014/main" id="{D0905ABD-AA66-49E9-98EB-C61A053BD754}"/>
               </a:ext>
             </a:extLst>
           </p:cNvPr>
@@ -7666,7 +8244,7 @@
             <a:pPr rtl="0"/>
             <a:fld id="{C83BD9FF-CF36-42FD-8515-2CDBFFAA002B}" type="datetime4">
               <a:rPr lang="ja-JP" altLang="en-US" smtClean="0"/>
-              <a:t>2017年11月1日</a:t>
+              <a:t>2017年11月8日</a:t>
             </a:fld>
             <a:endParaRPr lang="en-US" dirty="0"/>
           </a:p>
@@ -7677,7 +8255,7 @@
           <p:cNvPr id="5" name="スライド番号プレースホルダー 4">
             <a:extLst>
               <a:ext uri="{FF2B5EF4-FFF2-40B4-BE49-F238E27FC236}">
-                <a16:creationId xmlns:a16="http://schemas.microsoft.com/office/drawing/2014/main" xmlns="" id="{59AE5A3B-333D-408C-8A46-FD98F75C40A4}"/>
+                <a16:creationId xmlns="" xmlns:a16="http://schemas.microsoft.com/office/drawing/2014/main" id="{59AE5A3B-333D-408C-8A46-FD98F75C40A4}"/>
               </a:ext>
             </a:extLst>
           </p:cNvPr>
@@ -7696,7 +8274,7 @@
             <a:pPr rtl="0"/>
             <a:fld id="{401CF334-2D5C-4859-84A6-CA7E6E43FAEB}" type="slidenum">
               <a:rPr lang="en-US" altLang="ja-JP" noProof="0" smtClean="0"/>
-              <a:t>13</a:t>
+              <a:t>15</a:t>
             </a:fld>
             <a:endParaRPr lang="ja-JP" altLang="en-US" noProof="0" dirty="0"/>
           </a:p>
@@ -7857,7 +8435,7 @@
           <p:cNvPr id="4" name="日付プレースホルダー 3">
             <a:extLst>
               <a:ext uri="{FF2B5EF4-FFF2-40B4-BE49-F238E27FC236}">
-                <a16:creationId xmlns:a16="http://schemas.microsoft.com/office/drawing/2014/main" xmlns="" id="{65580798-4494-48DB-9432-961CE1B1B97C}"/>
+                <a16:creationId xmlns="" xmlns:a16="http://schemas.microsoft.com/office/drawing/2014/main" id="{65580798-4494-48DB-9432-961CE1B1B97C}"/>
               </a:ext>
             </a:extLst>
           </p:cNvPr>
@@ -7876,7 +8454,7 @@
             <a:pPr rtl="0"/>
             <a:fld id="{31D57F05-861D-4E37-A2C5-B06B3CD0725A}" type="datetime4">
               <a:rPr lang="ja-JP" altLang="en-US" smtClean="0"/>
-              <a:t>2017年11月1日</a:t>
+              <a:t>2017年11月8日</a:t>
             </a:fld>
             <a:endParaRPr lang="en-US" dirty="0"/>
           </a:p>
@@ -7887,7 +8465,7 @@
           <p:cNvPr id="5" name="スライド番号プレースホルダー 4">
             <a:extLst>
               <a:ext uri="{FF2B5EF4-FFF2-40B4-BE49-F238E27FC236}">
-                <a16:creationId xmlns:a16="http://schemas.microsoft.com/office/drawing/2014/main" xmlns="" id="{66081F81-C165-4D92-B3E1-4181B21520E3}"/>
+                <a16:creationId xmlns="" xmlns:a16="http://schemas.microsoft.com/office/drawing/2014/main" id="{66081F81-C165-4D92-B3E1-4181B21520E3}"/>
               </a:ext>
             </a:extLst>
           </p:cNvPr>
@@ -8010,7 +8588,7 @@
           <p:cNvPr id="4" name="日付プレースホルダー 3">
             <a:extLst>
               <a:ext uri="{FF2B5EF4-FFF2-40B4-BE49-F238E27FC236}">
-                <a16:creationId xmlns:a16="http://schemas.microsoft.com/office/drawing/2014/main" xmlns="" id="{2A955DE1-3AEF-4E45-97D7-28E745902D52}"/>
+                <a16:creationId xmlns="" xmlns:a16="http://schemas.microsoft.com/office/drawing/2014/main" id="{2A955DE1-3AEF-4E45-97D7-28E745902D52}"/>
               </a:ext>
             </a:extLst>
           </p:cNvPr>
@@ -8029,7 +8607,7 @@
             <a:pPr rtl="0"/>
             <a:fld id="{AB134B0F-F045-4F0B-8B34-CC17FB31FEC8}" type="datetime4">
               <a:rPr lang="ja-JP" altLang="en-US" smtClean="0"/>
-              <a:t>2017年11月1日</a:t>
+              <a:t>2017年11月8日</a:t>
             </a:fld>
             <a:endParaRPr lang="en-US" dirty="0"/>
           </a:p>
@@ -8040,7 +8618,7 @@
           <p:cNvPr id="5" name="スライド番号プレースホルダー 4">
             <a:extLst>
               <a:ext uri="{FF2B5EF4-FFF2-40B4-BE49-F238E27FC236}">
-                <a16:creationId xmlns:a16="http://schemas.microsoft.com/office/drawing/2014/main" xmlns="" id="{08144B19-6FE0-4B2E-A173-1035A8BB2783}"/>
+                <a16:creationId xmlns="" xmlns:a16="http://schemas.microsoft.com/office/drawing/2014/main" id="{08144B19-6FE0-4B2E-A173-1035A8BB2783}"/>
               </a:ext>
             </a:extLst>
           </p:cNvPr>
@@ -8248,7 +8826,7 @@
           <p:cNvPr id="4" name="日付プレースホルダー 3">
             <a:extLst>
               <a:ext uri="{FF2B5EF4-FFF2-40B4-BE49-F238E27FC236}">
-                <a16:creationId xmlns:a16="http://schemas.microsoft.com/office/drawing/2014/main" xmlns="" id="{80AB7885-0E5E-408E-9AAF-1454900A27F1}"/>
+                <a16:creationId xmlns="" xmlns:a16="http://schemas.microsoft.com/office/drawing/2014/main" id="{80AB7885-0E5E-408E-9AAF-1454900A27F1}"/>
               </a:ext>
             </a:extLst>
           </p:cNvPr>
@@ -8267,7 +8845,7 @@
             <a:pPr rtl="0"/>
             <a:fld id="{77C180FA-CFF2-4446-B401-E27F4FB9F4F7}" type="datetime4">
               <a:rPr lang="ja-JP" altLang="en-US" smtClean="0"/>
-              <a:t>2017年11月1日</a:t>
+              <a:t>2017年11月8日</a:t>
             </a:fld>
             <a:endParaRPr lang="en-US" dirty="0"/>
           </a:p>
@@ -8278,7 +8856,7 @@
           <p:cNvPr id="5" name="スライド番号プレースホルダー 4">
             <a:extLst>
               <a:ext uri="{FF2B5EF4-FFF2-40B4-BE49-F238E27FC236}">
-                <a16:creationId xmlns:a16="http://schemas.microsoft.com/office/drawing/2014/main" xmlns="" id="{5EA39D9F-5243-4AFC-890F-AF2AE32AE38B}"/>
+                <a16:creationId xmlns="" xmlns:a16="http://schemas.microsoft.com/office/drawing/2014/main" id="{5EA39D9F-5243-4AFC-890F-AF2AE32AE38B}"/>
               </a:ext>
             </a:extLst>
           </p:cNvPr>
@@ -8524,7 +9102,7 @@
           <p:cNvPr id="4" name="日付プレースホルダー 3">
             <a:extLst>
               <a:ext uri="{FF2B5EF4-FFF2-40B4-BE49-F238E27FC236}">
-                <a16:creationId xmlns:a16="http://schemas.microsoft.com/office/drawing/2014/main" xmlns="" id="{80AB7885-0E5E-408E-9AAF-1454900A27F1}"/>
+                <a16:creationId xmlns="" xmlns:a16="http://schemas.microsoft.com/office/drawing/2014/main" id="{80AB7885-0E5E-408E-9AAF-1454900A27F1}"/>
               </a:ext>
             </a:extLst>
           </p:cNvPr>
@@ -8543,7 +9121,7 @@
             <a:pPr rtl="0"/>
             <a:fld id="{77C180FA-CFF2-4446-B401-E27F4FB9F4F7}" type="datetime4">
               <a:rPr lang="ja-JP" altLang="en-US" smtClean="0"/>
-              <a:t>2017年11月1日</a:t>
+              <a:t>2017年11月8日</a:t>
             </a:fld>
             <a:endParaRPr lang="en-US" dirty="0"/>
           </a:p>
@@ -8554,7 +9132,7 @@
           <p:cNvPr id="5" name="スライド番号プレースホルダー 4">
             <a:extLst>
               <a:ext uri="{FF2B5EF4-FFF2-40B4-BE49-F238E27FC236}">
-                <a16:creationId xmlns:a16="http://schemas.microsoft.com/office/drawing/2014/main" xmlns="" id="{5EA39D9F-5243-4AFC-890F-AF2AE32AE38B}"/>
+                <a16:creationId xmlns="" xmlns:a16="http://schemas.microsoft.com/office/drawing/2014/main" id="{5EA39D9F-5243-4AFC-890F-AF2AE32AE38B}"/>
               </a:ext>
             </a:extLst>
           </p:cNvPr>
@@ -8731,7 +9309,7 @@
           <p:cNvPr id="4" name="日付プレースホルダー 3">
             <a:extLst>
               <a:ext uri="{FF2B5EF4-FFF2-40B4-BE49-F238E27FC236}">
-                <a16:creationId xmlns:a16="http://schemas.microsoft.com/office/drawing/2014/main" xmlns="" id="{80AB7885-0E5E-408E-9AAF-1454900A27F1}"/>
+                <a16:creationId xmlns="" xmlns:a16="http://schemas.microsoft.com/office/drawing/2014/main" id="{80AB7885-0E5E-408E-9AAF-1454900A27F1}"/>
               </a:ext>
             </a:extLst>
           </p:cNvPr>
@@ -8750,7 +9328,7 @@
             <a:pPr rtl="0"/>
             <a:fld id="{77C180FA-CFF2-4446-B401-E27F4FB9F4F7}" type="datetime4">
               <a:rPr lang="ja-JP" altLang="en-US" smtClean="0"/>
-              <a:t>2017年11月1日</a:t>
+              <a:t>2017年11月8日</a:t>
             </a:fld>
             <a:endParaRPr lang="en-US" dirty="0"/>
           </a:p>
@@ -8761,7 +9339,7 @@
           <p:cNvPr id="5" name="スライド番号プレースホルダー 4">
             <a:extLst>
               <a:ext uri="{FF2B5EF4-FFF2-40B4-BE49-F238E27FC236}">
-                <a16:creationId xmlns:a16="http://schemas.microsoft.com/office/drawing/2014/main" xmlns="" id="{5EA39D9F-5243-4AFC-890F-AF2AE32AE38B}"/>
+                <a16:creationId xmlns="" xmlns:a16="http://schemas.microsoft.com/office/drawing/2014/main" id="{5EA39D9F-5243-4AFC-890F-AF2AE32AE38B}"/>
               </a:ext>
             </a:extLst>
           </p:cNvPr>
@@ -8993,7 +9571,7 @@
           <p:cNvPr id="4" name="日付プレースホルダー 3">
             <a:extLst>
               <a:ext uri="{FF2B5EF4-FFF2-40B4-BE49-F238E27FC236}">
-                <a16:creationId xmlns:a16="http://schemas.microsoft.com/office/drawing/2014/main" xmlns="" id="{80AB7885-0E5E-408E-9AAF-1454900A27F1}"/>
+                <a16:creationId xmlns="" xmlns:a16="http://schemas.microsoft.com/office/drawing/2014/main" id="{80AB7885-0E5E-408E-9AAF-1454900A27F1}"/>
               </a:ext>
             </a:extLst>
           </p:cNvPr>
@@ -9012,7 +9590,7 @@
             <a:pPr rtl="0"/>
             <a:fld id="{77C180FA-CFF2-4446-B401-E27F4FB9F4F7}" type="datetime4">
               <a:rPr lang="ja-JP" altLang="en-US" smtClean="0"/>
-              <a:t>2017年11月1日</a:t>
+              <a:t>2017年11月8日</a:t>
             </a:fld>
             <a:endParaRPr lang="en-US" dirty="0"/>
           </a:p>
@@ -9023,7 +9601,7 @@
           <p:cNvPr id="5" name="スライド番号プレースホルダー 4">
             <a:extLst>
               <a:ext uri="{FF2B5EF4-FFF2-40B4-BE49-F238E27FC236}">
-                <a16:creationId xmlns:a16="http://schemas.microsoft.com/office/drawing/2014/main" xmlns="" id="{5EA39D9F-5243-4AFC-890F-AF2AE32AE38B}"/>
+                <a16:creationId xmlns="" xmlns:a16="http://schemas.microsoft.com/office/drawing/2014/main" id="{5EA39D9F-5243-4AFC-890F-AF2AE32AE38B}"/>
               </a:ext>
             </a:extLst>
           </p:cNvPr>
@@ -9248,7 +9826,7 @@
           <p:cNvPr id="4" name="日付プレースホルダー 3">
             <a:extLst>
               <a:ext uri="{FF2B5EF4-FFF2-40B4-BE49-F238E27FC236}">
-                <a16:creationId xmlns:a16="http://schemas.microsoft.com/office/drawing/2014/main" xmlns="" id="{80AB7885-0E5E-408E-9AAF-1454900A27F1}"/>
+                <a16:creationId xmlns="" xmlns:a16="http://schemas.microsoft.com/office/drawing/2014/main" id="{80AB7885-0E5E-408E-9AAF-1454900A27F1}"/>
               </a:ext>
             </a:extLst>
           </p:cNvPr>
@@ -9267,7 +9845,7 @@
             <a:pPr rtl="0"/>
             <a:fld id="{77C180FA-CFF2-4446-B401-E27F4FB9F4F7}" type="datetime4">
               <a:rPr lang="ja-JP" altLang="en-US" smtClean="0"/>
-              <a:t>2017年11月1日</a:t>
+              <a:t>2017年11月8日</a:t>
             </a:fld>
             <a:endParaRPr lang="en-US" dirty="0"/>
           </a:p>
@@ -9278,7 +9856,7 @@
           <p:cNvPr id="5" name="スライド番号プレースホルダー 4">
             <a:extLst>
               <a:ext uri="{FF2B5EF4-FFF2-40B4-BE49-F238E27FC236}">
-                <a16:creationId xmlns:a16="http://schemas.microsoft.com/office/drawing/2014/main" xmlns="" id="{5EA39D9F-5243-4AFC-890F-AF2AE32AE38B}"/>
+                <a16:creationId xmlns="" xmlns:a16="http://schemas.microsoft.com/office/drawing/2014/main" id="{5EA39D9F-5243-4AFC-890F-AF2AE32AE38B}"/>
               </a:ext>
             </a:extLst>
           </p:cNvPr>
@@ -9485,7 +10063,7 @@
           <p:cNvPr id="4" name="日付プレースホルダー 3">
             <a:extLst>
               <a:ext uri="{FF2B5EF4-FFF2-40B4-BE49-F238E27FC236}">
-                <a16:creationId xmlns:a16="http://schemas.microsoft.com/office/drawing/2014/main" xmlns="" id="{80AB7885-0E5E-408E-9AAF-1454900A27F1}"/>
+                <a16:creationId xmlns="" xmlns:a16="http://schemas.microsoft.com/office/drawing/2014/main" id="{80AB7885-0E5E-408E-9AAF-1454900A27F1}"/>
               </a:ext>
             </a:extLst>
           </p:cNvPr>
@@ -9504,7 +10082,7 @@
             <a:pPr rtl="0"/>
             <a:fld id="{77C180FA-CFF2-4446-B401-E27F4FB9F4F7}" type="datetime4">
               <a:rPr lang="ja-JP" altLang="en-US" smtClean="0"/>
-              <a:t>2017年11月1日</a:t>
+              <a:t>2017年11月8日</a:t>
             </a:fld>
             <a:endParaRPr lang="en-US" dirty="0"/>
           </a:p>
@@ -9515,7 +10093,7 @@
           <p:cNvPr id="5" name="スライド番号プレースホルダー 4">
             <a:extLst>
               <a:ext uri="{FF2B5EF4-FFF2-40B4-BE49-F238E27FC236}">
-                <a16:creationId xmlns:a16="http://schemas.microsoft.com/office/drawing/2014/main" xmlns="" id="{5EA39D9F-5243-4AFC-890F-AF2AE32AE38B}"/>
+                <a16:creationId xmlns="" xmlns:a16="http://schemas.microsoft.com/office/drawing/2014/main" id="{5EA39D9F-5243-4AFC-890F-AF2AE32AE38B}"/>
               </a:ext>
             </a:extLst>
           </p:cNvPr>

--- a/report/データ解析コンペティション中間報告.pptx
+++ b/report/データ解析コンペティション中間報告.pptx
@@ -223,7 +223,7 @@
                 <a:latin typeface="Meiryo UI" panose="020B0604030504040204" pitchFamily="50" charset="-128"/>
                 <a:ea typeface="Meiryo UI" panose="020B0604030504040204" pitchFamily="50" charset="-128"/>
               </a:rPr>
-              <a:t>2017年11月8日</a:t>
+              <a:t>2017年11月9日</a:t>
             </a:fld>
             <a:endParaRPr kumimoji="1" lang="ja-JP" altLang="en-US" dirty="0">
               <a:latin typeface="Meiryo UI" panose="020B0604030504040204" pitchFamily="50" charset="-128"/>
@@ -407,7 +407,7 @@
             <a:fld id="{EECA54F6-A409-4052-BA8C-D33E3AF8AD29}" type="datetime4">
               <a:rPr lang="ja-JP" altLang="en-US" smtClean="0"/>
               <a:pPr/>
-              <a:t>2017年11月8日</a:t>
+              <a:t>2017年11月9日</a:t>
             </a:fld>
             <a:endParaRPr lang="ja-JP" altLang="en-US" dirty="0"/>
           </a:p>
@@ -2443,7 +2443,7 @@
             <a:pPr rtl="0"/>
             <a:fld id="{18ECF309-3B86-4579-B137-88A650364831}" type="datetime4">
               <a:rPr lang="ja-JP" altLang="en-US" smtClean="0"/>
-              <a:t>2017年11月8日</a:t>
+              <a:t>2017年11月9日</a:t>
             </a:fld>
             <a:endParaRPr lang="en-US" dirty="0"/>
           </a:p>
@@ -2663,7 +2663,7 @@
             <a:pPr rtl="0"/>
             <a:fld id="{C48E08F4-9226-4E7A-984A-9249018A2D88}" type="datetime4">
               <a:rPr lang="ja-JP" altLang="en-US" smtClean="0"/>
-              <a:t>2017年11月8日</a:t>
+              <a:t>2017年11月9日</a:t>
             </a:fld>
             <a:endParaRPr lang="en-US" dirty="0"/>
           </a:p>
@@ -2893,7 +2893,7 @@
             <a:pPr rtl="0"/>
             <a:fld id="{6251088C-7039-419E-802E-BD5362D82CE3}" type="datetime4">
               <a:rPr lang="ja-JP" altLang="en-US" smtClean="0"/>
-              <a:t>2017年11月8日</a:t>
+              <a:t>2017年11月9日</a:t>
             </a:fld>
             <a:endParaRPr lang="en-US" dirty="0"/>
           </a:p>
@@ -3114,7 +3114,7 @@
             <a:pPr rtl="0"/>
             <a:fld id="{D2B8F4F0-DD0B-4516-9E3C-10530980B3C7}" type="datetime4">
               <a:rPr lang="ja-JP" altLang="en-US" smtClean="0"/>
-              <a:t>2017年11月8日</a:t>
+              <a:t>2017年11月9日</a:t>
             </a:fld>
             <a:endParaRPr lang="en-US" dirty="0"/>
           </a:p>
@@ -3366,7 +3366,7 @@
             <a:pPr rtl="0"/>
             <a:fld id="{DA448180-72EA-4A5B-A1EF-838407754246}" type="datetime4">
               <a:rPr lang="ja-JP" altLang="en-US" smtClean="0"/>
-              <a:t>2017年11月8日</a:t>
+              <a:t>2017年11月9日</a:t>
             </a:fld>
             <a:endParaRPr lang="en-US" dirty="0"/>
           </a:p>
@@ -3718,7 +3718,7 @@
             <a:pPr rtl="0"/>
             <a:fld id="{6C040AEB-A5BB-43B0-8911-FA04B8C3FE49}" type="datetime4">
               <a:rPr lang="ja-JP" altLang="en-US" smtClean="0"/>
-              <a:t>2017年11月8日</a:t>
+              <a:t>2017年11月9日</a:t>
             </a:fld>
             <a:endParaRPr lang="en-US" dirty="0"/>
           </a:p>
@@ -4184,7 +4184,7 @@
             <a:pPr rtl="0"/>
             <a:fld id="{7CFF4D35-92CC-485E-8973-FBAF1F7BEC99}" type="datetime4">
               <a:rPr lang="ja-JP" altLang="en-US" smtClean="0"/>
-              <a:t>2017年11月8日</a:t>
+              <a:t>2017年11月9日</a:t>
             </a:fld>
             <a:endParaRPr lang="en-US" dirty="0"/>
           </a:p>
@@ -4359,7 +4359,7 @@
             <a:pPr rtl="0"/>
             <a:fld id="{947912BA-6A00-47C0-911C-54608524483C}" type="datetime4">
               <a:rPr lang="ja-JP" altLang="en-US" smtClean="0"/>
-              <a:t>2017年11月8日</a:t>
+              <a:t>2017年11月9日</a:t>
             </a:fld>
             <a:endParaRPr lang="en-US" dirty="0"/>
           </a:p>
@@ -4472,7 +4472,7 @@
             <a:pPr rtl="0"/>
             <a:fld id="{04DF9383-A652-4932-A36F-571EC122802A}" type="datetime4">
               <a:rPr lang="ja-JP" altLang="en-US" smtClean="0"/>
-              <a:t>2017年11月8日</a:t>
+              <a:t>2017年11月9日</a:t>
             </a:fld>
             <a:endParaRPr lang="en-US" dirty="0"/>
           </a:p>
@@ -4789,7 +4789,7 @@
             <a:pPr rtl="0"/>
             <a:fld id="{BAF210E1-61AC-492D-A321-6C678AC06DBE}" type="datetime4">
               <a:rPr lang="ja-JP" altLang="en-US" smtClean="0"/>
-              <a:t>2017年11月8日</a:t>
+              <a:t>2017年11月9日</a:t>
             </a:fld>
             <a:endParaRPr lang="en-US" dirty="0"/>
           </a:p>
@@ -5148,7 +5148,7 @@
             <a:pPr rtl="0"/>
             <a:fld id="{B3E5F795-E9BD-471B-BB35-76B25F093B28}" type="datetime4">
               <a:rPr lang="ja-JP" altLang="en-US" smtClean="0"/>
-              <a:t>2017年11月8日</a:t>
+              <a:t>2017年11月9日</a:t>
             </a:fld>
             <a:endParaRPr lang="en-US" dirty="0"/>
           </a:p>
@@ -6219,7 +6219,7 @@
           <a:p>
             <a:fld id="{094F16E5-A987-4DA0-AEEC-D541C24CF4F4}" type="datetime4">
               <a:rPr lang="ja-JP" altLang="en-US" smtClean="0"/>
-              <a:t>2017年11月8日</a:t>
+              <a:t>2017年11月9日</a:t>
             </a:fld>
             <a:endParaRPr lang="en-US" dirty="0"/>
           </a:p>
@@ -6747,7 +6747,7 @@
           <p:cNvPr id="6" name="日付プレースホルダー 5">
             <a:extLst>
               <a:ext uri="{FF2B5EF4-FFF2-40B4-BE49-F238E27FC236}">
-                <a16:creationId xmlns="" xmlns:a16="http://schemas.microsoft.com/office/drawing/2014/main" id="{06288D64-2430-4210-8551-B383D2BF8DB0}"/>
+                <a16:creationId xmlns:a16="http://schemas.microsoft.com/office/drawing/2014/main" xmlns="" id="{06288D64-2430-4210-8551-B383D2BF8DB0}"/>
               </a:ext>
             </a:extLst>
           </p:cNvPr>
@@ -6766,7 +6766,7 @@
             <a:pPr rtl="0"/>
             <a:fld id="{A2342F28-FC40-49A6-9DDB-4B98AA196348}" type="datetime4">
               <a:rPr lang="ja-JP" altLang="en-US" smtClean="0"/>
-              <a:t>2017年11月8日</a:t>
+              <a:t>2017年11月9日</a:t>
             </a:fld>
             <a:endParaRPr lang="en-US" dirty="0"/>
           </a:p>
@@ -6777,7 +6777,7 @@
           <p:cNvPr id="7" name="スライド番号プレースホルダー 6">
             <a:extLst>
               <a:ext uri="{FF2B5EF4-FFF2-40B4-BE49-F238E27FC236}">
-                <a16:creationId xmlns="" xmlns:a16="http://schemas.microsoft.com/office/drawing/2014/main" id="{9E8D6284-2EED-4BBA-A6DA-E9384CAC5CB6}"/>
+                <a16:creationId xmlns:a16="http://schemas.microsoft.com/office/drawing/2014/main" xmlns="" id="{9E8D6284-2EED-4BBA-A6DA-E9384CAC5CB6}"/>
               </a:ext>
             </a:extLst>
           </p:cNvPr>
@@ -6875,7 +6875,7 @@
           <p:cNvPr id="4" name="日付プレースホルダー 3">
             <a:extLst>
               <a:ext uri="{FF2B5EF4-FFF2-40B4-BE49-F238E27FC236}">
-                <a16:creationId xmlns="" xmlns:a16="http://schemas.microsoft.com/office/drawing/2014/main" id="{06B1ED64-E469-461F-BAFD-4C2F22A620C6}"/>
+                <a16:creationId xmlns:a16="http://schemas.microsoft.com/office/drawing/2014/main" xmlns="" id="{06B1ED64-E469-461F-BAFD-4C2F22A620C6}"/>
               </a:ext>
             </a:extLst>
           </p:cNvPr>
@@ -6894,7 +6894,7 @@
             <a:pPr rtl="0"/>
             <a:fld id="{DA655A48-EA42-4638-8FA0-D2ACF9EC852F}" type="datetime4">
               <a:rPr lang="ja-JP" altLang="en-US" smtClean="0"/>
-              <a:t>2017年11月8日</a:t>
+              <a:t>2017年11月9日</a:t>
             </a:fld>
             <a:endParaRPr lang="en-US" dirty="0"/>
           </a:p>
@@ -6905,7 +6905,7 @@
           <p:cNvPr id="5" name="スライド番号プレースホルダー 4">
             <a:extLst>
               <a:ext uri="{FF2B5EF4-FFF2-40B4-BE49-F238E27FC236}">
-                <a16:creationId xmlns="" xmlns:a16="http://schemas.microsoft.com/office/drawing/2014/main" id="{B658C540-8ADF-4B54-AACB-0D06C525C7F1}"/>
+                <a16:creationId xmlns:a16="http://schemas.microsoft.com/office/drawing/2014/main" xmlns="" id="{B658C540-8ADF-4B54-AACB-0D06C525C7F1}"/>
               </a:ext>
             </a:extLst>
           </p:cNvPr>
@@ -6935,7 +6935,7 @@
           <p:cNvPr id="9" name="コンテンツ プレースホルダー 8">
             <a:extLst>
               <a:ext uri="{FF2B5EF4-FFF2-40B4-BE49-F238E27FC236}">
-                <a16:creationId xmlns="" xmlns:a16="http://schemas.microsoft.com/office/drawing/2014/main" id="{6C924DD0-1C46-4792-AD8A-8D0E8C4B630B}"/>
+                <a16:creationId xmlns:a16="http://schemas.microsoft.com/office/drawing/2014/main" xmlns="" id="{6C924DD0-1C46-4792-AD8A-8D0E8C4B630B}"/>
               </a:ext>
             </a:extLst>
           </p:cNvPr>
@@ -6965,49 +6965,49 @@
                 <a:gridCol w="1567543">
                   <a:extLst>
                     <a:ext uri="{9D8B030D-6E8A-4147-A177-3AD203B41FA5}">
-                      <a16:colId xmlns="" xmlns:a16="http://schemas.microsoft.com/office/drawing/2014/main" val="1745892809"/>
+                      <a16:colId xmlns:a16="http://schemas.microsoft.com/office/drawing/2014/main" xmlns="" val="1745892809"/>
                     </a:ext>
                   </a:extLst>
                 </a:gridCol>
                 <a:gridCol w="1567543">
                   <a:extLst>
                     <a:ext uri="{9D8B030D-6E8A-4147-A177-3AD203B41FA5}">
-                      <a16:colId xmlns="" xmlns:a16="http://schemas.microsoft.com/office/drawing/2014/main" val="1449369351"/>
+                      <a16:colId xmlns:a16="http://schemas.microsoft.com/office/drawing/2014/main" xmlns="" val="1449369351"/>
                     </a:ext>
                   </a:extLst>
                 </a:gridCol>
                 <a:gridCol w="1567543">
                   <a:extLst>
                     <a:ext uri="{9D8B030D-6E8A-4147-A177-3AD203B41FA5}">
-                      <a16:colId xmlns="" xmlns:a16="http://schemas.microsoft.com/office/drawing/2014/main" val="568099461"/>
+                      <a16:colId xmlns:a16="http://schemas.microsoft.com/office/drawing/2014/main" xmlns="" val="568099461"/>
                     </a:ext>
                   </a:extLst>
                 </a:gridCol>
                 <a:gridCol w="1567543">
                   <a:extLst>
                     <a:ext uri="{9D8B030D-6E8A-4147-A177-3AD203B41FA5}">
-                      <a16:colId xmlns="" xmlns:a16="http://schemas.microsoft.com/office/drawing/2014/main" val="1458967814"/>
+                      <a16:colId xmlns:a16="http://schemas.microsoft.com/office/drawing/2014/main" xmlns="" val="1458967814"/>
                     </a:ext>
                   </a:extLst>
                 </a:gridCol>
                 <a:gridCol w="1567543">
                   <a:extLst>
                     <a:ext uri="{9D8B030D-6E8A-4147-A177-3AD203B41FA5}">
-                      <a16:colId xmlns="" xmlns:a16="http://schemas.microsoft.com/office/drawing/2014/main" val="1163922"/>
+                      <a16:colId xmlns:a16="http://schemas.microsoft.com/office/drawing/2014/main" xmlns="" val="1163922"/>
                     </a:ext>
                   </a:extLst>
                 </a:gridCol>
                 <a:gridCol w="1567543">
                   <a:extLst>
                     <a:ext uri="{9D8B030D-6E8A-4147-A177-3AD203B41FA5}">
-                      <a16:colId xmlns="" xmlns:a16="http://schemas.microsoft.com/office/drawing/2014/main" val="544888355"/>
+                      <a16:colId xmlns:a16="http://schemas.microsoft.com/office/drawing/2014/main" xmlns="" val="544888355"/>
                     </a:ext>
                   </a:extLst>
                 </a:gridCol>
                 <a:gridCol w="1567543">
                   <a:extLst>
                     <a:ext uri="{9D8B030D-6E8A-4147-A177-3AD203B41FA5}">
-                      <a16:colId xmlns="" xmlns:a16="http://schemas.microsoft.com/office/drawing/2014/main" val="3650096592"/>
+                      <a16:colId xmlns:a16="http://schemas.microsoft.com/office/drawing/2014/main" xmlns="" val="3650096592"/>
                     </a:ext>
                   </a:extLst>
                 </a:gridCol>
@@ -7103,7 +7103,7 @@
                 </a:tc>
                 <a:extLst>
                   <a:ext uri="{0D108BD9-81ED-4DB2-BD59-A6C34878D82A}">
-                    <a16:rowId xmlns="" xmlns:a16="http://schemas.microsoft.com/office/drawing/2014/main" val="1620933915"/>
+                    <a16:rowId xmlns:a16="http://schemas.microsoft.com/office/drawing/2014/main" xmlns="" val="1620933915"/>
                   </a:ext>
                 </a:extLst>
               </a:tr>
@@ -7207,7 +7207,7 @@
                 </a:tc>
                 <a:extLst>
                   <a:ext uri="{0D108BD9-81ED-4DB2-BD59-A6C34878D82A}">
-                    <a16:rowId xmlns="" xmlns:a16="http://schemas.microsoft.com/office/drawing/2014/main" val="3499039659"/>
+                    <a16:rowId xmlns:a16="http://schemas.microsoft.com/office/drawing/2014/main" xmlns="" val="3499039659"/>
                   </a:ext>
                 </a:extLst>
               </a:tr>
@@ -7220,7 +7220,7 @@
           <p:cNvPr id="11" name="コンテンツ プレースホルダー 1">
             <a:extLst>
               <a:ext uri="{FF2B5EF4-FFF2-40B4-BE49-F238E27FC236}">
-                <a16:creationId xmlns="" xmlns:a16="http://schemas.microsoft.com/office/drawing/2014/main" id="{B479F282-F383-4548-A92F-99FE0B739BE9}"/>
+                <a16:creationId xmlns:a16="http://schemas.microsoft.com/office/drawing/2014/main" xmlns="" id="{B479F282-F383-4548-A92F-99FE0B739BE9}"/>
               </a:ext>
             </a:extLst>
           </p:cNvPr>
@@ -7525,7 +7525,7 @@
           <p:cNvPr id="4" name="日付プレースホルダー 3">
             <a:extLst>
               <a:ext uri="{FF2B5EF4-FFF2-40B4-BE49-F238E27FC236}">
-                <a16:creationId xmlns="" xmlns:a16="http://schemas.microsoft.com/office/drawing/2014/main" id="{025892AF-5659-4772-B1F5-BA0EBDF9722B}"/>
+                <a16:creationId xmlns:a16="http://schemas.microsoft.com/office/drawing/2014/main" xmlns="" id="{025892AF-5659-4772-B1F5-BA0EBDF9722B}"/>
               </a:ext>
             </a:extLst>
           </p:cNvPr>
@@ -7544,7 +7544,7 @@
             <a:pPr rtl="0"/>
             <a:fld id="{6D0A085D-0221-4FE5-BD83-4A6338CA0455}" type="datetime4">
               <a:rPr lang="ja-JP" altLang="en-US" smtClean="0"/>
-              <a:t>2017年11月8日</a:t>
+              <a:t>2017年11月9日</a:t>
             </a:fld>
             <a:endParaRPr lang="en-US" dirty="0"/>
           </a:p>
@@ -7555,7 +7555,7 @@
           <p:cNvPr id="5" name="スライド番号プレースホルダー 4">
             <a:extLst>
               <a:ext uri="{FF2B5EF4-FFF2-40B4-BE49-F238E27FC236}">
-                <a16:creationId xmlns="" xmlns:a16="http://schemas.microsoft.com/office/drawing/2014/main" id="{6A639EF7-7272-46D1-BBF0-E0C878B5782A}"/>
+                <a16:creationId xmlns:a16="http://schemas.microsoft.com/office/drawing/2014/main" xmlns="" id="{6A639EF7-7272-46D1-BBF0-E0C878B5782A}"/>
               </a:ext>
             </a:extLst>
           </p:cNvPr>
@@ -7666,7 +7666,7 @@
           <p:cNvPr id="4" name="日付プレースホルダー 3">
             <a:extLst>
               <a:ext uri="{FF2B5EF4-FFF2-40B4-BE49-F238E27FC236}">
-                <a16:creationId xmlns="" xmlns:a16="http://schemas.microsoft.com/office/drawing/2014/main" id="{025892AF-5659-4772-B1F5-BA0EBDF9722B}"/>
+                <a16:creationId xmlns:a16="http://schemas.microsoft.com/office/drawing/2014/main" xmlns="" id="{025892AF-5659-4772-B1F5-BA0EBDF9722B}"/>
               </a:ext>
             </a:extLst>
           </p:cNvPr>
@@ -7685,7 +7685,7 @@
             <a:pPr rtl="0"/>
             <a:fld id="{6D0A085D-0221-4FE5-BD83-4A6338CA0455}" type="datetime4">
               <a:rPr lang="ja-JP" altLang="en-US" smtClean="0"/>
-              <a:t>2017年11月8日</a:t>
+              <a:t>2017年11月9日</a:t>
             </a:fld>
             <a:endParaRPr lang="en-US" dirty="0"/>
           </a:p>
@@ -7696,7 +7696,7 @@
           <p:cNvPr id="5" name="スライド番号プレースホルダー 4">
             <a:extLst>
               <a:ext uri="{FF2B5EF4-FFF2-40B4-BE49-F238E27FC236}">
-                <a16:creationId xmlns="" xmlns:a16="http://schemas.microsoft.com/office/drawing/2014/main" id="{6A639EF7-7272-46D1-BBF0-E0C878B5782A}"/>
+                <a16:creationId xmlns:a16="http://schemas.microsoft.com/office/drawing/2014/main" xmlns="" id="{6A639EF7-7272-46D1-BBF0-E0C878B5782A}"/>
               </a:ext>
             </a:extLst>
           </p:cNvPr>
@@ -7840,7 +7840,7 @@
           <p:cNvPr id="4" name="日付プレースホルダー 3">
             <a:extLst>
               <a:ext uri="{FF2B5EF4-FFF2-40B4-BE49-F238E27FC236}">
-                <a16:creationId xmlns="" xmlns:a16="http://schemas.microsoft.com/office/drawing/2014/main" id="{025892AF-5659-4772-B1F5-BA0EBDF9722B}"/>
+                <a16:creationId xmlns:a16="http://schemas.microsoft.com/office/drawing/2014/main" xmlns="" id="{025892AF-5659-4772-B1F5-BA0EBDF9722B}"/>
               </a:ext>
             </a:extLst>
           </p:cNvPr>
@@ -7859,7 +7859,7 @@
             <a:pPr rtl="0"/>
             <a:fld id="{6D0A085D-0221-4FE5-BD83-4A6338CA0455}" type="datetime4">
               <a:rPr lang="ja-JP" altLang="en-US" smtClean="0"/>
-              <a:t>2017年11月8日</a:t>
+              <a:t>2017年11月9日</a:t>
             </a:fld>
             <a:endParaRPr lang="en-US" dirty="0"/>
           </a:p>
@@ -7870,7 +7870,7 @@
           <p:cNvPr id="5" name="スライド番号プレースホルダー 4">
             <a:extLst>
               <a:ext uri="{FF2B5EF4-FFF2-40B4-BE49-F238E27FC236}">
-                <a16:creationId xmlns="" xmlns:a16="http://schemas.microsoft.com/office/drawing/2014/main" id="{6A639EF7-7272-46D1-BBF0-E0C878B5782A}"/>
+                <a16:creationId xmlns:a16="http://schemas.microsoft.com/office/drawing/2014/main" xmlns="" id="{6A639EF7-7272-46D1-BBF0-E0C878B5782A}"/>
               </a:ext>
             </a:extLst>
           </p:cNvPr>
@@ -8037,33 +8037,10 @@
       </p:sp>
       <p:sp>
         <p:nvSpPr>
-          <p:cNvPr id="2" name="コンテンツ プレースホルダー 1"/>
-          <p:cNvSpPr>
-            <a:spLocks noGrp="1"/>
-          </p:cNvSpPr>
-          <p:nvPr>
-            <p:ph idx="1"/>
-          </p:nvPr>
-        </p:nvSpPr>
-        <p:spPr/>
-        <p:txBody>
-          <a:bodyPr rtlCol="0"/>
-          <a:lstStyle/>
-          <a:p>
-            <a:pPr rtl="0"/>
-            <a:endParaRPr lang="en-US" dirty="0">
-              <a:latin typeface="ＭＳ 明朝" panose="02020609040205080304" pitchFamily="17" charset="-128"/>
-              <a:ea typeface="ＭＳ 明朝" panose="02020609040205080304" pitchFamily="17" charset="-128"/>
-            </a:endParaRPr>
-          </a:p>
-        </p:txBody>
-      </p:sp>
-      <p:sp>
-        <p:nvSpPr>
           <p:cNvPr id="4" name="日付プレースホルダー 3">
             <a:extLst>
               <a:ext uri="{FF2B5EF4-FFF2-40B4-BE49-F238E27FC236}">
-                <a16:creationId xmlns="" xmlns:a16="http://schemas.microsoft.com/office/drawing/2014/main" id="{6CB8136F-3B1A-4F57-A9B1-1C9EFDB64384}"/>
+                <a16:creationId xmlns:a16="http://schemas.microsoft.com/office/drawing/2014/main" xmlns="" id="{6CB8136F-3B1A-4F57-A9B1-1C9EFDB64384}"/>
               </a:ext>
             </a:extLst>
           </p:cNvPr>
@@ -8082,7 +8059,7 @@
             <a:pPr rtl="0"/>
             <a:fld id="{BC28DBE5-3AC0-4BDB-9723-66725C58468D}" type="datetime4">
               <a:rPr lang="ja-JP" altLang="en-US" smtClean="0"/>
-              <a:t>2017年11月8日</a:t>
+              <a:t>2017年11月9日</a:t>
             </a:fld>
             <a:endParaRPr lang="en-US" dirty="0"/>
           </a:p>
@@ -8093,7 +8070,7 @@
           <p:cNvPr id="5" name="スライド番号プレースホルダー 4">
             <a:extLst>
               <a:ext uri="{FF2B5EF4-FFF2-40B4-BE49-F238E27FC236}">
-                <a16:creationId xmlns="" xmlns:a16="http://schemas.microsoft.com/office/drawing/2014/main" id="{0923BB01-6B06-41F2-B73E-7FF366EDDB19}"/>
+                <a16:creationId xmlns:a16="http://schemas.microsoft.com/office/drawing/2014/main" xmlns="" id="{0923BB01-6B06-41F2-B73E-7FF366EDDB19}"/>
               </a:ext>
             </a:extLst>
           </p:cNvPr>
@@ -8115,6 +8092,25 @@
               <a:t>14</a:t>
             </a:fld>
             <a:endParaRPr lang="ja-JP" altLang="en-US" noProof="0" dirty="0"/>
+          </a:p>
+        </p:txBody>
+      </p:sp>
+      <p:sp>
+        <p:nvSpPr>
+          <p:cNvPr id="7" name="コンテンツ プレースホルダー 6"/>
+          <p:cNvSpPr>
+            <a:spLocks noGrp="1"/>
+          </p:cNvSpPr>
+          <p:nvPr>
+            <p:ph idx="1"/>
+          </p:nvPr>
+        </p:nvSpPr>
+        <p:spPr/>
+        <p:txBody>
+          <a:bodyPr/>
+          <a:lstStyle/>
+          <a:p>
+            <a:endParaRPr kumimoji="1" lang="ja-JP" altLang="en-US"/>
           </a:p>
         </p:txBody>
       </p:sp>
@@ -8225,7 +8221,7 @@
           <p:cNvPr id="4" name="日付プレースホルダー 3">
             <a:extLst>
               <a:ext uri="{FF2B5EF4-FFF2-40B4-BE49-F238E27FC236}">
-                <a16:creationId xmlns="" xmlns:a16="http://schemas.microsoft.com/office/drawing/2014/main" id="{D0905ABD-AA66-49E9-98EB-C61A053BD754}"/>
+                <a16:creationId xmlns:a16="http://schemas.microsoft.com/office/drawing/2014/main" xmlns="" id="{D0905ABD-AA66-49E9-98EB-C61A053BD754}"/>
               </a:ext>
             </a:extLst>
           </p:cNvPr>
@@ -8244,7 +8240,7 @@
             <a:pPr rtl="0"/>
             <a:fld id="{C83BD9FF-CF36-42FD-8515-2CDBFFAA002B}" type="datetime4">
               <a:rPr lang="ja-JP" altLang="en-US" smtClean="0"/>
-              <a:t>2017年11月8日</a:t>
+              <a:t>2017年11月9日</a:t>
             </a:fld>
             <a:endParaRPr lang="en-US" dirty="0"/>
           </a:p>
@@ -8255,7 +8251,7 @@
           <p:cNvPr id="5" name="スライド番号プレースホルダー 4">
             <a:extLst>
               <a:ext uri="{FF2B5EF4-FFF2-40B4-BE49-F238E27FC236}">
-                <a16:creationId xmlns="" xmlns:a16="http://schemas.microsoft.com/office/drawing/2014/main" id="{59AE5A3B-333D-408C-8A46-FD98F75C40A4}"/>
+                <a16:creationId xmlns:a16="http://schemas.microsoft.com/office/drawing/2014/main" xmlns="" id="{59AE5A3B-333D-408C-8A46-FD98F75C40A4}"/>
               </a:ext>
             </a:extLst>
           </p:cNvPr>
@@ -8435,7 +8431,7 @@
           <p:cNvPr id="4" name="日付プレースホルダー 3">
             <a:extLst>
               <a:ext uri="{FF2B5EF4-FFF2-40B4-BE49-F238E27FC236}">
-                <a16:creationId xmlns="" xmlns:a16="http://schemas.microsoft.com/office/drawing/2014/main" id="{65580798-4494-48DB-9432-961CE1B1B97C}"/>
+                <a16:creationId xmlns:a16="http://schemas.microsoft.com/office/drawing/2014/main" xmlns="" id="{65580798-4494-48DB-9432-961CE1B1B97C}"/>
               </a:ext>
             </a:extLst>
           </p:cNvPr>
@@ -8454,7 +8450,7 @@
             <a:pPr rtl="0"/>
             <a:fld id="{31D57F05-861D-4E37-A2C5-B06B3CD0725A}" type="datetime4">
               <a:rPr lang="ja-JP" altLang="en-US" smtClean="0"/>
-              <a:t>2017年11月8日</a:t>
+              <a:t>2017年11月9日</a:t>
             </a:fld>
             <a:endParaRPr lang="en-US" dirty="0"/>
           </a:p>
@@ -8465,7 +8461,7 @@
           <p:cNvPr id="5" name="スライド番号プレースホルダー 4">
             <a:extLst>
               <a:ext uri="{FF2B5EF4-FFF2-40B4-BE49-F238E27FC236}">
-                <a16:creationId xmlns="" xmlns:a16="http://schemas.microsoft.com/office/drawing/2014/main" id="{66081F81-C165-4D92-B3E1-4181B21520E3}"/>
+                <a16:creationId xmlns:a16="http://schemas.microsoft.com/office/drawing/2014/main" xmlns="" id="{66081F81-C165-4D92-B3E1-4181B21520E3}"/>
               </a:ext>
             </a:extLst>
           </p:cNvPr>
@@ -8560,35 +8556,10 @@
       </p:sp>
       <p:sp>
         <p:nvSpPr>
-          <p:cNvPr id="2" name="コンテンツ プレースホルダー 1"/>
-          <p:cNvSpPr>
-            <a:spLocks noGrp="1"/>
-          </p:cNvSpPr>
-          <p:nvPr>
-            <p:ph idx="1"/>
-          </p:nvPr>
-        </p:nvSpPr>
-        <p:spPr/>
-        <p:txBody>
-          <a:bodyPr rtlCol="0"/>
-          <a:lstStyle/>
-          <a:p>
-            <a:pPr marL="0" indent="0" rtl="0">
-              <a:buNone/>
-            </a:pPr>
-            <a:endParaRPr lang="ja-JP" altLang="en-US" dirty="0">
-              <a:latin typeface="ＭＳ 明朝" panose="02020609040205080304" pitchFamily="17" charset="-128"/>
-              <a:ea typeface="ＭＳ 明朝" panose="02020609040205080304" pitchFamily="17" charset="-128"/>
-            </a:endParaRPr>
-          </a:p>
-        </p:txBody>
-      </p:sp>
-      <p:sp>
-        <p:nvSpPr>
           <p:cNvPr id="4" name="日付プレースホルダー 3">
             <a:extLst>
               <a:ext uri="{FF2B5EF4-FFF2-40B4-BE49-F238E27FC236}">
-                <a16:creationId xmlns="" xmlns:a16="http://schemas.microsoft.com/office/drawing/2014/main" id="{2A955DE1-3AEF-4E45-97D7-28E745902D52}"/>
+                <a16:creationId xmlns:a16="http://schemas.microsoft.com/office/drawing/2014/main" xmlns="" id="{2A955DE1-3AEF-4E45-97D7-28E745902D52}"/>
               </a:ext>
             </a:extLst>
           </p:cNvPr>
@@ -8607,7 +8578,7 @@
             <a:pPr rtl="0"/>
             <a:fld id="{AB134B0F-F045-4F0B-8B34-CC17FB31FEC8}" type="datetime4">
               <a:rPr lang="ja-JP" altLang="en-US" smtClean="0"/>
-              <a:t>2017年11月8日</a:t>
+              <a:t>2017年11月9日</a:t>
             </a:fld>
             <a:endParaRPr lang="en-US" dirty="0"/>
           </a:p>
@@ -8618,7 +8589,7 @@
           <p:cNvPr id="5" name="スライド番号プレースホルダー 4">
             <a:extLst>
               <a:ext uri="{FF2B5EF4-FFF2-40B4-BE49-F238E27FC236}">
-                <a16:creationId xmlns="" xmlns:a16="http://schemas.microsoft.com/office/drawing/2014/main" id="{08144B19-6FE0-4B2E-A173-1035A8BB2783}"/>
+                <a16:creationId xmlns:a16="http://schemas.microsoft.com/office/drawing/2014/main" xmlns="" id="{08144B19-6FE0-4B2E-A173-1035A8BB2783}"/>
               </a:ext>
             </a:extLst>
           </p:cNvPr>
@@ -8640,6 +8611,81 @@
               <a:t>3</a:t>
             </a:fld>
             <a:endParaRPr lang="ja-JP" altLang="en-US" noProof="0" dirty="0"/>
+          </a:p>
+        </p:txBody>
+      </p:sp>
+      <p:sp>
+        <p:nvSpPr>
+          <p:cNvPr id="6" name="コンテンツ プレースホルダー 1"/>
+          <p:cNvSpPr>
+            <a:spLocks noGrp="1"/>
+          </p:cNvSpPr>
+          <p:nvPr>
+            <p:ph idx="1"/>
+          </p:nvPr>
+        </p:nvSpPr>
+        <p:spPr>
+          <a:xfrm>
+            <a:off x="609600" y="1935480"/>
+            <a:ext cx="10972800" cy="4343400"/>
+          </a:xfrm>
+        </p:spPr>
+        <p:txBody>
+          <a:bodyPr rtlCol="0"/>
+          <a:lstStyle/>
+          <a:p>
+            <a:pPr rtl="0"/>
+            <a:r>
+              <a:rPr lang="ja-JP" altLang="en-US" dirty="0" smtClean="0"/>
+              <a:t>データ</a:t>
+            </a:r>
+            <a:r>
+              <a:rPr lang="ja-JP" altLang="en-US" dirty="0"/>
+              <a:t>分析</a:t>
+            </a:r>
+            <a:r>
+              <a:rPr lang="ja-JP" altLang="en-US" dirty="0" smtClean="0"/>
+              <a:t>を通じて</a:t>
+            </a:r>
+            <a:r>
+              <a:rPr lang="en-US" altLang="ja-JP" dirty="0" smtClean="0"/>
+              <a:t>, </a:t>
+            </a:r>
+            <a:r>
+              <a:rPr lang="ja-JP" altLang="en-US" dirty="0" smtClean="0"/>
+              <a:t>各店舗の特徴を見つける</a:t>
+            </a:r>
+            <a:r>
+              <a:rPr lang="en-US" altLang="ja-JP" dirty="0" smtClean="0"/>
+              <a:t>.</a:t>
+            </a:r>
+          </a:p>
+          <a:p>
+            <a:pPr rtl="0"/>
+            <a:r>
+              <a:rPr lang="ja-JP" altLang="en-US" dirty="0"/>
+              <a:t>店舗</a:t>
+            </a:r>
+            <a:r>
+              <a:rPr lang="ja-JP" altLang="en-US" dirty="0" smtClean="0"/>
+              <a:t>ごとの特徴から</a:t>
+            </a:r>
+            <a:r>
+              <a:rPr lang="en-US" altLang="ja-JP" dirty="0" smtClean="0"/>
+              <a:t>, </a:t>
+            </a:r>
+            <a:r>
+              <a:rPr lang="ja-JP" altLang="en-US" dirty="0" smtClean="0"/>
+              <a:t>最も大きい潜在能力を探す</a:t>
+            </a:r>
+            <a:r>
+              <a:rPr lang="en-US" altLang="ja-JP" dirty="0" smtClean="0"/>
+              <a:t>.</a:t>
+            </a:r>
+            <a:endParaRPr lang="ja-JP" altLang="en-US" dirty="0">
+              <a:latin typeface="ＭＳ 明朝" panose="02020609040205080304" pitchFamily="17" charset="-128"/>
+              <a:ea typeface="ＭＳ 明朝" panose="02020609040205080304" pitchFamily="17" charset="-128"/>
+            </a:endParaRPr>
           </a:p>
         </p:txBody>
       </p:sp>
@@ -8826,7 +8872,7 @@
           <p:cNvPr id="4" name="日付プレースホルダー 3">
             <a:extLst>
               <a:ext uri="{FF2B5EF4-FFF2-40B4-BE49-F238E27FC236}">
-                <a16:creationId xmlns="" xmlns:a16="http://schemas.microsoft.com/office/drawing/2014/main" id="{80AB7885-0E5E-408E-9AAF-1454900A27F1}"/>
+                <a16:creationId xmlns:a16="http://schemas.microsoft.com/office/drawing/2014/main" xmlns="" id="{80AB7885-0E5E-408E-9AAF-1454900A27F1}"/>
               </a:ext>
             </a:extLst>
           </p:cNvPr>
@@ -8845,7 +8891,7 @@
             <a:pPr rtl="0"/>
             <a:fld id="{77C180FA-CFF2-4446-B401-E27F4FB9F4F7}" type="datetime4">
               <a:rPr lang="ja-JP" altLang="en-US" smtClean="0"/>
-              <a:t>2017年11月8日</a:t>
+              <a:t>2017年11月9日</a:t>
             </a:fld>
             <a:endParaRPr lang="en-US" dirty="0"/>
           </a:p>
@@ -8856,7 +8902,7 @@
           <p:cNvPr id="5" name="スライド番号プレースホルダー 4">
             <a:extLst>
               <a:ext uri="{FF2B5EF4-FFF2-40B4-BE49-F238E27FC236}">
-                <a16:creationId xmlns="" xmlns:a16="http://schemas.microsoft.com/office/drawing/2014/main" id="{5EA39D9F-5243-4AFC-890F-AF2AE32AE38B}"/>
+                <a16:creationId xmlns:a16="http://schemas.microsoft.com/office/drawing/2014/main" xmlns="" id="{5EA39D9F-5243-4AFC-890F-AF2AE32AE38B}"/>
               </a:ext>
             </a:extLst>
           </p:cNvPr>
@@ -8903,6 +8949,13 @@
       </p:transition>
     </mc:Fallback>
   </mc:AlternateContent>
+  <p:timing>
+    <p:tnLst>
+      <p:par>
+        <p:cTn id="1" dur="indefinite" restart="never" nodeType="tmRoot"/>
+      </p:par>
+    </p:tnLst>
+  </p:timing>
 </p:sld>
 </file>
 
@@ -9102,7 +9155,7 @@
           <p:cNvPr id="4" name="日付プレースホルダー 3">
             <a:extLst>
               <a:ext uri="{FF2B5EF4-FFF2-40B4-BE49-F238E27FC236}">
-                <a16:creationId xmlns="" xmlns:a16="http://schemas.microsoft.com/office/drawing/2014/main" id="{80AB7885-0E5E-408E-9AAF-1454900A27F1}"/>
+                <a16:creationId xmlns:a16="http://schemas.microsoft.com/office/drawing/2014/main" xmlns="" id="{80AB7885-0E5E-408E-9AAF-1454900A27F1}"/>
               </a:ext>
             </a:extLst>
           </p:cNvPr>
@@ -9121,7 +9174,7 @@
             <a:pPr rtl="0"/>
             <a:fld id="{77C180FA-CFF2-4446-B401-E27F4FB9F4F7}" type="datetime4">
               <a:rPr lang="ja-JP" altLang="en-US" smtClean="0"/>
-              <a:t>2017年11月8日</a:t>
+              <a:t>2017年11月9日</a:t>
             </a:fld>
             <a:endParaRPr lang="en-US" dirty="0"/>
           </a:p>
@@ -9132,7 +9185,7 @@
           <p:cNvPr id="5" name="スライド番号プレースホルダー 4">
             <a:extLst>
               <a:ext uri="{FF2B5EF4-FFF2-40B4-BE49-F238E27FC236}">
-                <a16:creationId xmlns="" xmlns:a16="http://schemas.microsoft.com/office/drawing/2014/main" id="{5EA39D9F-5243-4AFC-890F-AF2AE32AE38B}"/>
+                <a16:creationId xmlns:a16="http://schemas.microsoft.com/office/drawing/2014/main" xmlns="" id="{5EA39D9F-5243-4AFC-890F-AF2AE32AE38B}"/>
               </a:ext>
             </a:extLst>
           </p:cNvPr>
@@ -9179,6 +9232,13 @@
       </p:transition>
     </mc:Fallback>
   </mc:AlternateContent>
+  <p:timing>
+    <p:tnLst>
+      <p:par>
+        <p:cTn id="1" dur="indefinite" restart="never" nodeType="tmRoot"/>
+      </p:par>
+    </p:tnLst>
+  </p:timing>
 </p:sld>
 </file>
 
@@ -9299,7 +9359,21 @@
                 <a:latin typeface="ＭＳ 明朝" panose="02020609040205080304" pitchFamily="17" charset="-128"/>
                 <a:ea typeface="ＭＳ 明朝" panose="02020609040205080304" pitchFamily="17" charset="-128"/>
               </a:rPr>
-              <a:t>の空欄について法則に従い補完</a:t>
+              <a:t>の空欄に</a:t>
+            </a:r>
+            <a:r>
+              <a:rPr lang="ja-JP" altLang="en-US" dirty="0" smtClean="0">
+                <a:latin typeface="ＭＳ 明朝" panose="02020609040205080304" pitchFamily="17" charset="-128"/>
+                <a:ea typeface="ＭＳ 明朝" panose="02020609040205080304" pitchFamily="17" charset="-128"/>
+              </a:rPr>
+              <a:t>ついて、その他の商品法則</a:t>
+            </a:r>
+            <a:r>
+              <a:rPr lang="ja-JP" altLang="en-US" dirty="0">
+                <a:latin typeface="ＭＳ 明朝" panose="02020609040205080304" pitchFamily="17" charset="-128"/>
+                <a:ea typeface="ＭＳ 明朝" panose="02020609040205080304" pitchFamily="17" charset="-128"/>
+              </a:rPr>
+              <a:t>に従い補完</a:t>
             </a:r>
           </a:p>
         </p:txBody>
@@ -9309,7 +9383,7 @@
           <p:cNvPr id="4" name="日付プレースホルダー 3">
             <a:extLst>
               <a:ext uri="{FF2B5EF4-FFF2-40B4-BE49-F238E27FC236}">
-                <a16:creationId xmlns="" xmlns:a16="http://schemas.microsoft.com/office/drawing/2014/main" id="{80AB7885-0E5E-408E-9AAF-1454900A27F1}"/>
+                <a16:creationId xmlns:a16="http://schemas.microsoft.com/office/drawing/2014/main" xmlns="" id="{80AB7885-0E5E-408E-9AAF-1454900A27F1}"/>
               </a:ext>
             </a:extLst>
           </p:cNvPr>
@@ -9328,7 +9402,7 @@
             <a:pPr rtl="0"/>
             <a:fld id="{77C180FA-CFF2-4446-B401-E27F4FB9F4F7}" type="datetime4">
               <a:rPr lang="ja-JP" altLang="en-US" smtClean="0"/>
-              <a:t>2017年11月8日</a:t>
+              <a:t>2017年11月9日</a:t>
             </a:fld>
             <a:endParaRPr lang="en-US" dirty="0"/>
           </a:p>
@@ -9339,7 +9413,7 @@
           <p:cNvPr id="5" name="スライド番号プレースホルダー 4">
             <a:extLst>
               <a:ext uri="{FF2B5EF4-FFF2-40B4-BE49-F238E27FC236}">
-                <a16:creationId xmlns="" xmlns:a16="http://schemas.microsoft.com/office/drawing/2014/main" id="{5EA39D9F-5243-4AFC-890F-AF2AE32AE38B}"/>
+                <a16:creationId xmlns:a16="http://schemas.microsoft.com/office/drawing/2014/main" xmlns="" id="{5EA39D9F-5243-4AFC-890F-AF2AE32AE38B}"/>
               </a:ext>
             </a:extLst>
           </p:cNvPr>
@@ -9386,6 +9460,13 @@
       </p:transition>
     </mc:Fallback>
   </mc:AlternateContent>
+  <p:timing>
+    <p:tnLst>
+      <p:par>
+        <p:cTn id="1" dur="indefinite" restart="never" nodeType="tmRoot"/>
+      </p:par>
+    </p:tnLst>
+  </p:timing>
 </p:sld>
 </file>
 
@@ -9571,7 +9652,7 @@
           <p:cNvPr id="4" name="日付プレースホルダー 3">
             <a:extLst>
               <a:ext uri="{FF2B5EF4-FFF2-40B4-BE49-F238E27FC236}">
-                <a16:creationId xmlns="" xmlns:a16="http://schemas.microsoft.com/office/drawing/2014/main" id="{80AB7885-0E5E-408E-9AAF-1454900A27F1}"/>
+                <a16:creationId xmlns:a16="http://schemas.microsoft.com/office/drawing/2014/main" xmlns="" id="{80AB7885-0E5E-408E-9AAF-1454900A27F1}"/>
               </a:ext>
             </a:extLst>
           </p:cNvPr>
@@ -9590,7 +9671,7 @@
             <a:pPr rtl="0"/>
             <a:fld id="{77C180FA-CFF2-4446-B401-E27F4FB9F4F7}" type="datetime4">
               <a:rPr lang="ja-JP" altLang="en-US" smtClean="0"/>
-              <a:t>2017年11月8日</a:t>
+              <a:t>2017年11月9日</a:t>
             </a:fld>
             <a:endParaRPr lang="en-US" dirty="0"/>
           </a:p>
@@ -9601,7 +9682,7 @@
           <p:cNvPr id="5" name="スライド番号プレースホルダー 4">
             <a:extLst>
               <a:ext uri="{FF2B5EF4-FFF2-40B4-BE49-F238E27FC236}">
-                <a16:creationId xmlns="" xmlns:a16="http://schemas.microsoft.com/office/drawing/2014/main" id="{5EA39D9F-5243-4AFC-890F-AF2AE32AE38B}"/>
+                <a16:creationId xmlns:a16="http://schemas.microsoft.com/office/drawing/2014/main" xmlns="" id="{5EA39D9F-5243-4AFC-890F-AF2AE32AE38B}"/>
               </a:ext>
             </a:extLst>
           </p:cNvPr>
@@ -9648,6 +9729,13 @@
       </p:transition>
     </mc:Fallback>
   </mc:AlternateContent>
+  <p:timing>
+    <p:tnLst>
+      <p:par>
+        <p:cTn id="1" dur="indefinite" restart="never" nodeType="tmRoot"/>
+      </p:par>
+    </p:tnLst>
+  </p:timing>
 </p:sld>
 </file>
 
@@ -9826,7 +9914,7 @@
           <p:cNvPr id="4" name="日付プレースホルダー 3">
             <a:extLst>
               <a:ext uri="{FF2B5EF4-FFF2-40B4-BE49-F238E27FC236}">
-                <a16:creationId xmlns="" xmlns:a16="http://schemas.microsoft.com/office/drawing/2014/main" id="{80AB7885-0E5E-408E-9AAF-1454900A27F1}"/>
+                <a16:creationId xmlns:a16="http://schemas.microsoft.com/office/drawing/2014/main" xmlns="" id="{80AB7885-0E5E-408E-9AAF-1454900A27F1}"/>
               </a:ext>
             </a:extLst>
           </p:cNvPr>
@@ -9845,7 +9933,7 @@
             <a:pPr rtl="0"/>
             <a:fld id="{77C180FA-CFF2-4446-B401-E27F4FB9F4F7}" type="datetime4">
               <a:rPr lang="ja-JP" altLang="en-US" smtClean="0"/>
-              <a:t>2017年11月8日</a:t>
+              <a:t>2017年11月9日</a:t>
             </a:fld>
             <a:endParaRPr lang="en-US" dirty="0"/>
           </a:p>
@@ -9856,7 +9944,7 @@
           <p:cNvPr id="5" name="スライド番号プレースホルダー 4">
             <a:extLst>
               <a:ext uri="{FF2B5EF4-FFF2-40B4-BE49-F238E27FC236}">
-                <a16:creationId xmlns="" xmlns:a16="http://schemas.microsoft.com/office/drawing/2014/main" id="{5EA39D9F-5243-4AFC-890F-AF2AE32AE38B}"/>
+                <a16:creationId xmlns:a16="http://schemas.microsoft.com/office/drawing/2014/main" xmlns="" id="{5EA39D9F-5243-4AFC-890F-AF2AE32AE38B}"/>
               </a:ext>
             </a:extLst>
           </p:cNvPr>
@@ -9903,6 +9991,13 @@
       </p:transition>
     </mc:Fallback>
   </mc:AlternateContent>
+  <p:timing>
+    <p:tnLst>
+      <p:par>
+        <p:cTn id="1" dur="indefinite" restart="never" nodeType="tmRoot"/>
+      </p:par>
+    </p:tnLst>
+  </p:timing>
 </p:sld>
 </file>
 
@@ -10063,7 +10158,7 @@
           <p:cNvPr id="4" name="日付プレースホルダー 3">
             <a:extLst>
               <a:ext uri="{FF2B5EF4-FFF2-40B4-BE49-F238E27FC236}">
-                <a16:creationId xmlns="" xmlns:a16="http://schemas.microsoft.com/office/drawing/2014/main" id="{80AB7885-0E5E-408E-9AAF-1454900A27F1}"/>
+                <a16:creationId xmlns:a16="http://schemas.microsoft.com/office/drawing/2014/main" xmlns="" id="{80AB7885-0E5E-408E-9AAF-1454900A27F1}"/>
               </a:ext>
             </a:extLst>
           </p:cNvPr>
@@ -10082,7 +10177,7 @@
             <a:pPr rtl="0"/>
             <a:fld id="{77C180FA-CFF2-4446-B401-E27F4FB9F4F7}" type="datetime4">
               <a:rPr lang="ja-JP" altLang="en-US" smtClean="0"/>
-              <a:t>2017年11月8日</a:t>
+              <a:t>2017年11月9日</a:t>
             </a:fld>
             <a:endParaRPr lang="en-US" dirty="0"/>
           </a:p>
@@ -10093,7 +10188,7 @@
           <p:cNvPr id="5" name="スライド番号プレースホルダー 4">
             <a:extLst>
               <a:ext uri="{FF2B5EF4-FFF2-40B4-BE49-F238E27FC236}">
-                <a16:creationId xmlns="" xmlns:a16="http://schemas.microsoft.com/office/drawing/2014/main" id="{5EA39D9F-5243-4AFC-890F-AF2AE32AE38B}"/>
+                <a16:creationId xmlns:a16="http://schemas.microsoft.com/office/drawing/2014/main" xmlns="" id="{5EA39D9F-5243-4AFC-890F-AF2AE32AE38B}"/>
               </a:ext>
             </a:extLst>
           </p:cNvPr>
@@ -10140,6 +10235,13 @@
       </p:transition>
     </mc:Fallback>
   </mc:AlternateContent>
+  <p:timing>
+    <p:tnLst>
+      <p:par>
+        <p:cTn id="1" dur="indefinite" restart="never" nodeType="tmRoot"/>
+      </p:par>
+    </p:tnLst>
+  </p:timing>
 </p:sld>
 </file>
 

--- a/report/データ解析コンペティション中間報告.pptx
+++ b/report/データ解析コンペティション中間報告.pptx
@@ -14,13 +14,13 @@
     <p:sldId id="272" r:id="rId2"/>
     <p:sldId id="273" r:id="rId3"/>
     <p:sldId id="274" r:id="rId4"/>
-    <p:sldId id="275" r:id="rId5"/>
-    <p:sldId id="280" r:id="rId6"/>
-    <p:sldId id="281" r:id="rId7"/>
-    <p:sldId id="283" r:id="rId8"/>
-    <p:sldId id="282" r:id="rId9"/>
-    <p:sldId id="284" r:id="rId10"/>
-    <p:sldId id="276" r:id="rId11"/>
+    <p:sldId id="276" r:id="rId5"/>
+    <p:sldId id="275" r:id="rId6"/>
+    <p:sldId id="280" r:id="rId7"/>
+    <p:sldId id="281" r:id="rId8"/>
+    <p:sldId id="283" r:id="rId9"/>
+    <p:sldId id="282" r:id="rId10"/>
+    <p:sldId id="284" r:id="rId11"/>
     <p:sldId id="277" r:id="rId12"/>
     <p:sldId id="285" r:id="rId13"/>
     <p:sldId id="286" r:id="rId14"/>
@@ -223,7 +223,7 @@
                 <a:latin typeface="Meiryo UI" panose="020B0604030504040204" pitchFamily="50" charset="-128"/>
                 <a:ea typeface="Meiryo UI" panose="020B0604030504040204" pitchFamily="50" charset="-128"/>
               </a:rPr>
-              <a:t>2017年11月9日</a:t>
+              <a:t>2017年11月11日</a:t>
             </a:fld>
             <a:endParaRPr kumimoji="1" lang="ja-JP" altLang="en-US" dirty="0">
               <a:latin typeface="Meiryo UI" panose="020B0604030504040204" pitchFamily="50" charset="-128"/>
@@ -407,7 +407,7 @@
             <a:fld id="{EECA54F6-A409-4052-BA8C-D33E3AF8AD29}" type="datetime4">
               <a:rPr lang="ja-JP" altLang="en-US" smtClean="0"/>
               <a:pPr/>
-              <a:t>2017年11月9日</a:t>
+              <a:t>2017年11月11日</a:t>
             </a:fld>
             <a:endParaRPr lang="ja-JP" altLang="en-US" dirty="0"/>
           </a:p>
@@ -893,7 +893,7 @@
     </p:spTree>
     <p:extLst>
       <p:ext uri="{BB962C8B-B14F-4D97-AF65-F5344CB8AC3E}">
-        <p14:creationId xmlns:p14="http://schemas.microsoft.com/office/powerpoint/2010/main" val="2028453351"/>
+        <p14:creationId xmlns:p14="http://schemas.microsoft.com/office/powerpoint/2010/main" val="1372941808"/>
       </p:ext>
     </p:extLst>
   </p:cSld>
@@ -1645,7 +1645,7 @@
     </p:spTree>
     <p:extLst>
       <p:ext uri="{BB962C8B-B14F-4D97-AF65-F5344CB8AC3E}">
-        <p14:creationId xmlns:p14="http://schemas.microsoft.com/office/powerpoint/2010/main" val="1963582322"/>
+        <p14:creationId xmlns:p14="http://schemas.microsoft.com/office/powerpoint/2010/main" val="2028453351"/>
       </p:ext>
     </p:extLst>
   </p:cSld>
@@ -1739,7 +1739,7 @@
     </p:spTree>
     <p:extLst>
       <p:ext uri="{BB962C8B-B14F-4D97-AF65-F5344CB8AC3E}">
-        <p14:creationId xmlns:p14="http://schemas.microsoft.com/office/powerpoint/2010/main" val="3614517776"/>
+        <p14:creationId xmlns:p14="http://schemas.microsoft.com/office/powerpoint/2010/main" val="1963582322"/>
       </p:ext>
     </p:extLst>
   </p:cSld>
@@ -1833,7 +1833,7 @@
     </p:spTree>
     <p:extLst>
       <p:ext uri="{BB962C8B-B14F-4D97-AF65-F5344CB8AC3E}">
-        <p14:creationId xmlns:p14="http://schemas.microsoft.com/office/powerpoint/2010/main" val="3359171297"/>
+        <p14:creationId xmlns:p14="http://schemas.microsoft.com/office/powerpoint/2010/main" val="3614517776"/>
       </p:ext>
     </p:extLst>
   </p:cSld>
@@ -1927,7 +1927,7 @@
     </p:spTree>
     <p:extLst>
       <p:ext uri="{BB962C8B-B14F-4D97-AF65-F5344CB8AC3E}">
-        <p14:creationId xmlns:p14="http://schemas.microsoft.com/office/powerpoint/2010/main" val="3767229027"/>
+        <p14:creationId xmlns:p14="http://schemas.microsoft.com/office/powerpoint/2010/main" val="3359171297"/>
       </p:ext>
     </p:extLst>
   </p:cSld>
@@ -2021,7 +2021,7 @@
     </p:spTree>
     <p:extLst>
       <p:ext uri="{BB962C8B-B14F-4D97-AF65-F5344CB8AC3E}">
-        <p14:creationId xmlns:p14="http://schemas.microsoft.com/office/powerpoint/2010/main" val="1453845445"/>
+        <p14:creationId xmlns:p14="http://schemas.microsoft.com/office/powerpoint/2010/main" val="3767229027"/>
       </p:ext>
     </p:extLst>
   </p:cSld>
@@ -2115,7 +2115,7 @@
     </p:spTree>
     <p:extLst>
       <p:ext uri="{BB962C8B-B14F-4D97-AF65-F5344CB8AC3E}">
-        <p14:creationId xmlns:p14="http://schemas.microsoft.com/office/powerpoint/2010/main" val="1372941808"/>
+        <p14:creationId xmlns:p14="http://schemas.microsoft.com/office/powerpoint/2010/main" val="1453845445"/>
       </p:ext>
     </p:extLst>
   </p:cSld>
@@ -2443,7 +2443,7 @@
             <a:pPr rtl="0"/>
             <a:fld id="{18ECF309-3B86-4579-B137-88A650364831}" type="datetime4">
               <a:rPr lang="ja-JP" altLang="en-US" smtClean="0"/>
-              <a:t>2017年11月9日</a:t>
+              <a:t>2017年11月11日</a:t>
             </a:fld>
             <a:endParaRPr lang="en-US" dirty="0"/>
           </a:p>
@@ -2663,7 +2663,7 @@
             <a:pPr rtl="0"/>
             <a:fld id="{C48E08F4-9226-4E7A-984A-9249018A2D88}" type="datetime4">
               <a:rPr lang="ja-JP" altLang="en-US" smtClean="0"/>
-              <a:t>2017年11月9日</a:t>
+              <a:t>2017年11月11日</a:t>
             </a:fld>
             <a:endParaRPr lang="en-US" dirty="0"/>
           </a:p>
@@ -2893,7 +2893,7 @@
             <a:pPr rtl="0"/>
             <a:fld id="{6251088C-7039-419E-802E-BD5362D82CE3}" type="datetime4">
               <a:rPr lang="ja-JP" altLang="en-US" smtClean="0"/>
-              <a:t>2017年11月9日</a:t>
+              <a:t>2017年11月11日</a:t>
             </a:fld>
             <a:endParaRPr lang="en-US" dirty="0"/>
           </a:p>
@@ -3114,7 +3114,7 @@
             <a:pPr rtl="0"/>
             <a:fld id="{D2B8F4F0-DD0B-4516-9E3C-10530980B3C7}" type="datetime4">
               <a:rPr lang="ja-JP" altLang="en-US" smtClean="0"/>
-              <a:t>2017年11月9日</a:t>
+              <a:t>2017年11月11日</a:t>
             </a:fld>
             <a:endParaRPr lang="en-US" dirty="0"/>
           </a:p>
@@ -3366,7 +3366,7 @@
             <a:pPr rtl="0"/>
             <a:fld id="{DA448180-72EA-4A5B-A1EF-838407754246}" type="datetime4">
               <a:rPr lang="ja-JP" altLang="en-US" smtClean="0"/>
-              <a:t>2017年11月9日</a:t>
+              <a:t>2017年11月11日</a:t>
             </a:fld>
             <a:endParaRPr lang="en-US" dirty="0"/>
           </a:p>
@@ -3718,7 +3718,7 @@
             <a:pPr rtl="0"/>
             <a:fld id="{6C040AEB-A5BB-43B0-8911-FA04B8C3FE49}" type="datetime4">
               <a:rPr lang="ja-JP" altLang="en-US" smtClean="0"/>
-              <a:t>2017年11月9日</a:t>
+              <a:t>2017年11月11日</a:t>
             </a:fld>
             <a:endParaRPr lang="en-US" dirty="0"/>
           </a:p>
@@ -4184,7 +4184,7 @@
             <a:pPr rtl="0"/>
             <a:fld id="{7CFF4D35-92CC-485E-8973-FBAF1F7BEC99}" type="datetime4">
               <a:rPr lang="ja-JP" altLang="en-US" smtClean="0"/>
-              <a:t>2017年11月9日</a:t>
+              <a:t>2017年11月11日</a:t>
             </a:fld>
             <a:endParaRPr lang="en-US" dirty="0"/>
           </a:p>
@@ -4359,7 +4359,7 @@
             <a:pPr rtl="0"/>
             <a:fld id="{947912BA-6A00-47C0-911C-54608524483C}" type="datetime4">
               <a:rPr lang="ja-JP" altLang="en-US" smtClean="0"/>
-              <a:t>2017年11月9日</a:t>
+              <a:t>2017年11月11日</a:t>
             </a:fld>
             <a:endParaRPr lang="en-US" dirty="0"/>
           </a:p>
@@ -4472,7 +4472,7 @@
             <a:pPr rtl="0"/>
             <a:fld id="{04DF9383-A652-4932-A36F-571EC122802A}" type="datetime4">
               <a:rPr lang="ja-JP" altLang="en-US" smtClean="0"/>
-              <a:t>2017年11月9日</a:t>
+              <a:t>2017年11月11日</a:t>
             </a:fld>
             <a:endParaRPr lang="en-US" dirty="0"/>
           </a:p>
@@ -4789,7 +4789,7 @@
             <a:pPr rtl="0"/>
             <a:fld id="{BAF210E1-61AC-492D-A321-6C678AC06DBE}" type="datetime4">
               <a:rPr lang="ja-JP" altLang="en-US" smtClean="0"/>
-              <a:t>2017年11月9日</a:t>
+              <a:t>2017年11月11日</a:t>
             </a:fld>
             <a:endParaRPr lang="en-US" dirty="0"/>
           </a:p>
@@ -5148,7 +5148,7 @@
             <a:pPr rtl="0"/>
             <a:fld id="{B3E5F795-E9BD-471B-BB35-76B25F093B28}" type="datetime4">
               <a:rPr lang="ja-JP" altLang="en-US" smtClean="0"/>
-              <a:t>2017年11月9日</a:t>
+              <a:t>2017年11月11日</a:t>
             </a:fld>
             <a:endParaRPr lang="en-US" dirty="0"/>
           </a:p>
@@ -6219,7 +6219,7 @@
           <a:p>
             <a:fld id="{094F16E5-A987-4DA0-AEEC-D541C24CF4F4}" type="datetime4">
               <a:rPr lang="ja-JP" altLang="en-US" smtClean="0"/>
-              <a:t>2017年11月9日</a:t>
+              <a:t>2017年11月11日</a:t>
             </a:fld>
             <a:endParaRPr lang="en-US" dirty="0"/>
           </a:p>
@@ -6703,8 +6703,40 @@
                 <a:latin typeface="Meiryo UI" panose="020B0604030504040204" pitchFamily="50" charset="-128"/>
                 <a:ea typeface="Meiryo UI" panose="020B0604030504040204" pitchFamily="50" charset="-128"/>
               </a:rPr>
-              <a:t>中間報告</a:t>
-            </a:r>
+              <a:t>中間</a:t>
+            </a:r>
+            <a:r>
+              <a:rPr lang="ja-JP" altLang="en-US" dirty="0" smtClean="0">
+                <a:latin typeface="Meiryo UI" panose="020B0604030504040204" pitchFamily="50" charset="-128"/>
+                <a:ea typeface="Meiryo UI" panose="020B0604030504040204" pitchFamily="50" charset="-128"/>
+              </a:rPr>
+              <a:t>報告</a:t>
+            </a:r>
+            <a:r>
+              <a:rPr lang="en-US" altLang="ja-JP" dirty="0" smtClean="0">
+                <a:latin typeface="Meiryo UI" panose="020B0604030504040204" pitchFamily="50" charset="-128"/>
+                <a:ea typeface="Meiryo UI" panose="020B0604030504040204" pitchFamily="50" charset="-128"/>
+              </a:rPr>
+              <a:t>(</a:t>
+            </a:r>
+            <a:r>
+              <a:rPr lang="ja-JP" altLang="en-US" dirty="0" smtClean="0">
+                <a:latin typeface="Meiryo UI" panose="020B0604030504040204" pitchFamily="50" charset="-128"/>
+                <a:ea typeface="Meiryo UI" panose="020B0604030504040204" pitchFamily="50" charset="-128"/>
+              </a:rPr>
+              <a:t>仮</a:t>
+            </a:r>
+            <a:r>
+              <a:rPr lang="en-US" altLang="ja-JP" dirty="0" smtClean="0">
+                <a:latin typeface="Meiryo UI" panose="020B0604030504040204" pitchFamily="50" charset="-128"/>
+                <a:ea typeface="Meiryo UI" panose="020B0604030504040204" pitchFamily="50" charset="-128"/>
+              </a:rPr>
+              <a:t>)</a:t>
+            </a:r>
+            <a:endParaRPr lang="ja-JP" altLang="en-US" dirty="0">
+              <a:latin typeface="Meiryo UI" panose="020B0604030504040204" pitchFamily="50" charset="-128"/>
+              <a:ea typeface="Meiryo UI" panose="020B0604030504040204" pitchFamily="50" charset="-128"/>
+            </a:endParaRPr>
           </a:p>
         </p:txBody>
       </p:sp>
@@ -6747,7 +6779,7 @@
           <p:cNvPr id="6" name="日付プレースホルダー 5">
             <a:extLst>
               <a:ext uri="{FF2B5EF4-FFF2-40B4-BE49-F238E27FC236}">
-                <a16:creationId xmlns:a16="http://schemas.microsoft.com/office/drawing/2014/main" xmlns="" id="{06288D64-2430-4210-8551-B383D2BF8DB0}"/>
+                <a16:creationId xmlns="" xmlns:a16="http://schemas.microsoft.com/office/drawing/2014/main" id="{06288D64-2430-4210-8551-B383D2BF8DB0}"/>
               </a:ext>
             </a:extLst>
           </p:cNvPr>
@@ -6766,7 +6798,7 @@
             <a:pPr rtl="0"/>
             <a:fld id="{A2342F28-FC40-49A6-9DDB-4B98AA196348}" type="datetime4">
               <a:rPr lang="ja-JP" altLang="en-US" smtClean="0"/>
-              <a:t>2017年11月9日</a:t>
+              <a:t>2017年11月11日</a:t>
             </a:fld>
             <a:endParaRPr lang="en-US" dirty="0"/>
           </a:p>
@@ -6777,7 +6809,7 @@
           <p:cNvPr id="7" name="スライド番号プレースホルダー 6">
             <a:extLst>
               <a:ext uri="{FF2B5EF4-FFF2-40B4-BE49-F238E27FC236}">
-                <a16:creationId xmlns:a16="http://schemas.microsoft.com/office/drawing/2014/main" xmlns="" id="{9E8D6284-2EED-4BBA-A6DA-E9384CAC5CB6}"/>
+                <a16:creationId xmlns="" xmlns:a16="http://schemas.microsoft.com/office/drawing/2014/main" id="{9E8D6284-2EED-4BBA-A6DA-E9384CAC5CB6}"/>
               </a:ext>
             </a:extLst>
           </p:cNvPr>
@@ -6856,6 +6888,1502 @@
         </p:nvSpPr>
         <p:spPr/>
         <p:txBody>
+          <a:bodyPr rtlCol="0">
+            <a:normAutofit/>
+          </a:bodyPr>
+          <a:lstStyle/>
+          <a:p>
+            <a:pPr rtl="0"/>
+            <a:r>
+              <a:rPr lang="ja-JP" altLang="en-US" dirty="0">
+                <a:latin typeface="Meiryo UI" panose="020B0604030504040204" pitchFamily="50" charset="-128"/>
+                <a:ea typeface="Meiryo UI" panose="020B0604030504040204" pitchFamily="50" charset="-128"/>
+              </a:rPr>
+              <a:t>データ処理</a:t>
+            </a:r>
+            <a:r>
+              <a:rPr lang="en-US" altLang="ja-JP" dirty="0">
+                <a:latin typeface="Meiryo UI" panose="020B0604030504040204" pitchFamily="50" charset="-128"/>
+                <a:ea typeface="Meiryo UI" panose="020B0604030504040204" pitchFamily="50" charset="-128"/>
+              </a:rPr>
+              <a:t>(</a:t>
+            </a:r>
+            <a:r>
+              <a:rPr lang="ja-JP" altLang="en-US" dirty="0">
+                <a:latin typeface="Meiryo UI" panose="020B0604030504040204" pitchFamily="50" charset="-128"/>
+                <a:ea typeface="Meiryo UI" panose="020B0604030504040204" pitchFamily="50" charset="-128"/>
+              </a:rPr>
+              <a:t>会計明細</a:t>
+            </a:r>
+            <a:r>
+              <a:rPr lang="en-US" altLang="ja-JP" dirty="0">
+                <a:latin typeface="Meiryo UI" panose="020B0604030504040204" pitchFamily="50" charset="-128"/>
+                <a:ea typeface="Meiryo UI" panose="020B0604030504040204" pitchFamily="50" charset="-128"/>
+              </a:rPr>
+              <a:t>)</a:t>
+            </a:r>
+            <a:endParaRPr lang="ja-JP" altLang="en-US" dirty="0">
+              <a:latin typeface="Meiryo UI" panose="020B0604030504040204" pitchFamily="50" charset="-128"/>
+              <a:ea typeface="Meiryo UI" panose="020B0604030504040204" pitchFamily="50" charset="-128"/>
+            </a:endParaRPr>
+          </a:p>
+        </p:txBody>
+      </p:sp>
+      <p:sp>
+        <p:nvSpPr>
+          <p:cNvPr id="2" name="コンテンツ プレースホルダー 1"/>
+          <p:cNvSpPr>
+            <a:spLocks noGrp="1"/>
+          </p:cNvSpPr>
+          <p:nvPr>
+            <p:ph idx="1"/>
+          </p:nvPr>
+        </p:nvSpPr>
+        <p:spPr/>
+        <p:txBody>
+          <a:bodyPr rtlCol="0"/>
+          <a:lstStyle/>
+          <a:p>
+            <a:pPr rtl="0"/>
+            <a:r>
+              <a:rPr lang="ja-JP" altLang="en-US" dirty="0"/>
+              <a:t>会計履歴の会計</a:t>
+            </a:r>
+            <a:r>
+              <a:rPr lang="en-US" altLang="ja-JP" dirty="0"/>
+              <a:t>Id</a:t>
+            </a:r>
+            <a:r>
+              <a:rPr lang="ja-JP" altLang="en-US" dirty="0" err="1"/>
+              <a:t>と照</a:t>
+            </a:r>
+            <a:r>
+              <a:rPr lang="ja-JP" altLang="en-US" dirty="0"/>
+              <a:t>合することで一致する返品</a:t>
+            </a:r>
+            <a:r>
+              <a:rPr lang="en-US" altLang="ja-JP" dirty="0"/>
+              <a:t>,</a:t>
+            </a:r>
+            <a:r>
+              <a:rPr lang="ja-JP" altLang="en-US" dirty="0"/>
+              <a:t>販売を削除</a:t>
+            </a:r>
+            <a:endParaRPr lang="en-US" altLang="ja-JP" dirty="0"/>
+          </a:p>
+          <a:p>
+            <a:r>
+              <a:rPr lang="ja-JP" altLang="en-US" dirty="0"/>
+              <a:t>会計履歴の会計</a:t>
+            </a:r>
+            <a:r>
+              <a:rPr lang="en-US" altLang="ja-JP" dirty="0"/>
+              <a:t>Id</a:t>
+            </a:r>
+            <a:r>
+              <a:rPr lang="ja-JP" altLang="en-US" dirty="0" err="1"/>
+              <a:t>と照</a:t>
+            </a:r>
+            <a:r>
+              <a:rPr lang="ja-JP" altLang="en-US" dirty="0"/>
+              <a:t>合し</a:t>
+            </a:r>
+            <a:r>
+              <a:rPr lang="en-US" altLang="ja-JP" dirty="0"/>
+              <a:t>,</a:t>
+            </a:r>
+            <a:r>
+              <a:rPr lang="ja-JP" altLang="en-US" dirty="0"/>
+              <a:t>残りの返品項目を削除</a:t>
+            </a:r>
+            <a:r>
+              <a:rPr lang="en-US" altLang="ja-JP" dirty="0"/>
+              <a:t>(60</a:t>
+            </a:r>
+            <a:r>
+              <a:rPr lang="ja-JP" altLang="en-US" dirty="0"/>
+              <a:t>件</a:t>
+            </a:r>
+            <a:r>
+              <a:rPr lang="en-US" altLang="ja-JP" dirty="0"/>
+              <a:t>)</a:t>
+            </a:r>
+          </a:p>
+        </p:txBody>
+      </p:sp>
+      <p:sp>
+        <p:nvSpPr>
+          <p:cNvPr id="4" name="日付プレースホルダー 3">
+            <a:extLst>
+              <a:ext uri="{FF2B5EF4-FFF2-40B4-BE49-F238E27FC236}">
+                <a16:creationId xmlns="" xmlns:a16="http://schemas.microsoft.com/office/drawing/2014/main" id="{80AB7885-0E5E-408E-9AAF-1454900A27F1}"/>
+              </a:ext>
+            </a:extLst>
+          </p:cNvPr>
+          <p:cNvSpPr>
+            <a:spLocks noGrp="1"/>
+          </p:cNvSpPr>
+          <p:nvPr>
+            <p:ph type="dt" sz="half" idx="10"/>
+          </p:nvPr>
+        </p:nvSpPr>
+        <p:spPr/>
+        <p:txBody>
+          <a:bodyPr/>
+          <a:lstStyle/>
+          <a:p>
+            <a:pPr rtl="0"/>
+            <a:fld id="{77C180FA-CFF2-4446-B401-E27F4FB9F4F7}" type="datetime4">
+              <a:rPr lang="ja-JP" altLang="en-US" smtClean="0"/>
+              <a:t>2017年11月11日</a:t>
+            </a:fld>
+            <a:endParaRPr lang="en-US" dirty="0"/>
+          </a:p>
+        </p:txBody>
+      </p:sp>
+      <p:sp>
+        <p:nvSpPr>
+          <p:cNvPr id="5" name="スライド番号プレースホルダー 4">
+            <a:extLst>
+              <a:ext uri="{FF2B5EF4-FFF2-40B4-BE49-F238E27FC236}">
+                <a16:creationId xmlns="" xmlns:a16="http://schemas.microsoft.com/office/drawing/2014/main" id="{5EA39D9F-5243-4AFC-890F-AF2AE32AE38B}"/>
+              </a:ext>
+            </a:extLst>
+          </p:cNvPr>
+          <p:cNvSpPr>
+            <a:spLocks noGrp="1"/>
+          </p:cNvSpPr>
+          <p:nvPr>
+            <p:ph type="sldNum" sz="quarter" idx="12"/>
+          </p:nvPr>
+        </p:nvSpPr>
+        <p:spPr/>
+        <p:txBody>
+          <a:bodyPr/>
+          <a:lstStyle/>
+          <a:p>
+            <a:pPr rtl="0"/>
+            <a:fld id="{401CF334-2D5C-4859-84A6-CA7E6E43FAEB}" type="slidenum">
+              <a:rPr lang="en-US" altLang="ja-JP" noProof="0" smtClean="0"/>
+              <a:t>10</a:t>
+            </a:fld>
+            <a:endParaRPr lang="ja-JP" altLang="en-US" noProof="0" dirty="0"/>
+          </a:p>
+        </p:txBody>
+      </p:sp>
+    </p:spTree>
+    <p:extLst>
+      <p:ext uri="{BB962C8B-B14F-4D97-AF65-F5344CB8AC3E}">
+        <p14:creationId xmlns:p14="http://schemas.microsoft.com/office/powerpoint/2010/main" val="545263164"/>
+      </p:ext>
+    </p:extLst>
+  </p:cSld>
+  <p:clrMapOvr>
+    <a:masterClrMapping/>
+  </p:clrMapOvr>
+  <mc:AlternateContent xmlns:mc="http://schemas.openxmlformats.org/markup-compatibility/2006" xmlns:p14="http://schemas.microsoft.com/office/powerpoint/2010/main">
+    <mc:Choice Requires="p14">
+      <p:transition spd="med" p14:dur="700">
+        <p:fade/>
+      </p:transition>
+    </mc:Choice>
+    <mc:Fallback xmlns="">
+      <p:transition spd="med">
+        <p:fade/>
+      </p:transition>
+    </mc:Fallback>
+  </mc:AlternateContent>
+  <p:timing>
+    <p:tnLst>
+      <p:par>
+        <p:cTn id="1" dur="indefinite" restart="never" nodeType="tmRoot"/>
+      </p:par>
+    </p:tnLst>
+  </p:timing>
+</p:sld>
+</file>
+
+<file path=ppt/slides/slide11.xml><?xml version="1.0" encoding="utf-8"?>
+<p:sld xmlns:a="http://schemas.openxmlformats.org/drawingml/2006/main" xmlns:r="http://schemas.openxmlformats.org/officeDocument/2006/relationships" xmlns:p="http://schemas.openxmlformats.org/presentationml/2006/main">
+  <p:cSld>
+    <p:spTree>
+      <p:nvGrpSpPr>
+        <p:cNvPr id="1" name=""/>
+        <p:cNvGrpSpPr/>
+        <p:nvPr/>
+      </p:nvGrpSpPr>
+      <p:grpSpPr>
+        <a:xfrm>
+          <a:off x="0" y="0"/>
+          <a:ext cx="0" cy="0"/>
+          <a:chOff x="0" y="0"/>
+          <a:chExt cx="0" cy="0"/>
+        </a:xfrm>
+      </p:grpSpPr>
+      <p:pic>
+        <p:nvPicPr>
+          <p:cNvPr id="6" name="コンテンツ プレースホルダー 5"/>
+          <p:cNvPicPr>
+            <a:picLocks noGrp="1" noChangeAspect="1"/>
+          </p:cNvPicPr>
+          <p:nvPr>
+            <p:ph idx="1"/>
+          </p:nvPr>
+        </p:nvPicPr>
+        <p:blipFill>
+          <a:blip r:embed="rId3" cstate="print">
+            <a:extLst>
+              <a:ext uri="{28A0092B-C50C-407E-A947-70E740481C1C}">
+                <a14:useLocalDpi xmlns:a14="http://schemas.microsoft.com/office/drawing/2010/main" val="0"/>
+              </a:ext>
+            </a:extLst>
+          </a:blip>
+          <a:stretch>
+            <a:fillRect/>
+          </a:stretch>
+        </p:blipFill>
+        <p:spPr>
+          <a:xfrm>
+            <a:off x="2261938" y="1495398"/>
+            <a:ext cx="6809874" cy="4860953"/>
+          </a:xfrm>
+        </p:spPr>
+      </p:pic>
+      <p:sp>
+        <p:nvSpPr>
+          <p:cNvPr id="4" name="日付プレースホルダー 3">
+            <a:extLst>
+              <a:ext uri="{FF2B5EF4-FFF2-40B4-BE49-F238E27FC236}">
+                <a16:creationId xmlns="" xmlns:a16="http://schemas.microsoft.com/office/drawing/2014/main" id="{025892AF-5659-4772-B1F5-BA0EBDF9722B}"/>
+              </a:ext>
+            </a:extLst>
+          </p:cNvPr>
+          <p:cNvSpPr>
+            <a:spLocks noGrp="1"/>
+          </p:cNvSpPr>
+          <p:nvPr>
+            <p:ph type="dt" sz="half" idx="10"/>
+          </p:nvPr>
+        </p:nvSpPr>
+        <p:spPr/>
+        <p:txBody>
+          <a:bodyPr/>
+          <a:lstStyle/>
+          <a:p>
+            <a:pPr rtl="0"/>
+            <a:fld id="{6D0A085D-0221-4FE5-BD83-4A6338CA0455}" type="datetime4">
+              <a:rPr lang="ja-JP" altLang="en-US" smtClean="0"/>
+              <a:t>2017年11月11日</a:t>
+            </a:fld>
+            <a:endParaRPr lang="en-US" dirty="0"/>
+          </a:p>
+        </p:txBody>
+      </p:sp>
+      <p:sp>
+        <p:nvSpPr>
+          <p:cNvPr id="5" name="スライド番号プレースホルダー 4">
+            <a:extLst>
+              <a:ext uri="{FF2B5EF4-FFF2-40B4-BE49-F238E27FC236}">
+                <a16:creationId xmlns="" xmlns:a16="http://schemas.microsoft.com/office/drawing/2014/main" id="{6A639EF7-7272-46D1-BBF0-E0C878B5782A}"/>
+              </a:ext>
+            </a:extLst>
+          </p:cNvPr>
+          <p:cNvSpPr>
+            <a:spLocks noGrp="1"/>
+          </p:cNvSpPr>
+          <p:nvPr>
+            <p:ph type="sldNum" sz="quarter" idx="12"/>
+          </p:nvPr>
+        </p:nvSpPr>
+        <p:spPr/>
+        <p:txBody>
+          <a:bodyPr/>
+          <a:lstStyle/>
+          <a:p>
+            <a:pPr rtl="0"/>
+            <a:fld id="{401CF334-2D5C-4859-84A6-CA7E6E43FAEB}" type="slidenum">
+              <a:rPr lang="en-US" altLang="ja-JP" noProof="0" smtClean="0"/>
+              <a:t>11</a:t>
+            </a:fld>
+            <a:endParaRPr lang="ja-JP" altLang="en-US" noProof="0" dirty="0"/>
+          </a:p>
+        </p:txBody>
+      </p:sp>
+      <p:sp>
+        <p:nvSpPr>
+          <p:cNvPr id="9" name="タイトル 8"/>
+          <p:cNvSpPr>
+            <a:spLocks noGrp="1"/>
+          </p:cNvSpPr>
+          <p:nvPr>
+            <p:ph type="title"/>
+          </p:nvPr>
+        </p:nvSpPr>
+        <p:spPr/>
+        <p:txBody>
+          <a:bodyPr>
+            <a:normAutofit fontScale="90000"/>
+          </a:bodyPr>
+          <a:lstStyle/>
+          <a:p>
+            <a:r>
+              <a:rPr lang="ja-JP" altLang="en-US" dirty="0"/>
+              <a:t>店舗ごとの曜日別来店顧客数</a:t>
+            </a:r>
+            <a:r>
+              <a:rPr lang="en-US" altLang="ja-JP" dirty="0"/>
+              <a:t/>
+            </a:r>
+            <a:br>
+              <a:rPr lang="en-US" altLang="ja-JP" dirty="0"/>
+            </a:br>
+            <a:endParaRPr kumimoji="1" lang="ja-JP" altLang="en-US" dirty="0"/>
+          </a:p>
+        </p:txBody>
+      </p:sp>
+    </p:spTree>
+    <p:extLst>
+      <p:ext uri="{BB962C8B-B14F-4D97-AF65-F5344CB8AC3E}">
+        <p14:creationId xmlns:p14="http://schemas.microsoft.com/office/powerpoint/2010/main" val="1419453836"/>
+      </p:ext>
+    </p:extLst>
+  </p:cSld>
+  <p:clrMapOvr>
+    <a:masterClrMapping/>
+  </p:clrMapOvr>
+  <mc:AlternateContent xmlns:mc="http://schemas.openxmlformats.org/markup-compatibility/2006" xmlns:p14="http://schemas.microsoft.com/office/powerpoint/2010/main">
+    <mc:Choice Requires="p14">
+      <p:transition spd="med" p14:dur="700">
+        <p:fade/>
+      </p:transition>
+    </mc:Choice>
+    <mc:Fallback xmlns="">
+      <p:transition spd="med">
+        <p:fade/>
+      </p:transition>
+    </mc:Fallback>
+  </mc:AlternateContent>
+  <p:timing>
+    <p:tnLst>
+      <p:par>
+        <p:cTn id="1" dur="indefinite" restart="never" nodeType="tmRoot"/>
+      </p:par>
+    </p:tnLst>
+  </p:timing>
+</p:sld>
+</file>
+
+<file path=ppt/slides/slide12.xml><?xml version="1.0" encoding="utf-8"?>
+<p:sld xmlns:a="http://schemas.openxmlformats.org/drawingml/2006/main" xmlns:r="http://schemas.openxmlformats.org/officeDocument/2006/relationships" xmlns:p="http://schemas.openxmlformats.org/presentationml/2006/main">
+  <p:cSld>
+    <p:spTree>
+      <p:nvGrpSpPr>
+        <p:cNvPr id="1" name=""/>
+        <p:cNvGrpSpPr/>
+        <p:nvPr/>
+      </p:nvGrpSpPr>
+      <p:grpSpPr>
+        <a:xfrm>
+          <a:off x="0" y="0"/>
+          <a:ext cx="0" cy="0"/>
+          <a:chOff x="0" y="0"/>
+          <a:chExt cx="0" cy="0"/>
+        </a:xfrm>
+      </p:grpSpPr>
+      <p:sp>
+        <p:nvSpPr>
+          <p:cNvPr id="4" name="日付プレースホルダー 3">
+            <a:extLst>
+              <a:ext uri="{FF2B5EF4-FFF2-40B4-BE49-F238E27FC236}">
+                <a16:creationId xmlns="" xmlns:a16="http://schemas.microsoft.com/office/drawing/2014/main" id="{025892AF-5659-4772-B1F5-BA0EBDF9722B}"/>
+              </a:ext>
+            </a:extLst>
+          </p:cNvPr>
+          <p:cNvSpPr>
+            <a:spLocks noGrp="1"/>
+          </p:cNvSpPr>
+          <p:nvPr>
+            <p:ph type="dt" sz="half" idx="10"/>
+          </p:nvPr>
+        </p:nvSpPr>
+        <p:spPr/>
+        <p:txBody>
+          <a:bodyPr/>
+          <a:lstStyle/>
+          <a:p>
+            <a:pPr rtl="0"/>
+            <a:fld id="{6D0A085D-0221-4FE5-BD83-4A6338CA0455}" type="datetime4">
+              <a:rPr lang="ja-JP" altLang="en-US" smtClean="0"/>
+              <a:t>2017年11月11日</a:t>
+            </a:fld>
+            <a:endParaRPr lang="en-US" dirty="0"/>
+          </a:p>
+        </p:txBody>
+      </p:sp>
+      <p:sp>
+        <p:nvSpPr>
+          <p:cNvPr id="5" name="スライド番号プレースホルダー 4">
+            <a:extLst>
+              <a:ext uri="{FF2B5EF4-FFF2-40B4-BE49-F238E27FC236}">
+                <a16:creationId xmlns="" xmlns:a16="http://schemas.microsoft.com/office/drawing/2014/main" id="{6A639EF7-7272-46D1-BBF0-E0C878B5782A}"/>
+              </a:ext>
+            </a:extLst>
+          </p:cNvPr>
+          <p:cNvSpPr>
+            <a:spLocks noGrp="1"/>
+          </p:cNvSpPr>
+          <p:nvPr>
+            <p:ph type="sldNum" sz="quarter" idx="12"/>
+          </p:nvPr>
+        </p:nvSpPr>
+        <p:spPr/>
+        <p:txBody>
+          <a:bodyPr/>
+          <a:lstStyle/>
+          <a:p>
+            <a:pPr rtl="0"/>
+            <a:fld id="{401CF334-2D5C-4859-84A6-CA7E6E43FAEB}" type="slidenum">
+              <a:rPr lang="en-US" altLang="ja-JP" noProof="0" smtClean="0"/>
+              <a:t>12</a:t>
+            </a:fld>
+            <a:endParaRPr lang="ja-JP" altLang="en-US" noProof="0" dirty="0"/>
+          </a:p>
+        </p:txBody>
+      </p:sp>
+      <p:sp>
+        <p:nvSpPr>
+          <p:cNvPr id="9" name="タイトル 8"/>
+          <p:cNvSpPr>
+            <a:spLocks noGrp="1"/>
+          </p:cNvSpPr>
+          <p:nvPr>
+            <p:ph type="title"/>
+          </p:nvPr>
+        </p:nvSpPr>
+        <p:spPr/>
+        <p:txBody>
+          <a:bodyPr>
+            <a:normAutofit fontScale="90000"/>
+          </a:bodyPr>
+          <a:lstStyle/>
+          <a:p>
+            <a:r>
+              <a:rPr lang="ja-JP" altLang="en-US" dirty="0"/>
+              <a:t>店舗ごとの曜日</a:t>
+            </a:r>
+            <a:r>
+              <a:rPr lang="ja-JP" altLang="en-US" dirty="0" smtClean="0"/>
+              <a:t>別スタッフ数</a:t>
+            </a:r>
+            <a:r>
+              <a:rPr lang="en-US" altLang="ja-JP" dirty="0"/>
+              <a:t/>
+            </a:r>
+            <a:br>
+              <a:rPr lang="en-US" altLang="ja-JP" dirty="0"/>
+            </a:br>
+            <a:endParaRPr kumimoji="1" lang="ja-JP" altLang="en-US" dirty="0"/>
+          </a:p>
+        </p:txBody>
+      </p:sp>
+      <p:pic>
+        <p:nvPicPr>
+          <p:cNvPr id="8" name="コンテンツ プレースホルダー 7"/>
+          <p:cNvPicPr>
+            <a:picLocks noGrp="1" noChangeAspect="1"/>
+          </p:cNvPicPr>
+          <p:nvPr>
+            <p:ph idx="1"/>
+          </p:nvPr>
+        </p:nvPicPr>
+        <p:blipFill>
+          <a:blip r:embed="rId3" cstate="print">
+            <a:extLst>
+              <a:ext uri="{28A0092B-C50C-407E-A947-70E740481C1C}">
+                <a14:useLocalDpi xmlns:a14="http://schemas.microsoft.com/office/drawing/2010/main" val="0"/>
+              </a:ext>
+            </a:extLst>
+          </a:blip>
+          <a:stretch>
+            <a:fillRect/>
+          </a:stretch>
+        </p:blipFill>
+        <p:spPr>
+          <a:xfrm>
+            <a:off x="2586659" y="1593767"/>
+            <a:ext cx="6672065" cy="4762584"/>
+          </a:xfrm>
+        </p:spPr>
+      </p:pic>
+    </p:spTree>
+    <p:extLst>
+      <p:ext uri="{BB962C8B-B14F-4D97-AF65-F5344CB8AC3E}">
+        <p14:creationId xmlns:p14="http://schemas.microsoft.com/office/powerpoint/2010/main" val="543960113"/>
+      </p:ext>
+    </p:extLst>
+  </p:cSld>
+  <p:clrMapOvr>
+    <a:masterClrMapping/>
+  </p:clrMapOvr>
+  <mc:AlternateContent xmlns:mc="http://schemas.openxmlformats.org/markup-compatibility/2006" xmlns:p14="http://schemas.microsoft.com/office/powerpoint/2010/main">
+    <mc:Choice Requires="p14">
+      <p:transition spd="med" p14:dur="700">
+        <p:fade/>
+      </p:transition>
+    </mc:Choice>
+    <mc:Fallback xmlns="">
+      <p:transition spd="med">
+        <p:fade/>
+      </p:transition>
+    </mc:Fallback>
+  </mc:AlternateContent>
+  <p:timing>
+    <p:tnLst>
+      <p:par>
+        <p:cTn id="1" dur="indefinite" restart="never" nodeType="tmRoot"/>
+      </p:par>
+    </p:tnLst>
+  </p:timing>
+</p:sld>
+</file>
+
+<file path=ppt/slides/slide13.xml><?xml version="1.0" encoding="utf-8"?>
+<p:sld xmlns:a="http://schemas.openxmlformats.org/drawingml/2006/main" xmlns:r="http://schemas.openxmlformats.org/officeDocument/2006/relationships" xmlns:p="http://schemas.openxmlformats.org/presentationml/2006/main">
+  <p:cSld>
+    <p:spTree>
+      <p:nvGrpSpPr>
+        <p:cNvPr id="1" name=""/>
+        <p:cNvGrpSpPr/>
+        <p:nvPr/>
+      </p:nvGrpSpPr>
+      <p:grpSpPr>
+        <a:xfrm>
+          <a:off x="0" y="0"/>
+          <a:ext cx="0" cy="0"/>
+          <a:chOff x="0" y="0"/>
+          <a:chExt cx="0" cy="0"/>
+        </a:xfrm>
+      </p:grpSpPr>
+      <p:sp>
+        <p:nvSpPr>
+          <p:cNvPr id="4" name="日付プレースホルダー 3">
+            <a:extLst>
+              <a:ext uri="{FF2B5EF4-FFF2-40B4-BE49-F238E27FC236}">
+                <a16:creationId xmlns="" xmlns:a16="http://schemas.microsoft.com/office/drawing/2014/main" id="{025892AF-5659-4772-B1F5-BA0EBDF9722B}"/>
+              </a:ext>
+            </a:extLst>
+          </p:cNvPr>
+          <p:cNvSpPr>
+            <a:spLocks noGrp="1"/>
+          </p:cNvSpPr>
+          <p:nvPr>
+            <p:ph type="dt" sz="half" idx="10"/>
+          </p:nvPr>
+        </p:nvSpPr>
+        <p:spPr/>
+        <p:txBody>
+          <a:bodyPr/>
+          <a:lstStyle/>
+          <a:p>
+            <a:pPr rtl="0"/>
+            <a:fld id="{6D0A085D-0221-4FE5-BD83-4A6338CA0455}" type="datetime4">
+              <a:rPr lang="ja-JP" altLang="en-US" smtClean="0"/>
+              <a:t>2017年11月11日</a:t>
+            </a:fld>
+            <a:endParaRPr lang="en-US" dirty="0"/>
+          </a:p>
+        </p:txBody>
+      </p:sp>
+      <p:sp>
+        <p:nvSpPr>
+          <p:cNvPr id="5" name="スライド番号プレースホルダー 4">
+            <a:extLst>
+              <a:ext uri="{FF2B5EF4-FFF2-40B4-BE49-F238E27FC236}">
+                <a16:creationId xmlns="" xmlns:a16="http://schemas.microsoft.com/office/drawing/2014/main" id="{6A639EF7-7272-46D1-BBF0-E0C878B5782A}"/>
+              </a:ext>
+            </a:extLst>
+          </p:cNvPr>
+          <p:cNvSpPr>
+            <a:spLocks noGrp="1"/>
+          </p:cNvSpPr>
+          <p:nvPr>
+            <p:ph type="sldNum" sz="quarter" idx="12"/>
+          </p:nvPr>
+        </p:nvSpPr>
+        <p:spPr/>
+        <p:txBody>
+          <a:bodyPr/>
+          <a:lstStyle/>
+          <a:p>
+            <a:pPr rtl="0"/>
+            <a:fld id="{401CF334-2D5C-4859-84A6-CA7E6E43FAEB}" type="slidenum">
+              <a:rPr lang="en-US" altLang="ja-JP" noProof="0" smtClean="0"/>
+              <a:t>13</a:t>
+            </a:fld>
+            <a:endParaRPr lang="ja-JP" altLang="en-US" noProof="0" dirty="0"/>
+          </a:p>
+        </p:txBody>
+      </p:sp>
+      <p:sp>
+        <p:nvSpPr>
+          <p:cNvPr id="9" name="タイトル 8"/>
+          <p:cNvSpPr>
+            <a:spLocks noGrp="1"/>
+          </p:cNvSpPr>
+          <p:nvPr>
+            <p:ph type="title"/>
+          </p:nvPr>
+        </p:nvSpPr>
+        <p:spPr/>
+        <p:txBody>
+          <a:bodyPr>
+            <a:normAutofit fontScale="90000"/>
+          </a:bodyPr>
+          <a:lstStyle/>
+          <a:p>
+            <a:r>
+              <a:rPr lang="ja-JP" altLang="en-US" dirty="0"/>
+              <a:t>店舗ごとの曜日</a:t>
+            </a:r>
+            <a:r>
+              <a:rPr lang="ja-JP" altLang="en-US" dirty="0" smtClean="0"/>
+              <a:t>別売上額</a:t>
+            </a:r>
+            <a:r>
+              <a:rPr lang="en-US" altLang="ja-JP" dirty="0"/>
+              <a:t/>
+            </a:r>
+            <a:br>
+              <a:rPr lang="en-US" altLang="ja-JP" dirty="0"/>
+            </a:br>
+            <a:endParaRPr kumimoji="1" lang="ja-JP" altLang="en-US" dirty="0"/>
+          </a:p>
+        </p:txBody>
+      </p:sp>
+      <p:pic>
+        <p:nvPicPr>
+          <p:cNvPr id="3" name="コンテンツ プレースホルダー 2"/>
+          <p:cNvPicPr>
+            <a:picLocks noGrp="1" noChangeAspect="1"/>
+          </p:cNvPicPr>
+          <p:nvPr>
+            <p:ph idx="1"/>
+          </p:nvPr>
+        </p:nvPicPr>
+        <p:blipFill>
+          <a:blip r:embed="rId3" cstate="print">
+            <a:extLst>
+              <a:ext uri="{28A0092B-C50C-407E-A947-70E740481C1C}">
+                <a14:useLocalDpi xmlns:a14="http://schemas.microsoft.com/office/drawing/2010/main" val="0"/>
+              </a:ext>
+            </a:extLst>
+          </a:blip>
+          <a:stretch>
+            <a:fillRect/>
+          </a:stretch>
+        </p:blipFill>
+        <p:spPr>
+          <a:xfrm>
+            <a:off x="2470484" y="1483895"/>
+            <a:ext cx="6845349" cy="4886276"/>
+          </a:xfrm>
+        </p:spPr>
+      </p:pic>
+    </p:spTree>
+    <p:extLst>
+      <p:ext uri="{BB962C8B-B14F-4D97-AF65-F5344CB8AC3E}">
+        <p14:creationId xmlns:p14="http://schemas.microsoft.com/office/powerpoint/2010/main" val="1379259570"/>
+      </p:ext>
+    </p:extLst>
+  </p:cSld>
+  <p:clrMapOvr>
+    <a:masterClrMapping/>
+  </p:clrMapOvr>
+  <mc:AlternateContent xmlns:mc="http://schemas.openxmlformats.org/markup-compatibility/2006" xmlns:p14="http://schemas.microsoft.com/office/powerpoint/2010/main">
+    <mc:Choice Requires="p14">
+      <p:transition spd="med" p14:dur="700">
+        <p:fade/>
+      </p:transition>
+    </mc:Choice>
+    <mc:Fallback xmlns="">
+      <p:transition spd="med">
+        <p:fade/>
+      </p:transition>
+    </mc:Fallback>
+  </mc:AlternateContent>
+  <p:timing>
+    <p:tnLst>
+      <p:par>
+        <p:cTn id="1" dur="indefinite" restart="never" nodeType="tmRoot"/>
+      </p:par>
+    </p:tnLst>
+  </p:timing>
+</p:sld>
+</file>
+
+<file path=ppt/slides/slide14.xml><?xml version="1.0" encoding="utf-8"?>
+<p:sld xmlns:a="http://schemas.openxmlformats.org/drawingml/2006/main" xmlns:r="http://schemas.openxmlformats.org/officeDocument/2006/relationships" xmlns:p="http://schemas.openxmlformats.org/presentationml/2006/main">
+  <p:cSld>
+    <p:spTree>
+      <p:nvGrpSpPr>
+        <p:cNvPr id="1" name=""/>
+        <p:cNvGrpSpPr/>
+        <p:nvPr/>
+      </p:nvGrpSpPr>
+      <p:grpSpPr>
+        <a:xfrm>
+          <a:off x="0" y="0"/>
+          <a:ext cx="0" cy="0"/>
+          <a:chOff x="0" y="0"/>
+          <a:chExt cx="0" cy="0"/>
+        </a:xfrm>
+      </p:grpSpPr>
+      <p:sp>
+        <p:nvSpPr>
+          <p:cNvPr id="3" name="タイトル 2"/>
+          <p:cNvSpPr>
+            <a:spLocks noGrp="1"/>
+          </p:cNvSpPr>
+          <p:nvPr>
+            <p:ph type="title"/>
+          </p:nvPr>
+        </p:nvSpPr>
+        <p:spPr/>
+        <p:txBody>
+          <a:bodyPr rtlCol="0"/>
+          <a:lstStyle/>
+          <a:p>
+            <a:pPr rtl="0"/>
+            <a:r>
+              <a:rPr lang="ja" dirty="0">
+                <a:latin typeface="Meiryo UI" panose="020B0604030504040204" pitchFamily="50" charset="-128"/>
+                <a:ea typeface="Meiryo UI" panose="020B0604030504040204" pitchFamily="50" charset="-128"/>
+              </a:rPr>
+              <a:t>まとめ</a:t>
+            </a:r>
+          </a:p>
+        </p:txBody>
+      </p:sp>
+      <p:sp>
+        <p:nvSpPr>
+          <p:cNvPr id="4" name="日付プレースホルダー 3">
+            <a:extLst>
+              <a:ext uri="{FF2B5EF4-FFF2-40B4-BE49-F238E27FC236}">
+                <a16:creationId xmlns="" xmlns:a16="http://schemas.microsoft.com/office/drawing/2014/main" id="{6CB8136F-3B1A-4F57-A9B1-1C9EFDB64384}"/>
+              </a:ext>
+            </a:extLst>
+          </p:cNvPr>
+          <p:cNvSpPr>
+            <a:spLocks noGrp="1"/>
+          </p:cNvSpPr>
+          <p:nvPr>
+            <p:ph type="dt" sz="half" idx="10"/>
+          </p:nvPr>
+        </p:nvSpPr>
+        <p:spPr/>
+        <p:txBody>
+          <a:bodyPr/>
+          <a:lstStyle/>
+          <a:p>
+            <a:pPr rtl="0"/>
+            <a:fld id="{BC28DBE5-3AC0-4BDB-9723-66725C58468D}" type="datetime4">
+              <a:rPr lang="ja-JP" altLang="en-US" smtClean="0"/>
+              <a:t>2017年11月11日</a:t>
+            </a:fld>
+            <a:endParaRPr lang="en-US" dirty="0"/>
+          </a:p>
+        </p:txBody>
+      </p:sp>
+      <p:sp>
+        <p:nvSpPr>
+          <p:cNvPr id="5" name="スライド番号プレースホルダー 4">
+            <a:extLst>
+              <a:ext uri="{FF2B5EF4-FFF2-40B4-BE49-F238E27FC236}">
+                <a16:creationId xmlns="" xmlns:a16="http://schemas.microsoft.com/office/drawing/2014/main" id="{0923BB01-6B06-41F2-B73E-7FF366EDDB19}"/>
+              </a:ext>
+            </a:extLst>
+          </p:cNvPr>
+          <p:cNvSpPr>
+            <a:spLocks noGrp="1"/>
+          </p:cNvSpPr>
+          <p:nvPr>
+            <p:ph type="sldNum" sz="quarter" idx="12"/>
+          </p:nvPr>
+        </p:nvSpPr>
+        <p:spPr/>
+        <p:txBody>
+          <a:bodyPr/>
+          <a:lstStyle/>
+          <a:p>
+            <a:pPr rtl="0"/>
+            <a:fld id="{401CF334-2D5C-4859-84A6-CA7E6E43FAEB}" type="slidenum">
+              <a:rPr lang="en-US" altLang="ja-JP" noProof="0" smtClean="0"/>
+              <a:t>14</a:t>
+            </a:fld>
+            <a:endParaRPr lang="ja-JP" altLang="en-US" noProof="0" dirty="0"/>
+          </a:p>
+        </p:txBody>
+      </p:sp>
+      <p:sp>
+        <p:nvSpPr>
+          <p:cNvPr id="7" name="コンテンツ プレースホルダー 6"/>
+          <p:cNvSpPr>
+            <a:spLocks noGrp="1"/>
+          </p:cNvSpPr>
+          <p:nvPr>
+            <p:ph idx="1"/>
+          </p:nvPr>
+        </p:nvSpPr>
+        <p:spPr/>
+        <p:txBody>
+          <a:bodyPr/>
+          <a:lstStyle/>
+          <a:p>
+            <a:endParaRPr kumimoji="1" lang="ja-JP" altLang="en-US"/>
+          </a:p>
+        </p:txBody>
+      </p:sp>
+    </p:spTree>
+    <p:extLst>
+      <p:ext uri="{BB962C8B-B14F-4D97-AF65-F5344CB8AC3E}">
+        <p14:creationId xmlns:p14="http://schemas.microsoft.com/office/powerpoint/2010/main" val="2054880847"/>
+      </p:ext>
+    </p:extLst>
+  </p:cSld>
+  <p:clrMapOvr>
+    <a:masterClrMapping/>
+  </p:clrMapOvr>
+  <mc:AlternateContent xmlns:mc="http://schemas.openxmlformats.org/markup-compatibility/2006" xmlns:p14="http://schemas.microsoft.com/office/powerpoint/2010/main">
+    <mc:Choice Requires="p14">
+      <p:transition spd="med" p14:dur="700">
+        <p:fade/>
+      </p:transition>
+    </mc:Choice>
+    <mc:Fallback xmlns="">
+      <p:transition spd="med">
+        <p:fade/>
+      </p:transition>
+    </mc:Fallback>
+  </mc:AlternateContent>
+  <p:timing>
+    <p:tnLst>
+      <p:par>
+        <p:cTn id="1" dur="indefinite" restart="never" nodeType="tmRoot"/>
+      </p:par>
+    </p:tnLst>
+  </p:timing>
+</p:sld>
+</file>
+
+<file path=ppt/slides/slide15.xml><?xml version="1.0" encoding="utf-8"?>
+<p:sld xmlns:a="http://schemas.openxmlformats.org/drawingml/2006/main" xmlns:r="http://schemas.openxmlformats.org/officeDocument/2006/relationships" xmlns:p="http://schemas.openxmlformats.org/presentationml/2006/main">
+  <p:cSld>
+    <p:spTree>
+      <p:nvGrpSpPr>
+        <p:cNvPr id="1" name=""/>
+        <p:cNvGrpSpPr/>
+        <p:nvPr/>
+      </p:nvGrpSpPr>
+      <p:grpSpPr>
+        <a:xfrm>
+          <a:off x="0" y="0"/>
+          <a:ext cx="0" cy="0"/>
+          <a:chOff x="0" y="0"/>
+          <a:chExt cx="0" cy="0"/>
+        </a:xfrm>
+      </p:grpSpPr>
+      <p:sp>
+        <p:nvSpPr>
+          <p:cNvPr id="3" name="タイトル 2"/>
+          <p:cNvSpPr>
+            <a:spLocks noGrp="1"/>
+          </p:cNvSpPr>
+          <p:nvPr>
+            <p:ph type="title"/>
+          </p:nvPr>
+        </p:nvSpPr>
+        <p:spPr/>
+        <p:txBody>
+          <a:bodyPr rtlCol="0"/>
+          <a:lstStyle/>
+          <a:p>
+            <a:pPr rtl="0"/>
+            <a:r>
+              <a:rPr lang="ja-JP" altLang="en-US" dirty="0">
+                <a:latin typeface="Meiryo UI" panose="020B0604030504040204" pitchFamily="50" charset="-128"/>
+                <a:ea typeface="Meiryo UI" panose="020B0604030504040204" pitchFamily="50" charset="-128"/>
+              </a:rPr>
+              <a:t>今後の方針</a:t>
+            </a:r>
+            <a:endParaRPr lang="ja" dirty="0">
+              <a:latin typeface="Meiryo UI" panose="020B0604030504040204" pitchFamily="50" charset="-128"/>
+              <a:ea typeface="Meiryo UI" panose="020B0604030504040204" pitchFamily="50" charset="-128"/>
+            </a:endParaRPr>
+          </a:p>
+        </p:txBody>
+      </p:sp>
+      <p:sp>
+        <p:nvSpPr>
+          <p:cNvPr id="2" name="コンテンツ プレースホルダー 1"/>
+          <p:cNvSpPr>
+            <a:spLocks noGrp="1"/>
+          </p:cNvSpPr>
+          <p:nvPr>
+            <p:ph idx="1"/>
+          </p:nvPr>
+        </p:nvSpPr>
+        <p:spPr/>
+        <p:txBody>
+          <a:bodyPr rtlCol="0"/>
+          <a:lstStyle/>
+          <a:p>
+            <a:pPr rtl="0"/>
+            <a:endParaRPr lang="en-US" dirty="0">
+              <a:latin typeface="ＭＳ 明朝" panose="02020609040205080304" pitchFamily="17" charset="-128"/>
+              <a:ea typeface="ＭＳ 明朝" panose="02020609040205080304" pitchFamily="17" charset="-128"/>
+            </a:endParaRPr>
+          </a:p>
+        </p:txBody>
+      </p:sp>
+      <p:sp>
+        <p:nvSpPr>
+          <p:cNvPr id="4" name="日付プレースホルダー 3">
+            <a:extLst>
+              <a:ext uri="{FF2B5EF4-FFF2-40B4-BE49-F238E27FC236}">
+                <a16:creationId xmlns="" xmlns:a16="http://schemas.microsoft.com/office/drawing/2014/main" id="{D0905ABD-AA66-49E9-98EB-C61A053BD754}"/>
+              </a:ext>
+            </a:extLst>
+          </p:cNvPr>
+          <p:cNvSpPr>
+            <a:spLocks noGrp="1"/>
+          </p:cNvSpPr>
+          <p:nvPr>
+            <p:ph type="dt" sz="half" idx="10"/>
+          </p:nvPr>
+        </p:nvSpPr>
+        <p:spPr/>
+        <p:txBody>
+          <a:bodyPr/>
+          <a:lstStyle/>
+          <a:p>
+            <a:pPr rtl="0"/>
+            <a:fld id="{C83BD9FF-CF36-42FD-8515-2CDBFFAA002B}" type="datetime4">
+              <a:rPr lang="ja-JP" altLang="en-US" smtClean="0"/>
+              <a:t>2017年11月11日</a:t>
+            </a:fld>
+            <a:endParaRPr lang="en-US" dirty="0"/>
+          </a:p>
+        </p:txBody>
+      </p:sp>
+      <p:sp>
+        <p:nvSpPr>
+          <p:cNvPr id="5" name="スライド番号プレースホルダー 4">
+            <a:extLst>
+              <a:ext uri="{FF2B5EF4-FFF2-40B4-BE49-F238E27FC236}">
+                <a16:creationId xmlns="" xmlns:a16="http://schemas.microsoft.com/office/drawing/2014/main" id="{59AE5A3B-333D-408C-8A46-FD98F75C40A4}"/>
+              </a:ext>
+            </a:extLst>
+          </p:cNvPr>
+          <p:cNvSpPr>
+            <a:spLocks noGrp="1"/>
+          </p:cNvSpPr>
+          <p:nvPr>
+            <p:ph type="sldNum" sz="quarter" idx="12"/>
+          </p:nvPr>
+        </p:nvSpPr>
+        <p:spPr/>
+        <p:txBody>
+          <a:bodyPr/>
+          <a:lstStyle/>
+          <a:p>
+            <a:pPr rtl="0"/>
+            <a:fld id="{401CF334-2D5C-4859-84A6-CA7E6E43FAEB}" type="slidenum">
+              <a:rPr lang="en-US" altLang="ja-JP" noProof="0" smtClean="0"/>
+              <a:t>15</a:t>
+            </a:fld>
+            <a:endParaRPr lang="ja-JP" altLang="en-US" noProof="0" dirty="0"/>
+          </a:p>
+        </p:txBody>
+      </p:sp>
+    </p:spTree>
+    <p:extLst>
+      <p:ext uri="{BB962C8B-B14F-4D97-AF65-F5344CB8AC3E}">
+        <p14:creationId xmlns:p14="http://schemas.microsoft.com/office/powerpoint/2010/main" val="112606551"/>
+      </p:ext>
+    </p:extLst>
+  </p:cSld>
+  <p:clrMapOvr>
+    <a:masterClrMapping/>
+  </p:clrMapOvr>
+  <mc:AlternateContent xmlns:mc="http://schemas.openxmlformats.org/markup-compatibility/2006" xmlns:p14="http://schemas.microsoft.com/office/powerpoint/2010/main">
+    <mc:Choice Requires="p14">
+      <p:transition spd="med" p14:dur="700">
+        <p:fade/>
+      </p:transition>
+    </mc:Choice>
+    <mc:Fallback xmlns="">
+      <p:transition spd="med">
+        <p:fade/>
+      </p:transition>
+    </mc:Fallback>
+  </mc:AlternateContent>
+</p:sld>
+</file>
+
+<file path=ppt/slides/slide2.xml><?xml version="1.0" encoding="utf-8"?>
+<p:sld xmlns:a="http://schemas.openxmlformats.org/drawingml/2006/main" xmlns:r="http://schemas.openxmlformats.org/officeDocument/2006/relationships" xmlns:p="http://schemas.openxmlformats.org/presentationml/2006/main">
+  <p:cSld>
+    <p:spTree>
+      <p:nvGrpSpPr>
+        <p:cNvPr id="1" name=""/>
+        <p:cNvGrpSpPr/>
+        <p:nvPr/>
+      </p:nvGrpSpPr>
+      <p:grpSpPr>
+        <a:xfrm>
+          <a:off x="0" y="0"/>
+          <a:ext cx="0" cy="0"/>
+          <a:chOff x="0" y="0"/>
+          <a:chExt cx="0" cy="0"/>
+        </a:xfrm>
+      </p:grpSpPr>
+      <p:sp>
+        <p:nvSpPr>
+          <p:cNvPr id="3" name="タイトル 2"/>
+          <p:cNvSpPr>
+            <a:spLocks noGrp="1"/>
+          </p:cNvSpPr>
+          <p:nvPr>
+            <p:ph type="title"/>
+          </p:nvPr>
+        </p:nvSpPr>
+        <p:spPr>
+          <a:xfrm>
+            <a:off x="609600" y="753979"/>
+            <a:ext cx="10972800" cy="812372"/>
+          </a:xfrm>
+        </p:spPr>
+        <p:txBody>
+          <a:bodyPr rtlCol="0"/>
+          <a:lstStyle/>
+          <a:p>
+            <a:pPr rtl="0"/>
+            <a:r>
+              <a:rPr lang="ja-JP" altLang="en-US" dirty="0"/>
+              <a:t>目次</a:t>
+            </a:r>
+            <a:endParaRPr lang="ja-JP" altLang="en-US" dirty="0">
+              <a:latin typeface="Meiryo UI" panose="020B0604030504040204" pitchFamily="50" charset="-128"/>
+              <a:ea typeface="Meiryo UI" panose="020B0604030504040204" pitchFamily="50" charset="-128"/>
+            </a:endParaRPr>
+          </a:p>
+        </p:txBody>
+      </p:sp>
+      <p:sp>
+        <p:nvSpPr>
+          <p:cNvPr id="2" name="コンテンツ プレースホルダー 1"/>
+          <p:cNvSpPr>
+            <a:spLocks noGrp="1"/>
+          </p:cNvSpPr>
+          <p:nvPr>
+            <p:ph idx="1"/>
+          </p:nvPr>
+        </p:nvSpPr>
+        <p:spPr/>
+        <p:txBody>
+          <a:bodyPr rtlCol="0"/>
+          <a:lstStyle/>
+          <a:p>
+            <a:pPr rtl="0"/>
+            <a:r>
+              <a:rPr lang="ja-JP" altLang="en-US" dirty="0"/>
+              <a:t>目的</a:t>
+            </a:r>
+            <a:endParaRPr lang="ja-JP" altLang="en-US" dirty="0">
+              <a:latin typeface="ＭＳ 明朝" panose="02020609040205080304" pitchFamily="17" charset="-128"/>
+              <a:ea typeface="ＭＳ 明朝" panose="02020609040205080304" pitchFamily="17" charset="-128"/>
+            </a:endParaRPr>
+          </a:p>
+          <a:p>
+            <a:r>
+              <a:rPr lang="ja-JP" altLang="en-US" dirty="0" smtClean="0"/>
+              <a:t>データセット</a:t>
+            </a:r>
+            <a:endParaRPr lang="en-US" altLang="ja-JP" dirty="0" smtClean="0"/>
+          </a:p>
+          <a:p>
+            <a:pPr rtl="0"/>
+            <a:r>
+              <a:rPr lang="ja-JP" altLang="en-US" dirty="0" smtClean="0"/>
+              <a:t>データ</a:t>
+            </a:r>
+            <a:r>
+              <a:rPr lang="ja-JP" altLang="en-US" dirty="0"/>
+              <a:t>処理</a:t>
+            </a:r>
+            <a:endParaRPr lang="ja-JP" altLang="en-US" dirty="0">
+              <a:latin typeface="ＭＳ 明朝" panose="02020609040205080304" pitchFamily="17" charset="-128"/>
+              <a:ea typeface="ＭＳ 明朝" panose="02020609040205080304" pitchFamily="17" charset="-128"/>
+            </a:endParaRPr>
+          </a:p>
+          <a:p>
+            <a:pPr rtl="0"/>
+            <a:r>
+              <a:rPr lang="ja-JP" altLang="en-US" dirty="0" smtClean="0">
+                <a:latin typeface="ＭＳ 明朝" panose="02020609040205080304" pitchFamily="17" charset="-128"/>
+                <a:ea typeface="ＭＳ 明朝" panose="02020609040205080304" pitchFamily="17" charset="-128"/>
+              </a:rPr>
+              <a:t>簡単</a:t>
+            </a:r>
+            <a:r>
+              <a:rPr lang="ja-JP" altLang="en-US" dirty="0">
+                <a:latin typeface="ＭＳ 明朝" panose="02020609040205080304" pitchFamily="17" charset="-128"/>
+                <a:ea typeface="ＭＳ 明朝" panose="02020609040205080304" pitchFamily="17" charset="-128"/>
+              </a:rPr>
+              <a:t>な分析</a:t>
+            </a:r>
+          </a:p>
+          <a:p>
+            <a:pPr rtl="0"/>
+            <a:r>
+              <a:rPr lang="ja-JP" altLang="en-US" dirty="0"/>
+              <a:t>まとめ</a:t>
+            </a:r>
+            <a:endParaRPr lang="en-US" altLang="ja-JP" dirty="0"/>
+          </a:p>
+          <a:p>
+            <a:pPr rtl="0"/>
+            <a:r>
+              <a:rPr lang="ja-JP" altLang="en-US" dirty="0">
+                <a:latin typeface="ＭＳ 明朝" panose="02020609040205080304" pitchFamily="17" charset="-128"/>
+                <a:ea typeface="ＭＳ 明朝" panose="02020609040205080304" pitchFamily="17" charset="-128"/>
+              </a:rPr>
+              <a:t>今後の方針</a:t>
+            </a:r>
+          </a:p>
+          <a:p>
+            <a:pPr rtl="0"/>
+            <a:endParaRPr lang="ja-JP" altLang="en-US" dirty="0"/>
+          </a:p>
+        </p:txBody>
+      </p:sp>
+      <p:sp>
+        <p:nvSpPr>
+          <p:cNvPr id="4" name="日付プレースホルダー 3">
+            <a:extLst>
+              <a:ext uri="{FF2B5EF4-FFF2-40B4-BE49-F238E27FC236}">
+                <a16:creationId xmlns="" xmlns:a16="http://schemas.microsoft.com/office/drawing/2014/main" id="{65580798-4494-48DB-9432-961CE1B1B97C}"/>
+              </a:ext>
+            </a:extLst>
+          </p:cNvPr>
+          <p:cNvSpPr>
+            <a:spLocks noGrp="1"/>
+          </p:cNvSpPr>
+          <p:nvPr>
+            <p:ph type="dt" sz="half" idx="10"/>
+          </p:nvPr>
+        </p:nvSpPr>
+        <p:spPr/>
+        <p:txBody>
+          <a:bodyPr/>
+          <a:lstStyle/>
+          <a:p>
+            <a:pPr rtl="0"/>
+            <a:fld id="{31D57F05-861D-4E37-A2C5-B06B3CD0725A}" type="datetime4">
+              <a:rPr lang="ja-JP" altLang="en-US" smtClean="0"/>
+              <a:t>2017年11月11日</a:t>
+            </a:fld>
+            <a:endParaRPr lang="en-US" dirty="0"/>
+          </a:p>
+        </p:txBody>
+      </p:sp>
+      <p:sp>
+        <p:nvSpPr>
+          <p:cNvPr id="5" name="スライド番号プレースホルダー 4">
+            <a:extLst>
+              <a:ext uri="{FF2B5EF4-FFF2-40B4-BE49-F238E27FC236}">
+                <a16:creationId xmlns="" xmlns:a16="http://schemas.microsoft.com/office/drawing/2014/main" id="{66081F81-C165-4D92-B3E1-4181B21520E3}"/>
+              </a:ext>
+            </a:extLst>
+          </p:cNvPr>
+          <p:cNvSpPr>
+            <a:spLocks noGrp="1"/>
+          </p:cNvSpPr>
+          <p:nvPr>
+            <p:ph type="sldNum" sz="quarter" idx="12"/>
+          </p:nvPr>
+        </p:nvSpPr>
+        <p:spPr/>
+        <p:txBody>
+          <a:bodyPr/>
+          <a:lstStyle/>
+          <a:p>
+            <a:pPr rtl="0"/>
+            <a:fld id="{401CF334-2D5C-4859-84A6-CA7E6E43FAEB}" type="slidenum">
+              <a:rPr lang="en-US" altLang="ja-JP" noProof="0" smtClean="0"/>
+              <a:t>2</a:t>
+            </a:fld>
+            <a:endParaRPr lang="ja-JP" altLang="en-US" noProof="0" dirty="0"/>
+          </a:p>
+        </p:txBody>
+      </p:sp>
+    </p:spTree>
+    <p:extLst>
+      <p:ext uri="{BB962C8B-B14F-4D97-AF65-F5344CB8AC3E}">
+        <p14:creationId xmlns:p14="http://schemas.microsoft.com/office/powerpoint/2010/main" val="1508910272"/>
+      </p:ext>
+    </p:extLst>
+  </p:cSld>
+  <p:clrMapOvr>
+    <a:masterClrMapping/>
+  </p:clrMapOvr>
+  <mc:AlternateContent xmlns:mc="http://schemas.openxmlformats.org/markup-compatibility/2006" xmlns:p14="http://schemas.microsoft.com/office/powerpoint/2010/main">
+    <mc:Choice Requires="p14">
+      <p:transition spd="med" p14:dur="700">
+        <p:fade/>
+      </p:transition>
+    </mc:Choice>
+    <mc:Fallback xmlns="">
+      <p:transition spd="med">
+        <p:fade/>
+      </p:transition>
+    </mc:Fallback>
+  </mc:AlternateContent>
+</p:sld>
+</file>
+
+<file path=ppt/slides/slide3.xml><?xml version="1.0" encoding="utf-8"?>
+<p:sld xmlns:a="http://schemas.openxmlformats.org/drawingml/2006/main" xmlns:r="http://schemas.openxmlformats.org/officeDocument/2006/relationships" xmlns:p="http://schemas.openxmlformats.org/presentationml/2006/main">
+  <p:cSld>
+    <p:spTree>
+      <p:nvGrpSpPr>
+        <p:cNvPr id="1" name=""/>
+        <p:cNvGrpSpPr/>
+        <p:nvPr/>
+      </p:nvGrpSpPr>
+      <p:grpSpPr>
+        <a:xfrm>
+          <a:off x="0" y="0"/>
+          <a:ext cx="0" cy="0"/>
+          <a:chOff x="0" y="0"/>
+          <a:chExt cx="0" cy="0"/>
+        </a:xfrm>
+      </p:grpSpPr>
+      <p:sp>
+        <p:nvSpPr>
+          <p:cNvPr id="3" name="タイトル 2"/>
+          <p:cNvSpPr>
+            <a:spLocks noGrp="1"/>
+          </p:cNvSpPr>
+          <p:nvPr>
+            <p:ph type="title"/>
+          </p:nvPr>
+        </p:nvSpPr>
+        <p:spPr/>
+        <p:txBody>
+          <a:bodyPr rtlCol="0"/>
+          <a:lstStyle/>
+          <a:p>
+            <a:pPr rtl="0"/>
+            <a:r>
+              <a:rPr lang="ja-JP" altLang="en-US" dirty="0">
+                <a:latin typeface="Meiryo UI" panose="020B0604030504040204" pitchFamily="50" charset="-128"/>
+                <a:ea typeface="Meiryo UI" panose="020B0604030504040204" pitchFamily="50" charset="-128"/>
+              </a:rPr>
+              <a:t>目的</a:t>
+            </a:r>
+          </a:p>
+        </p:txBody>
+      </p:sp>
+      <p:sp>
+        <p:nvSpPr>
+          <p:cNvPr id="4" name="日付プレースホルダー 3">
+            <a:extLst>
+              <a:ext uri="{FF2B5EF4-FFF2-40B4-BE49-F238E27FC236}">
+                <a16:creationId xmlns="" xmlns:a16="http://schemas.microsoft.com/office/drawing/2014/main" id="{2A955DE1-3AEF-4E45-97D7-28E745902D52}"/>
+              </a:ext>
+            </a:extLst>
+          </p:cNvPr>
+          <p:cNvSpPr>
+            <a:spLocks noGrp="1"/>
+          </p:cNvSpPr>
+          <p:nvPr>
+            <p:ph type="dt" sz="half" idx="10"/>
+          </p:nvPr>
+        </p:nvSpPr>
+        <p:spPr/>
+        <p:txBody>
+          <a:bodyPr/>
+          <a:lstStyle/>
+          <a:p>
+            <a:pPr rtl="0"/>
+            <a:fld id="{AB134B0F-F045-4F0B-8B34-CC17FB31FEC8}" type="datetime4">
+              <a:rPr lang="ja-JP" altLang="en-US" smtClean="0"/>
+              <a:t>2017年11月11日</a:t>
+            </a:fld>
+            <a:endParaRPr lang="en-US" dirty="0"/>
+          </a:p>
+        </p:txBody>
+      </p:sp>
+      <p:sp>
+        <p:nvSpPr>
+          <p:cNvPr id="5" name="スライド番号プレースホルダー 4">
+            <a:extLst>
+              <a:ext uri="{FF2B5EF4-FFF2-40B4-BE49-F238E27FC236}">
+                <a16:creationId xmlns="" xmlns:a16="http://schemas.microsoft.com/office/drawing/2014/main" id="{08144B19-6FE0-4B2E-A173-1035A8BB2783}"/>
+              </a:ext>
+            </a:extLst>
+          </p:cNvPr>
+          <p:cNvSpPr>
+            <a:spLocks noGrp="1"/>
+          </p:cNvSpPr>
+          <p:nvPr>
+            <p:ph type="sldNum" sz="quarter" idx="12"/>
+          </p:nvPr>
+        </p:nvSpPr>
+        <p:spPr/>
+        <p:txBody>
+          <a:bodyPr/>
+          <a:lstStyle/>
+          <a:p>
+            <a:pPr rtl="0"/>
+            <a:fld id="{401CF334-2D5C-4859-84A6-CA7E6E43FAEB}" type="slidenum">
+              <a:rPr lang="en-US" altLang="ja-JP" noProof="0" smtClean="0"/>
+              <a:t>3</a:t>
+            </a:fld>
+            <a:endParaRPr lang="ja-JP" altLang="en-US" noProof="0" dirty="0"/>
+          </a:p>
+        </p:txBody>
+      </p:sp>
+      <p:sp>
+        <p:nvSpPr>
+          <p:cNvPr id="6" name="コンテンツ プレースホルダー 1"/>
+          <p:cNvSpPr>
+            <a:spLocks noGrp="1"/>
+          </p:cNvSpPr>
+          <p:nvPr>
+            <p:ph idx="1"/>
+          </p:nvPr>
+        </p:nvSpPr>
+        <p:spPr>
+          <a:xfrm>
+            <a:off x="609600" y="1935480"/>
+            <a:ext cx="10972800" cy="4343400"/>
+          </a:xfrm>
+        </p:spPr>
+        <p:txBody>
+          <a:bodyPr rtlCol="0"/>
+          <a:lstStyle/>
+          <a:p>
+            <a:pPr rtl="0"/>
+            <a:r>
+              <a:rPr lang="ja-JP" altLang="en-US" dirty="0" smtClean="0"/>
+              <a:t>データ</a:t>
+            </a:r>
+            <a:r>
+              <a:rPr lang="ja-JP" altLang="en-US" dirty="0"/>
+              <a:t>分析</a:t>
+            </a:r>
+            <a:r>
+              <a:rPr lang="ja-JP" altLang="en-US" dirty="0" smtClean="0"/>
+              <a:t>を通じて</a:t>
+            </a:r>
+            <a:r>
+              <a:rPr lang="en-US" altLang="ja-JP" dirty="0" smtClean="0"/>
+              <a:t>, </a:t>
+            </a:r>
+            <a:r>
+              <a:rPr lang="ja-JP" altLang="en-US" dirty="0" smtClean="0"/>
+              <a:t>各店舗の特徴を見つける</a:t>
+            </a:r>
+            <a:r>
+              <a:rPr lang="en-US" altLang="ja-JP" dirty="0" smtClean="0"/>
+              <a:t>.</a:t>
+            </a:r>
+          </a:p>
+          <a:p>
+            <a:pPr rtl="0"/>
+            <a:r>
+              <a:rPr lang="ja-JP" altLang="en-US" dirty="0"/>
+              <a:t>店舗</a:t>
+            </a:r>
+            <a:r>
+              <a:rPr lang="ja-JP" altLang="en-US" dirty="0" smtClean="0"/>
+              <a:t>ごとの特徴から</a:t>
+            </a:r>
+            <a:r>
+              <a:rPr lang="en-US" altLang="ja-JP" dirty="0" smtClean="0"/>
+              <a:t>, </a:t>
+            </a:r>
+            <a:r>
+              <a:rPr lang="ja-JP" altLang="en-US" dirty="0" smtClean="0"/>
+              <a:t>最も大きい潜在能力を探す</a:t>
+            </a:r>
+            <a:r>
+              <a:rPr lang="en-US" altLang="ja-JP" dirty="0" smtClean="0"/>
+              <a:t>.</a:t>
+            </a:r>
+            <a:endParaRPr lang="ja-JP" altLang="en-US" dirty="0">
+              <a:latin typeface="ＭＳ 明朝" panose="02020609040205080304" pitchFamily="17" charset="-128"/>
+              <a:ea typeface="ＭＳ 明朝" panose="02020609040205080304" pitchFamily="17" charset="-128"/>
+            </a:endParaRPr>
+          </a:p>
+        </p:txBody>
+      </p:sp>
+    </p:spTree>
+    <p:extLst>
+      <p:ext uri="{BB962C8B-B14F-4D97-AF65-F5344CB8AC3E}">
+        <p14:creationId xmlns:p14="http://schemas.microsoft.com/office/powerpoint/2010/main" val="3339554045"/>
+      </p:ext>
+    </p:extLst>
+  </p:cSld>
+  <p:clrMapOvr>
+    <a:masterClrMapping/>
+  </p:clrMapOvr>
+  <mc:AlternateContent xmlns:mc="http://schemas.openxmlformats.org/markup-compatibility/2006" xmlns:p14="http://schemas.microsoft.com/office/powerpoint/2010/main">
+    <mc:Choice Requires="p14">
+      <p:transition spd="med" p14:dur="700">
+        <p:fade/>
+      </p:transition>
+    </mc:Choice>
+    <mc:Fallback xmlns="">
+      <p:transition spd="med">
+        <p:fade/>
+      </p:transition>
+    </mc:Fallback>
+  </mc:AlternateContent>
+</p:sld>
+</file>
+
+<file path=ppt/slides/slide4.xml><?xml version="1.0" encoding="utf-8"?>
+<p:sld xmlns:a="http://schemas.openxmlformats.org/drawingml/2006/main" xmlns:r="http://schemas.openxmlformats.org/officeDocument/2006/relationships" xmlns:p="http://schemas.openxmlformats.org/presentationml/2006/main">
+  <p:cSld>
+    <p:spTree>
+      <p:nvGrpSpPr>
+        <p:cNvPr id="1" name=""/>
+        <p:cNvGrpSpPr/>
+        <p:nvPr/>
+      </p:nvGrpSpPr>
+      <p:grpSpPr>
+        <a:xfrm>
+          <a:off x="0" y="0"/>
+          <a:ext cx="0" cy="0"/>
+          <a:chOff x="0" y="0"/>
+          <a:chExt cx="0" cy="0"/>
+        </a:xfrm>
+      </p:grpSpPr>
+      <p:sp>
+        <p:nvSpPr>
+          <p:cNvPr id="3" name="タイトル 2"/>
+          <p:cNvSpPr>
+            <a:spLocks noGrp="1"/>
+          </p:cNvSpPr>
+          <p:nvPr>
+            <p:ph type="title"/>
+          </p:nvPr>
+        </p:nvSpPr>
+        <p:spPr/>
+        <p:txBody>
           <a:bodyPr rtlCol="0"/>
           <a:lstStyle/>
           <a:p>
@@ -6875,7 +8403,7 @@
           <p:cNvPr id="4" name="日付プレースホルダー 3">
             <a:extLst>
               <a:ext uri="{FF2B5EF4-FFF2-40B4-BE49-F238E27FC236}">
-                <a16:creationId xmlns:a16="http://schemas.microsoft.com/office/drawing/2014/main" xmlns="" id="{06B1ED64-E469-461F-BAFD-4C2F22A620C6}"/>
+                <a16:creationId xmlns="" xmlns:a16="http://schemas.microsoft.com/office/drawing/2014/main" id="{06B1ED64-E469-461F-BAFD-4C2F22A620C6}"/>
               </a:ext>
             </a:extLst>
           </p:cNvPr>
@@ -6894,7 +8422,7 @@
             <a:pPr rtl="0"/>
             <a:fld id="{DA655A48-EA42-4638-8FA0-D2ACF9EC852F}" type="datetime4">
               <a:rPr lang="ja-JP" altLang="en-US" smtClean="0"/>
-              <a:t>2017年11月9日</a:t>
+              <a:t>2017年11月11日</a:t>
             </a:fld>
             <a:endParaRPr lang="en-US" dirty="0"/>
           </a:p>
@@ -6905,7 +8433,7 @@
           <p:cNvPr id="5" name="スライド番号プレースホルダー 4">
             <a:extLst>
               <a:ext uri="{FF2B5EF4-FFF2-40B4-BE49-F238E27FC236}">
-                <a16:creationId xmlns:a16="http://schemas.microsoft.com/office/drawing/2014/main" xmlns="" id="{B658C540-8ADF-4B54-AACB-0D06C525C7F1}"/>
+                <a16:creationId xmlns="" xmlns:a16="http://schemas.microsoft.com/office/drawing/2014/main" id="{B658C540-8ADF-4B54-AACB-0D06C525C7F1}"/>
               </a:ext>
             </a:extLst>
           </p:cNvPr>
@@ -6924,7 +8452,7 @@
             <a:pPr rtl="0"/>
             <a:fld id="{401CF334-2D5C-4859-84A6-CA7E6E43FAEB}" type="slidenum">
               <a:rPr lang="en-US" altLang="ja-JP" noProof="0" smtClean="0"/>
-              <a:t>10</a:t>
+              <a:t>4</a:t>
             </a:fld>
             <a:endParaRPr lang="ja-JP" altLang="en-US" noProof="0" dirty="0"/>
           </a:p>
@@ -6935,7 +8463,7 @@
           <p:cNvPr id="9" name="コンテンツ プレースホルダー 8">
             <a:extLst>
               <a:ext uri="{FF2B5EF4-FFF2-40B4-BE49-F238E27FC236}">
-                <a16:creationId xmlns:a16="http://schemas.microsoft.com/office/drawing/2014/main" xmlns="" id="{6C924DD0-1C46-4792-AD8A-8D0E8C4B630B}"/>
+                <a16:creationId xmlns="" xmlns:a16="http://schemas.microsoft.com/office/drawing/2014/main" id="{6C924DD0-1C46-4792-AD8A-8D0E8C4B630B}"/>
               </a:ext>
             </a:extLst>
           </p:cNvPr>
@@ -6965,49 +8493,49 @@
                 <a:gridCol w="1567543">
                   <a:extLst>
                     <a:ext uri="{9D8B030D-6E8A-4147-A177-3AD203B41FA5}">
-                      <a16:colId xmlns:a16="http://schemas.microsoft.com/office/drawing/2014/main" xmlns="" val="1745892809"/>
+                      <a16:colId xmlns="" xmlns:a16="http://schemas.microsoft.com/office/drawing/2014/main" val="1745892809"/>
                     </a:ext>
                   </a:extLst>
                 </a:gridCol>
                 <a:gridCol w="1567543">
                   <a:extLst>
                     <a:ext uri="{9D8B030D-6E8A-4147-A177-3AD203B41FA5}">
-                      <a16:colId xmlns:a16="http://schemas.microsoft.com/office/drawing/2014/main" xmlns="" val="1449369351"/>
+                      <a16:colId xmlns="" xmlns:a16="http://schemas.microsoft.com/office/drawing/2014/main" val="1449369351"/>
                     </a:ext>
                   </a:extLst>
                 </a:gridCol>
                 <a:gridCol w="1567543">
                   <a:extLst>
                     <a:ext uri="{9D8B030D-6E8A-4147-A177-3AD203B41FA5}">
-                      <a16:colId xmlns:a16="http://schemas.microsoft.com/office/drawing/2014/main" xmlns="" val="568099461"/>
+                      <a16:colId xmlns="" xmlns:a16="http://schemas.microsoft.com/office/drawing/2014/main" val="568099461"/>
                     </a:ext>
                   </a:extLst>
                 </a:gridCol>
                 <a:gridCol w="1567543">
                   <a:extLst>
                     <a:ext uri="{9D8B030D-6E8A-4147-A177-3AD203B41FA5}">
-                      <a16:colId xmlns:a16="http://schemas.microsoft.com/office/drawing/2014/main" xmlns="" val="1458967814"/>
+                      <a16:colId xmlns="" xmlns:a16="http://schemas.microsoft.com/office/drawing/2014/main" val="1458967814"/>
                     </a:ext>
                   </a:extLst>
                 </a:gridCol>
                 <a:gridCol w="1567543">
                   <a:extLst>
                     <a:ext uri="{9D8B030D-6E8A-4147-A177-3AD203B41FA5}">
-                      <a16:colId xmlns:a16="http://schemas.microsoft.com/office/drawing/2014/main" xmlns="" val="1163922"/>
+                      <a16:colId xmlns="" xmlns:a16="http://schemas.microsoft.com/office/drawing/2014/main" val="1163922"/>
                     </a:ext>
                   </a:extLst>
                 </a:gridCol>
                 <a:gridCol w="1567543">
                   <a:extLst>
                     <a:ext uri="{9D8B030D-6E8A-4147-A177-3AD203B41FA5}">
-                      <a16:colId xmlns:a16="http://schemas.microsoft.com/office/drawing/2014/main" xmlns="" val="544888355"/>
+                      <a16:colId xmlns="" xmlns:a16="http://schemas.microsoft.com/office/drawing/2014/main" val="544888355"/>
                     </a:ext>
                   </a:extLst>
                 </a:gridCol>
                 <a:gridCol w="1567543">
                   <a:extLst>
                     <a:ext uri="{9D8B030D-6E8A-4147-A177-3AD203B41FA5}">
-                      <a16:colId xmlns:a16="http://schemas.microsoft.com/office/drawing/2014/main" xmlns="" val="3650096592"/>
+                      <a16:colId xmlns="" xmlns:a16="http://schemas.microsoft.com/office/drawing/2014/main" val="3650096592"/>
                     </a:ext>
                   </a:extLst>
                 </a:gridCol>
@@ -7103,7 +8631,7 @@
                 </a:tc>
                 <a:extLst>
                   <a:ext uri="{0D108BD9-81ED-4DB2-BD59-A6C34878D82A}">
-                    <a16:rowId xmlns:a16="http://schemas.microsoft.com/office/drawing/2014/main" xmlns="" val="1620933915"/>
+                    <a16:rowId xmlns="" xmlns:a16="http://schemas.microsoft.com/office/drawing/2014/main" val="1620933915"/>
                   </a:ext>
                 </a:extLst>
               </a:tr>
@@ -7207,7 +8735,7 @@
                 </a:tc>
                 <a:extLst>
                   <a:ext uri="{0D108BD9-81ED-4DB2-BD59-A6C34878D82A}">
-                    <a16:rowId xmlns:a16="http://schemas.microsoft.com/office/drawing/2014/main" xmlns="" val="3499039659"/>
+                    <a16:rowId xmlns="" xmlns:a16="http://schemas.microsoft.com/office/drawing/2014/main" val="3499039659"/>
                   </a:ext>
                 </a:extLst>
               </a:tr>
@@ -7220,7 +8748,7 @@
           <p:cNvPr id="11" name="コンテンツ プレースホルダー 1">
             <a:extLst>
               <a:ext uri="{FF2B5EF4-FFF2-40B4-BE49-F238E27FC236}">
-                <a16:creationId xmlns:a16="http://schemas.microsoft.com/office/drawing/2014/main" xmlns="" id="{B479F282-F383-4548-A92F-99FE0B739BE9}"/>
+                <a16:creationId xmlns="" xmlns:a16="http://schemas.microsoft.com/office/drawing/2014/main" id="{B479F282-F383-4548-A92F-99FE0B739BE9}"/>
               </a:ext>
             </a:extLst>
           </p:cNvPr>
@@ -7474,1491 +9002,6 @@
 </p:sld>
 </file>
 
-<file path=ppt/slides/slide11.xml><?xml version="1.0" encoding="utf-8"?>
-<p:sld xmlns:a="http://schemas.openxmlformats.org/drawingml/2006/main" xmlns:r="http://schemas.openxmlformats.org/officeDocument/2006/relationships" xmlns:p="http://schemas.openxmlformats.org/presentationml/2006/main">
-  <p:cSld>
-    <p:spTree>
-      <p:nvGrpSpPr>
-        <p:cNvPr id="1" name=""/>
-        <p:cNvGrpSpPr/>
-        <p:nvPr/>
-      </p:nvGrpSpPr>
-      <p:grpSpPr>
-        <a:xfrm>
-          <a:off x="0" y="0"/>
-          <a:ext cx="0" cy="0"/>
-          <a:chOff x="0" y="0"/>
-          <a:chExt cx="0" cy="0"/>
-        </a:xfrm>
-      </p:grpSpPr>
-      <p:pic>
-        <p:nvPicPr>
-          <p:cNvPr id="6" name="コンテンツ プレースホルダー 5"/>
-          <p:cNvPicPr>
-            <a:picLocks noGrp="1" noChangeAspect="1"/>
-          </p:cNvPicPr>
-          <p:nvPr>
-            <p:ph idx="1"/>
-          </p:nvPr>
-        </p:nvPicPr>
-        <p:blipFill>
-          <a:blip r:embed="rId3" cstate="print">
-            <a:extLst>
-              <a:ext uri="{28A0092B-C50C-407E-A947-70E740481C1C}">
-                <a14:useLocalDpi xmlns:a14="http://schemas.microsoft.com/office/drawing/2010/main" val="0"/>
-              </a:ext>
-            </a:extLst>
-          </a:blip>
-          <a:stretch>
-            <a:fillRect/>
-          </a:stretch>
-        </p:blipFill>
-        <p:spPr>
-          <a:xfrm>
-            <a:off x="2261938" y="1495398"/>
-            <a:ext cx="6809874" cy="4860953"/>
-          </a:xfrm>
-        </p:spPr>
-      </p:pic>
-      <p:sp>
-        <p:nvSpPr>
-          <p:cNvPr id="4" name="日付プレースホルダー 3">
-            <a:extLst>
-              <a:ext uri="{FF2B5EF4-FFF2-40B4-BE49-F238E27FC236}">
-                <a16:creationId xmlns:a16="http://schemas.microsoft.com/office/drawing/2014/main" xmlns="" id="{025892AF-5659-4772-B1F5-BA0EBDF9722B}"/>
-              </a:ext>
-            </a:extLst>
-          </p:cNvPr>
-          <p:cNvSpPr>
-            <a:spLocks noGrp="1"/>
-          </p:cNvSpPr>
-          <p:nvPr>
-            <p:ph type="dt" sz="half" idx="10"/>
-          </p:nvPr>
-        </p:nvSpPr>
-        <p:spPr/>
-        <p:txBody>
-          <a:bodyPr/>
-          <a:lstStyle/>
-          <a:p>
-            <a:pPr rtl="0"/>
-            <a:fld id="{6D0A085D-0221-4FE5-BD83-4A6338CA0455}" type="datetime4">
-              <a:rPr lang="ja-JP" altLang="en-US" smtClean="0"/>
-              <a:t>2017年11月9日</a:t>
-            </a:fld>
-            <a:endParaRPr lang="en-US" dirty="0"/>
-          </a:p>
-        </p:txBody>
-      </p:sp>
-      <p:sp>
-        <p:nvSpPr>
-          <p:cNvPr id="5" name="スライド番号プレースホルダー 4">
-            <a:extLst>
-              <a:ext uri="{FF2B5EF4-FFF2-40B4-BE49-F238E27FC236}">
-                <a16:creationId xmlns:a16="http://schemas.microsoft.com/office/drawing/2014/main" xmlns="" id="{6A639EF7-7272-46D1-BBF0-E0C878B5782A}"/>
-              </a:ext>
-            </a:extLst>
-          </p:cNvPr>
-          <p:cNvSpPr>
-            <a:spLocks noGrp="1"/>
-          </p:cNvSpPr>
-          <p:nvPr>
-            <p:ph type="sldNum" sz="quarter" idx="12"/>
-          </p:nvPr>
-        </p:nvSpPr>
-        <p:spPr/>
-        <p:txBody>
-          <a:bodyPr/>
-          <a:lstStyle/>
-          <a:p>
-            <a:pPr rtl="0"/>
-            <a:fld id="{401CF334-2D5C-4859-84A6-CA7E6E43FAEB}" type="slidenum">
-              <a:rPr lang="en-US" altLang="ja-JP" noProof="0" smtClean="0"/>
-              <a:t>11</a:t>
-            </a:fld>
-            <a:endParaRPr lang="ja-JP" altLang="en-US" noProof="0" dirty="0"/>
-          </a:p>
-        </p:txBody>
-      </p:sp>
-      <p:sp>
-        <p:nvSpPr>
-          <p:cNvPr id="9" name="タイトル 8"/>
-          <p:cNvSpPr>
-            <a:spLocks noGrp="1"/>
-          </p:cNvSpPr>
-          <p:nvPr>
-            <p:ph type="title"/>
-          </p:nvPr>
-        </p:nvSpPr>
-        <p:spPr/>
-        <p:txBody>
-          <a:bodyPr>
-            <a:normAutofit fontScale="90000"/>
-          </a:bodyPr>
-          <a:lstStyle/>
-          <a:p>
-            <a:r>
-              <a:rPr lang="ja-JP" altLang="en-US" dirty="0"/>
-              <a:t>店舗ごとの曜日別来店顧客数</a:t>
-            </a:r>
-            <a:r>
-              <a:rPr lang="en-US" altLang="ja-JP" dirty="0"/>
-              <a:t/>
-            </a:r>
-            <a:br>
-              <a:rPr lang="en-US" altLang="ja-JP" dirty="0"/>
-            </a:br>
-            <a:endParaRPr kumimoji="1" lang="ja-JP" altLang="en-US" dirty="0"/>
-          </a:p>
-        </p:txBody>
-      </p:sp>
-    </p:spTree>
-    <p:extLst>
-      <p:ext uri="{BB962C8B-B14F-4D97-AF65-F5344CB8AC3E}">
-        <p14:creationId xmlns:p14="http://schemas.microsoft.com/office/powerpoint/2010/main" val="1419453836"/>
-      </p:ext>
-    </p:extLst>
-  </p:cSld>
-  <p:clrMapOvr>
-    <a:masterClrMapping/>
-  </p:clrMapOvr>
-  <mc:AlternateContent xmlns:mc="http://schemas.openxmlformats.org/markup-compatibility/2006" xmlns:p14="http://schemas.microsoft.com/office/powerpoint/2010/main">
-    <mc:Choice Requires="p14">
-      <p:transition spd="med" p14:dur="700">
-        <p:fade/>
-      </p:transition>
-    </mc:Choice>
-    <mc:Fallback xmlns="">
-      <p:transition spd="med">
-        <p:fade/>
-      </p:transition>
-    </mc:Fallback>
-  </mc:AlternateContent>
-  <p:timing>
-    <p:tnLst>
-      <p:par>
-        <p:cTn id="1" dur="indefinite" restart="never" nodeType="tmRoot"/>
-      </p:par>
-    </p:tnLst>
-  </p:timing>
-</p:sld>
-</file>
-
-<file path=ppt/slides/slide12.xml><?xml version="1.0" encoding="utf-8"?>
-<p:sld xmlns:a="http://schemas.openxmlformats.org/drawingml/2006/main" xmlns:r="http://schemas.openxmlformats.org/officeDocument/2006/relationships" xmlns:p="http://schemas.openxmlformats.org/presentationml/2006/main">
-  <p:cSld>
-    <p:spTree>
-      <p:nvGrpSpPr>
-        <p:cNvPr id="1" name=""/>
-        <p:cNvGrpSpPr/>
-        <p:nvPr/>
-      </p:nvGrpSpPr>
-      <p:grpSpPr>
-        <a:xfrm>
-          <a:off x="0" y="0"/>
-          <a:ext cx="0" cy="0"/>
-          <a:chOff x="0" y="0"/>
-          <a:chExt cx="0" cy="0"/>
-        </a:xfrm>
-      </p:grpSpPr>
-      <p:sp>
-        <p:nvSpPr>
-          <p:cNvPr id="4" name="日付プレースホルダー 3">
-            <a:extLst>
-              <a:ext uri="{FF2B5EF4-FFF2-40B4-BE49-F238E27FC236}">
-                <a16:creationId xmlns:a16="http://schemas.microsoft.com/office/drawing/2014/main" xmlns="" id="{025892AF-5659-4772-B1F5-BA0EBDF9722B}"/>
-              </a:ext>
-            </a:extLst>
-          </p:cNvPr>
-          <p:cNvSpPr>
-            <a:spLocks noGrp="1"/>
-          </p:cNvSpPr>
-          <p:nvPr>
-            <p:ph type="dt" sz="half" idx="10"/>
-          </p:nvPr>
-        </p:nvSpPr>
-        <p:spPr/>
-        <p:txBody>
-          <a:bodyPr/>
-          <a:lstStyle/>
-          <a:p>
-            <a:pPr rtl="0"/>
-            <a:fld id="{6D0A085D-0221-4FE5-BD83-4A6338CA0455}" type="datetime4">
-              <a:rPr lang="ja-JP" altLang="en-US" smtClean="0"/>
-              <a:t>2017年11月9日</a:t>
-            </a:fld>
-            <a:endParaRPr lang="en-US" dirty="0"/>
-          </a:p>
-        </p:txBody>
-      </p:sp>
-      <p:sp>
-        <p:nvSpPr>
-          <p:cNvPr id="5" name="スライド番号プレースホルダー 4">
-            <a:extLst>
-              <a:ext uri="{FF2B5EF4-FFF2-40B4-BE49-F238E27FC236}">
-                <a16:creationId xmlns:a16="http://schemas.microsoft.com/office/drawing/2014/main" xmlns="" id="{6A639EF7-7272-46D1-BBF0-E0C878B5782A}"/>
-              </a:ext>
-            </a:extLst>
-          </p:cNvPr>
-          <p:cNvSpPr>
-            <a:spLocks noGrp="1"/>
-          </p:cNvSpPr>
-          <p:nvPr>
-            <p:ph type="sldNum" sz="quarter" idx="12"/>
-          </p:nvPr>
-        </p:nvSpPr>
-        <p:spPr/>
-        <p:txBody>
-          <a:bodyPr/>
-          <a:lstStyle/>
-          <a:p>
-            <a:pPr rtl="0"/>
-            <a:fld id="{401CF334-2D5C-4859-84A6-CA7E6E43FAEB}" type="slidenum">
-              <a:rPr lang="en-US" altLang="ja-JP" noProof="0" smtClean="0"/>
-              <a:t>12</a:t>
-            </a:fld>
-            <a:endParaRPr lang="ja-JP" altLang="en-US" noProof="0" dirty="0"/>
-          </a:p>
-        </p:txBody>
-      </p:sp>
-      <p:sp>
-        <p:nvSpPr>
-          <p:cNvPr id="9" name="タイトル 8"/>
-          <p:cNvSpPr>
-            <a:spLocks noGrp="1"/>
-          </p:cNvSpPr>
-          <p:nvPr>
-            <p:ph type="title"/>
-          </p:nvPr>
-        </p:nvSpPr>
-        <p:spPr/>
-        <p:txBody>
-          <a:bodyPr>
-            <a:normAutofit fontScale="90000"/>
-          </a:bodyPr>
-          <a:lstStyle/>
-          <a:p>
-            <a:r>
-              <a:rPr lang="ja-JP" altLang="en-US" dirty="0"/>
-              <a:t>店舗ごとの曜日</a:t>
-            </a:r>
-            <a:r>
-              <a:rPr lang="ja-JP" altLang="en-US" dirty="0" smtClean="0"/>
-              <a:t>別スタッフ数</a:t>
-            </a:r>
-            <a:r>
-              <a:rPr lang="en-US" altLang="ja-JP" dirty="0"/>
-              <a:t/>
-            </a:r>
-            <a:br>
-              <a:rPr lang="en-US" altLang="ja-JP" dirty="0"/>
-            </a:br>
-            <a:endParaRPr kumimoji="1" lang="ja-JP" altLang="en-US" dirty="0"/>
-          </a:p>
-        </p:txBody>
-      </p:sp>
-      <p:pic>
-        <p:nvPicPr>
-          <p:cNvPr id="8" name="コンテンツ プレースホルダー 7"/>
-          <p:cNvPicPr>
-            <a:picLocks noGrp="1" noChangeAspect="1"/>
-          </p:cNvPicPr>
-          <p:nvPr>
-            <p:ph idx="1"/>
-          </p:nvPr>
-        </p:nvPicPr>
-        <p:blipFill>
-          <a:blip r:embed="rId3" cstate="print">
-            <a:extLst>
-              <a:ext uri="{28A0092B-C50C-407E-A947-70E740481C1C}">
-                <a14:useLocalDpi xmlns:a14="http://schemas.microsoft.com/office/drawing/2010/main" val="0"/>
-              </a:ext>
-            </a:extLst>
-          </a:blip>
-          <a:stretch>
-            <a:fillRect/>
-          </a:stretch>
-        </p:blipFill>
-        <p:spPr>
-          <a:xfrm>
-            <a:off x="2586659" y="1593767"/>
-            <a:ext cx="6672065" cy="4762584"/>
-          </a:xfrm>
-        </p:spPr>
-      </p:pic>
-    </p:spTree>
-    <p:extLst>
-      <p:ext uri="{BB962C8B-B14F-4D97-AF65-F5344CB8AC3E}">
-        <p14:creationId xmlns:p14="http://schemas.microsoft.com/office/powerpoint/2010/main" val="543960113"/>
-      </p:ext>
-    </p:extLst>
-  </p:cSld>
-  <p:clrMapOvr>
-    <a:masterClrMapping/>
-  </p:clrMapOvr>
-  <mc:AlternateContent xmlns:mc="http://schemas.openxmlformats.org/markup-compatibility/2006" xmlns:p14="http://schemas.microsoft.com/office/powerpoint/2010/main">
-    <mc:Choice Requires="p14">
-      <p:transition spd="med" p14:dur="700">
-        <p:fade/>
-      </p:transition>
-    </mc:Choice>
-    <mc:Fallback xmlns="">
-      <p:transition spd="med">
-        <p:fade/>
-      </p:transition>
-    </mc:Fallback>
-  </mc:AlternateContent>
-  <p:timing>
-    <p:tnLst>
-      <p:par>
-        <p:cTn id="1" dur="indefinite" restart="never" nodeType="tmRoot"/>
-      </p:par>
-    </p:tnLst>
-  </p:timing>
-</p:sld>
-</file>
-
-<file path=ppt/slides/slide13.xml><?xml version="1.0" encoding="utf-8"?>
-<p:sld xmlns:a="http://schemas.openxmlformats.org/drawingml/2006/main" xmlns:r="http://schemas.openxmlformats.org/officeDocument/2006/relationships" xmlns:p="http://schemas.openxmlformats.org/presentationml/2006/main">
-  <p:cSld>
-    <p:spTree>
-      <p:nvGrpSpPr>
-        <p:cNvPr id="1" name=""/>
-        <p:cNvGrpSpPr/>
-        <p:nvPr/>
-      </p:nvGrpSpPr>
-      <p:grpSpPr>
-        <a:xfrm>
-          <a:off x="0" y="0"/>
-          <a:ext cx="0" cy="0"/>
-          <a:chOff x="0" y="0"/>
-          <a:chExt cx="0" cy="0"/>
-        </a:xfrm>
-      </p:grpSpPr>
-      <p:sp>
-        <p:nvSpPr>
-          <p:cNvPr id="4" name="日付プレースホルダー 3">
-            <a:extLst>
-              <a:ext uri="{FF2B5EF4-FFF2-40B4-BE49-F238E27FC236}">
-                <a16:creationId xmlns:a16="http://schemas.microsoft.com/office/drawing/2014/main" xmlns="" id="{025892AF-5659-4772-B1F5-BA0EBDF9722B}"/>
-              </a:ext>
-            </a:extLst>
-          </p:cNvPr>
-          <p:cNvSpPr>
-            <a:spLocks noGrp="1"/>
-          </p:cNvSpPr>
-          <p:nvPr>
-            <p:ph type="dt" sz="half" idx="10"/>
-          </p:nvPr>
-        </p:nvSpPr>
-        <p:spPr/>
-        <p:txBody>
-          <a:bodyPr/>
-          <a:lstStyle/>
-          <a:p>
-            <a:pPr rtl="0"/>
-            <a:fld id="{6D0A085D-0221-4FE5-BD83-4A6338CA0455}" type="datetime4">
-              <a:rPr lang="ja-JP" altLang="en-US" smtClean="0"/>
-              <a:t>2017年11月9日</a:t>
-            </a:fld>
-            <a:endParaRPr lang="en-US" dirty="0"/>
-          </a:p>
-        </p:txBody>
-      </p:sp>
-      <p:sp>
-        <p:nvSpPr>
-          <p:cNvPr id="5" name="スライド番号プレースホルダー 4">
-            <a:extLst>
-              <a:ext uri="{FF2B5EF4-FFF2-40B4-BE49-F238E27FC236}">
-                <a16:creationId xmlns:a16="http://schemas.microsoft.com/office/drawing/2014/main" xmlns="" id="{6A639EF7-7272-46D1-BBF0-E0C878B5782A}"/>
-              </a:ext>
-            </a:extLst>
-          </p:cNvPr>
-          <p:cNvSpPr>
-            <a:spLocks noGrp="1"/>
-          </p:cNvSpPr>
-          <p:nvPr>
-            <p:ph type="sldNum" sz="quarter" idx="12"/>
-          </p:nvPr>
-        </p:nvSpPr>
-        <p:spPr/>
-        <p:txBody>
-          <a:bodyPr/>
-          <a:lstStyle/>
-          <a:p>
-            <a:pPr rtl="0"/>
-            <a:fld id="{401CF334-2D5C-4859-84A6-CA7E6E43FAEB}" type="slidenum">
-              <a:rPr lang="en-US" altLang="ja-JP" noProof="0" smtClean="0"/>
-              <a:t>13</a:t>
-            </a:fld>
-            <a:endParaRPr lang="ja-JP" altLang="en-US" noProof="0" dirty="0"/>
-          </a:p>
-        </p:txBody>
-      </p:sp>
-      <p:sp>
-        <p:nvSpPr>
-          <p:cNvPr id="9" name="タイトル 8"/>
-          <p:cNvSpPr>
-            <a:spLocks noGrp="1"/>
-          </p:cNvSpPr>
-          <p:nvPr>
-            <p:ph type="title"/>
-          </p:nvPr>
-        </p:nvSpPr>
-        <p:spPr/>
-        <p:txBody>
-          <a:bodyPr>
-            <a:normAutofit fontScale="90000"/>
-          </a:bodyPr>
-          <a:lstStyle/>
-          <a:p>
-            <a:r>
-              <a:rPr lang="ja-JP" altLang="en-US" dirty="0"/>
-              <a:t>店舗ごとの曜日</a:t>
-            </a:r>
-            <a:r>
-              <a:rPr lang="ja-JP" altLang="en-US" dirty="0" smtClean="0"/>
-              <a:t>別売上額</a:t>
-            </a:r>
-            <a:r>
-              <a:rPr lang="en-US" altLang="ja-JP" dirty="0"/>
-              <a:t/>
-            </a:r>
-            <a:br>
-              <a:rPr lang="en-US" altLang="ja-JP" dirty="0"/>
-            </a:br>
-            <a:endParaRPr kumimoji="1" lang="ja-JP" altLang="en-US" dirty="0"/>
-          </a:p>
-        </p:txBody>
-      </p:sp>
-      <p:pic>
-        <p:nvPicPr>
-          <p:cNvPr id="3" name="コンテンツ プレースホルダー 2"/>
-          <p:cNvPicPr>
-            <a:picLocks noGrp="1" noChangeAspect="1"/>
-          </p:cNvPicPr>
-          <p:nvPr>
-            <p:ph idx="1"/>
-          </p:nvPr>
-        </p:nvPicPr>
-        <p:blipFill>
-          <a:blip r:embed="rId3" cstate="print">
-            <a:extLst>
-              <a:ext uri="{28A0092B-C50C-407E-A947-70E740481C1C}">
-                <a14:useLocalDpi xmlns:a14="http://schemas.microsoft.com/office/drawing/2010/main" val="0"/>
-              </a:ext>
-            </a:extLst>
-          </a:blip>
-          <a:stretch>
-            <a:fillRect/>
-          </a:stretch>
-        </p:blipFill>
-        <p:spPr>
-          <a:xfrm>
-            <a:off x="2470484" y="1483895"/>
-            <a:ext cx="6845349" cy="4886276"/>
-          </a:xfrm>
-        </p:spPr>
-      </p:pic>
-    </p:spTree>
-    <p:extLst>
-      <p:ext uri="{BB962C8B-B14F-4D97-AF65-F5344CB8AC3E}">
-        <p14:creationId xmlns:p14="http://schemas.microsoft.com/office/powerpoint/2010/main" val="1379259570"/>
-      </p:ext>
-    </p:extLst>
-  </p:cSld>
-  <p:clrMapOvr>
-    <a:masterClrMapping/>
-  </p:clrMapOvr>
-  <mc:AlternateContent xmlns:mc="http://schemas.openxmlformats.org/markup-compatibility/2006" xmlns:p14="http://schemas.microsoft.com/office/powerpoint/2010/main">
-    <mc:Choice Requires="p14">
-      <p:transition spd="med" p14:dur="700">
-        <p:fade/>
-      </p:transition>
-    </mc:Choice>
-    <mc:Fallback xmlns="">
-      <p:transition spd="med">
-        <p:fade/>
-      </p:transition>
-    </mc:Fallback>
-  </mc:AlternateContent>
-  <p:timing>
-    <p:tnLst>
-      <p:par>
-        <p:cTn id="1" dur="indefinite" restart="never" nodeType="tmRoot"/>
-      </p:par>
-    </p:tnLst>
-  </p:timing>
-</p:sld>
-</file>
-
-<file path=ppt/slides/slide14.xml><?xml version="1.0" encoding="utf-8"?>
-<p:sld xmlns:a="http://schemas.openxmlformats.org/drawingml/2006/main" xmlns:r="http://schemas.openxmlformats.org/officeDocument/2006/relationships" xmlns:p="http://schemas.openxmlformats.org/presentationml/2006/main">
-  <p:cSld>
-    <p:spTree>
-      <p:nvGrpSpPr>
-        <p:cNvPr id="1" name=""/>
-        <p:cNvGrpSpPr/>
-        <p:nvPr/>
-      </p:nvGrpSpPr>
-      <p:grpSpPr>
-        <a:xfrm>
-          <a:off x="0" y="0"/>
-          <a:ext cx="0" cy="0"/>
-          <a:chOff x="0" y="0"/>
-          <a:chExt cx="0" cy="0"/>
-        </a:xfrm>
-      </p:grpSpPr>
-      <p:sp>
-        <p:nvSpPr>
-          <p:cNvPr id="3" name="タイトル 2"/>
-          <p:cNvSpPr>
-            <a:spLocks noGrp="1"/>
-          </p:cNvSpPr>
-          <p:nvPr>
-            <p:ph type="title"/>
-          </p:nvPr>
-        </p:nvSpPr>
-        <p:spPr/>
-        <p:txBody>
-          <a:bodyPr rtlCol="0"/>
-          <a:lstStyle/>
-          <a:p>
-            <a:pPr rtl="0"/>
-            <a:r>
-              <a:rPr lang="ja" dirty="0">
-                <a:latin typeface="Meiryo UI" panose="020B0604030504040204" pitchFamily="50" charset="-128"/>
-                <a:ea typeface="Meiryo UI" panose="020B0604030504040204" pitchFamily="50" charset="-128"/>
-              </a:rPr>
-              <a:t>まとめ</a:t>
-            </a:r>
-          </a:p>
-        </p:txBody>
-      </p:sp>
-      <p:sp>
-        <p:nvSpPr>
-          <p:cNvPr id="4" name="日付プレースホルダー 3">
-            <a:extLst>
-              <a:ext uri="{FF2B5EF4-FFF2-40B4-BE49-F238E27FC236}">
-                <a16:creationId xmlns:a16="http://schemas.microsoft.com/office/drawing/2014/main" xmlns="" id="{6CB8136F-3B1A-4F57-A9B1-1C9EFDB64384}"/>
-              </a:ext>
-            </a:extLst>
-          </p:cNvPr>
-          <p:cNvSpPr>
-            <a:spLocks noGrp="1"/>
-          </p:cNvSpPr>
-          <p:nvPr>
-            <p:ph type="dt" sz="half" idx="10"/>
-          </p:nvPr>
-        </p:nvSpPr>
-        <p:spPr/>
-        <p:txBody>
-          <a:bodyPr/>
-          <a:lstStyle/>
-          <a:p>
-            <a:pPr rtl="0"/>
-            <a:fld id="{BC28DBE5-3AC0-4BDB-9723-66725C58468D}" type="datetime4">
-              <a:rPr lang="ja-JP" altLang="en-US" smtClean="0"/>
-              <a:t>2017年11月9日</a:t>
-            </a:fld>
-            <a:endParaRPr lang="en-US" dirty="0"/>
-          </a:p>
-        </p:txBody>
-      </p:sp>
-      <p:sp>
-        <p:nvSpPr>
-          <p:cNvPr id="5" name="スライド番号プレースホルダー 4">
-            <a:extLst>
-              <a:ext uri="{FF2B5EF4-FFF2-40B4-BE49-F238E27FC236}">
-                <a16:creationId xmlns:a16="http://schemas.microsoft.com/office/drawing/2014/main" xmlns="" id="{0923BB01-6B06-41F2-B73E-7FF366EDDB19}"/>
-              </a:ext>
-            </a:extLst>
-          </p:cNvPr>
-          <p:cNvSpPr>
-            <a:spLocks noGrp="1"/>
-          </p:cNvSpPr>
-          <p:nvPr>
-            <p:ph type="sldNum" sz="quarter" idx="12"/>
-          </p:nvPr>
-        </p:nvSpPr>
-        <p:spPr/>
-        <p:txBody>
-          <a:bodyPr/>
-          <a:lstStyle/>
-          <a:p>
-            <a:pPr rtl="0"/>
-            <a:fld id="{401CF334-2D5C-4859-84A6-CA7E6E43FAEB}" type="slidenum">
-              <a:rPr lang="en-US" altLang="ja-JP" noProof="0" smtClean="0"/>
-              <a:t>14</a:t>
-            </a:fld>
-            <a:endParaRPr lang="ja-JP" altLang="en-US" noProof="0" dirty="0"/>
-          </a:p>
-        </p:txBody>
-      </p:sp>
-      <p:sp>
-        <p:nvSpPr>
-          <p:cNvPr id="7" name="コンテンツ プレースホルダー 6"/>
-          <p:cNvSpPr>
-            <a:spLocks noGrp="1"/>
-          </p:cNvSpPr>
-          <p:nvPr>
-            <p:ph idx="1"/>
-          </p:nvPr>
-        </p:nvSpPr>
-        <p:spPr/>
-        <p:txBody>
-          <a:bodyPr/>
-          <a:lstStyle/>
-          <a:p>
-            <a:endParaRPr kumimoji="1" lang="ja-JP" altLang="en-US"/>
-          </a:p>
-        </p:txBody>
-      </p:sp>
-    </p:spTree>
-    <p:extLst>
-      <p:ext uri="{BB962C8B-B14F-4D97-AF65-F5344CB8AC3E}">
-        <p14:creationId xmlns:p14="http://schemas.microsoft.com/office/powerpoint/2010/main" val="2054880847"/>
-      </p:ext>
-    </p:extLst>
-  </p:cSld>
-  <p:clrMapOvr>
-    <a:masterClrMapping/>
-  </p:clrMapOvr>
-  <mc:AlternateContent xmlns:mc="http://schemas.openxmlformats.org/markup-compatibility/2006" xmlns:p14="http://schemas.microsoft.com/office/powerpoint/2010/main">
-    <mc:Choice Requires="p14">
-      <p:transition spd="med" p14:dur="700">
-        <p:fade/>
-      </p:transition>
-    </mc:Choice>
-    <mc:Fallback xmlns="">
-      <p:transition spd="med">
-        <p:fade/>
-      </p:transition>
-    </mc:Fallback>
-  </mc:AlternateContent>
-  <p:timing>
-    <p:tnLst>
-      <p:par>
-        <p:cTn id="1" dur="indefinite" restart="never" nodeType="tmRoot"/>
-      </p:par>
-    </p:tnLst>
-  </p:timing>
-</p:sld>
-</file>
-
-<file path=ppt/slides/slide15.xml><?xml version="1.0" encoding="utf-8"?>
-<p:sld xmlns:a="http://schemas.openxmlformats.org/drawingml/2006/main" xmlns:r="http://schemas.openxmlformats.org/officeDocument/2006/relationships" xmlns:p="http://schemas.openxmlformats.org/presentationml/2006/main">
-  <p:cSld>
-    <p:spTree>
-      <p:nvGrpSpPr>
-        <p:cNvPr id="1" name=""/>
-        <p:cNvGrpSpPr/>
-        <p:nvPr/>
-      </p:nvGrpSpPr>
-      <p:grpSpPr>
-        <a:xfrm>
-          <a:off x="0" y="0"/>
-          <a:ext cx="0" cy="0"/>
-          <a:chOff x="0" y="0"/>
-          <a:chExt cx="0" cy="0"/>
-        </a:xfrm>
-      </p:grpSpPr>
-      <p:sp>
-        <p:nvSpPr>
-          <p:cNvPr id="3" name="タイトル 2"/>
-          <p:cNvSpPr>
-            <a:spLocks noGrp="1"/>
-          </p:cNvSpPr>
-          <p:nvPr>
-            <p:ph type="title"/>
-          </p:nvPr>
-        </p:nvSpPr>
-        <p:spPr/>
-        <p:txBody>
-          <a:bodyPr rtlCol="0"/>
-          <a:lstStyle/>
-          <a:p>
-            <a:pPr rtl="0"/>
-            <a:r>
-              <a:rPr lang="ja-JP" altLang="en-US" dirty="0">
-                <a:latin typeface="Meiryo UI" panose="020B0604030504040204" pitchFamily="50" charset="-128"/>
-                <a:ea typeface="Meiryo UI" panose="020B0604030504040204" pitchFamily="50" charset="-128"/>
-              </a:rPr>
-              <a:t>今後の方針</a:t>
-            </a:r>
-            <a:endParaRPr lang="ja" dirty="0">
-              <a:latin typeface="Meiryo UI" panose="020B0604030504040204" pitchFamily="50" charset="-128"/>
-              <a:ea typeface="Meiryo UI" panose="020B0604030504040204" pitchFamily="50" charset="-128"/>
-            </a:endParaRPr>
-          </a:p>
-        </p:txBody>
-      </p:sp>
-      <p:sp>
-        <p:nvSpPr>
-          <p:cNvPr id="2" name="コンテンツ プレースホルダー 1"/>
-          <p:cNvSpPr>
-            <a:spLocks noGrp="1"/>
-          </p:cNvSpPr>
-          <p:nvPr>
-            <p:ph idx="1"/>
-          </p:nvPr>
-        </p:nvSpPr>
-        <p:spPr/>
-        <p:txBody>
-          <a:bodyPr rtlCol="0"/>
-          <a:lstStyle/>
-          <a:p>
-            <a:pPr rtl="0"/>
-            <a:endParaRPr lang="en-US" dirty="0">
-              <a:latin typeface="ＭＳ 明朝" panose="02020609040205080304" pitchFamily="17" charset="-128"/>
-              <a:ea typeface="ＭＳ 明朝" panose="02020609040205080304" pitchFamily="17" charset="-128"/>
-            </a:endParaRPr>
-          </a:p>
-        </p:txBody>
-      </p:sp>
-      <p:sp>
-        <p:nvSpPr>
-          <p:cNvPr id="4" name="日付プレースホルダー 3">
-            <a:extLst>
-              <a:ext uri="{FF2B5EF4-FFF2-40B4-BE49-F238E27FC236}">
-                <a16:creationId xmlns:a16="http://schemas.microsoft.com/office/drawing/2014/main" xmlns="" id="{D0905ABD-AA66-49E9-98EB-C61A053BD754}"/>
-              </a:ext>
-            </a:extLst>
-          </p:cNvPr>
-          <p:cNvSpPr>
-            <a:spLocks noGrp="1"/>
-          </p:cNvSpPr>
-          <p:nvPr>
-            <p:ph type="dt" sz="half" idx="10"/>
-          </p:nvPr>
-        </p:nvSpPr>
-        <p:spPr/>
-        <p:txBody>
-          <a:bodyPr/>
-          <a:lstStyle/>
-          <a:p>
-            <a:pPr rtl="0"/>
-            <a:fld id="{C83BD9FF-CF36-42FD-8515-2CDBFFAA002B}" type="datetime4">
-              <a:rPr lang="ja-JP" altLang="en-US" smtClean="0"/>
-              <a:t>2017年11月9日</a:t>
-            </a:fld>
-            <a:endParaRPr lang="en-US" dirty="0"/>
-          </a:p>
-        </p:txBody>
-      </p:sp>
-      <p:sp>
-        <p:nvSpPr>
-          <p:cNvPr id="5" name="スライド番号プレースホルダー 4">
-            <a:extLst>
-              <a:ext uri="{FF2B5EF4-FFF2-40B4-BE49-F238E27FC236}">
-                <a16:creationId xmlns:a16="http://schemas.microsoft.com/office/drawing/2014/main" xmlns="" id="{59AE5A3B-333D-408C-8A46-FD98F75C40A4}"/>
-              </a:ext>
-            </a:extLst>
-          </p:cNvPr>
-          <p:cNvSpPr>
-            <a:spLocks noGrp="1"/>
-          </p:cNvSpPr>
-          <p:nvPr>
-            <p:ph type="sldNum" sz="quarter" idx="12"/>
-          </p:nvPr>
-        </p:nvSpPr>
-        <p:spPr/>
-        <p:txBody>
-          <a:bodyPr/>
-          <a:lstStyle/>
-          <a:p>
-            <a:pPr rtl="0"/>
-            <a:fld id="{401CF334-2D5C-4859-84A6-CA7E6E43FAEB}" type="slidenum">
-              <a:rPr lang="en-US" altLang="ja-JP" noProof="0" smtClean="0"/>
-              <a:t>15</a:t>
-            </a:fld>
-            <a:endParaRPr lang="ja-JP" altLang="en-US" noProof="0" dirty="0"/>
-          </a:p>
-        </p:txBody>
-      </p:sp>
-    </p:spTree>
-    <p:extLst>
-      <p:ext uri="{BB962C8B-B14F-4D97-AF65-F5344CB8AC3E}">
-        <p14:creationId xmlns:p14="http://schemas.microsoft.com/office/powerpoint/2010/main" val="112606551"/>
-      </p:ext>
-    </p:extLst>
-  </p:cSld>
-  <p:clrMapOvr>
-    <a:masterClrMapping/>
-  </p:clrMapOvr>
-  <mc:AlternateContent xmlns:mc="http://schemas.openxmlformats.org/markup-compatibility/2006" xmlns:p14="http://schemas.microsoft.com/office/powerpoint/2010/main">
-    <mc:Choice Requires="p14">
-      <p:transition spd="med" p14:dur="700">
-        <p:fade/>
-      </p:transition>
-    </mc:Choice>
-    <mc:Fallback xmlns="">
-      <p:transition spd="med">
-        <p:fade/>
-      </p:transition>
-    </mc:Fallback>
-  </mc:AlternateContent>
-</p:sld>
-</file>
-
-<file path=ppt/slides/slide2.xml><?xml version="1.0" encoding="utf-8"?>
-<p:sld xmlns:a="http://schemas.openxmlformats.org/drawingml/2006/main" xmlns:r="http://schemas.openxmlformats.org/officeDocument/2006/relationships" xmlns:p="http://schemas.openxmlformats.org/presentationml/2006/main">
-  <p:cSld>
-    <p:spTree>
-      <p:nvGrpSpPr>
-        <p:cNvPr id="1" name=""/>
-        <p:cNvGrpSpPr/>
-        <p:nvPr/>
-      </p:nvGrpSpPr>
-      <p:grpSpPr>
-        <a:xfrm>
-          <a:off x="0" y="0"/>
-          <a:ext cx="0" cy="0"/>
-          <a:chOff x="0" y="0"/>
-          <a:chExt cx="0" cy="0"/>
-        </a:xfrm>
-      </p:grpSpPr>
-      <p:sp>
-        <p:nvSpPr>
-          <p:cNvPr id="3" name="タイトル 2"/>
-          <p:cNvSpPr>
-            <a:spLocks noGrp="1"/>
-          </p:cNvSpPr>
-          <p:nvPr>
-            <p:ph type="title"/>
-          </p:nvPr>
-        </p:nvSpPr>
-        <p:spPr/>
-        <p:txBody>
-          <a:bodyPr rtlCol="0"/>
-          <a:lstStyle/>
-          <a:p>
-            <a:pPr rtl="0"/>
-            <a:r>
-              <a:rPr lang="ja-JP" altLang="en-US" dirty="0"/>
-              <a:t>目次</a:t>
-            </a:r>
-            <a:endParaRPr lang="ja-JP" altLang="en-US" dirty="0">
-              <a:latin typeface="Meiryo UI" panose="020B0604030504040204" pitchFamily="50" charset="-128"/>
-              <a:ea typeface="Meiryo UI" panose="020B0604030504040204" pitchFamily="50" charset="-128"/>
-            </a:endParaRPr>
-          </a:p>
-        </p:txBody>
-      </p:sp>
-      <p:sp>
-        <p:nvSpPr>
-          <p:cNvPr id="2" name="コンテンツ プレースホルダー 1"/>
-          <p:cNvSpPr>
-            <a:spLocks noGrp="1"/>
-          </p:cNvSpPr>
-          <p:nvPr>
-            <p:ph idx="1"/>
-          </p:nvPr>
-        </p:nvSpPr>
-        <p:spPr/>
-        <p:txBody>
-          <a:bodyPr rtlCol="0"/>
-          <a:lstStyle/>
-          <a:p>
-            <a:pPr rtl="0"/>
-            <a:r>
-              <a:rPr lang="ja-JP" altLang="en-US" dirty="0"/>
-              <a:t>目的</a:t>
-            </a:r>
-            <a:endParaRPr lang="ja-JP" altLang="en-US" dirty="0">
-              <a:latin typeface="ＭＳ 明朝" panose="02020609040205080304" pitchFamily="17" charset="-128"/>
-              <a:ea typeface="ＭＳ 明朝" panose="02020609040205080304" pitchFamily="17" charset="-128"/>
-            </a:endParaRPr>
-          </a:p>
-          <a:p>
-            <a:pPr rtl="0"/>
-            <a:r>
-              <a:rPr lang="ja-JP" altLang="en-US" dirty="0"/>
-              <a:t>データ処理</a:t>
-            </a:r>
-            <a:endParaRPr lang="ja-JP" altLang="en-US" dirty="0">
-              <a:latin typeface="ＭＳ 明朝" panose="02020609040205080304" pitchFamily="17" charset="-128"/>
-              <a:ea typeface="ＭＳ 明朝" panose="02020609040205080304" pitchFamily="17" charset="-128"/>
-            </a:endParaRPr>
-          </a:p>
-          <a:p>
-            <a:pPr rtl="0"/>
-            <a:r>
-              <a:rPr lang="ja-JP" altLang="en-US" dirty="0"/>
-              <a:t>データセット</a:t>
-            </a:r>
-            <a:endParaRPr lang="ja-JP" altLang="en-US" dirty="0">
-              <a:latin typeface="ＭＳ 明朝" panose="02020609040205080304" pitchFamily="17" charset="-128"/>
-              <a:ea typeface="ＭＳ 明朝" panose="02020609040205080304" pitchFamily="17" charset="-128"/>
-            </a:endParaRPr>
-          </a:p>
-          <a:p>
-            <a:pPr rtl="0"/>
-            <a:r>
-              <a:rPr lang="ja-JP" altLang="en-US" dirty="0">
-                <a:latin typeface="ＭＳ 明朝" panose="02020609040205080304" pitchFamily="17" charset="-128"/>
-                <a:ea typeface="ＭＳ 明朝" panose="02020609040205080304" pitchFamily="17" charset="-128"/>
-              </a:rPr>
-              <a:t>簡単な分析</a:t>
-            </a:r>
-          </a:p>
-          <a:p>
-            <a:pPr rtl="0"/>
-            <a:r>
-              <a:rPr lang="ja-JP" altLang="en-US" dirty="0"/>
-              <a:t>まとめ</a:t>
-            </a:r>
-            <a:endParaRPr lang="en-US" altLang="ja-JP" dirty="0"/>
-          </a:p>
-          <a:p>
-            <a:pPr rtl="0"/>
-            <a:r>
-              <a:rPr lang="ja-JP" altLang="en-US" dirty="0">
-                <a:latin typeface="ＭＳ 明朝" panose="02020609040205080304" pitchFamily="17" charset="-128"/>
-                <a:ea typeface="ＭＳ 明朝" panose="02020609040205080304" pitchFamily="17" charset="-128"/>
-              </a:rPr>
-              <a:t>今後の方針</a:t>
-            </a:r>
-          </a:p>
-          <a:p>
-            <a:pPr rtl="0"/>
-            <a:endParaRPr lang="ja-JP" altLang="en-US" dirty="0"/>
-          </a:p>
-        </p:txBody>
-      </p:sp>
-      <p:sp>
-        <p:nvSpPr>
-          <p:cNvPr id="4" name="日付プレースホルダー 3">
-            <a:extLst>
-              <a:ext uri="{FF2B5EF4-FFF2-40B4-BE49-F238E27FC236}">
-                <a16:creationId xmlns:a16="http://schemas.microsoft.com/office/drawing/2014/main" xmlns="" id="{65580798-4494-48DB-9432-961CE1B1B97C}"/>
-              </a:ext>
-            </a:extLst>
-          </p:cNvPr>
-          <p:cNvSpPr>
-            <a:spLocks noGrp="1"/>
-          </p:cNvSpPr>
-          <p:nvPr>
-            <p:ph type="dt" sz="half" idx="10"/>
-          </p:nvPr>
-        </p:nvSpPr>
-        <p:spPr/>
-        <p:txBody>
-          <a:bodyPr/>
-          <a:lstStyle/>
-          <a:p>
-            <a:pPr rtl="0"/>
-            <a:fld id="{31D57F05-861D-4E37-A2C5-B06B3CD0725A}" type="datetime4">
-              <a:rPr lang="ja-JP" altLang="en-US" smtClean="0"/>
-              <a:t>2017年11月9日</a:t>
-            </a:fld>
-            <a:endParaRPr lang="en-US" dirty="0"/>
-          </a:p>
-        </p:txBody>
-      </p:sp>
-      <p:sp>
-        <p:nvSpPr>
-          <p:cNvPr id="5" name="スライド番号プレースホルダー 4">
-            <a:extLst>
-              <a:ext uri="{FF2B5EF4-FFF2-40B4-BE49-F238E27FC236}">
-                <a16:creationId xmlns:a16="http://schemas.microsoft.com/office/drawing/2014/main" xmlns="" id="{66081F81-C165-4D92-B3E1-4181B21520E3}"/>
-              </a:ext>
-            </a:extLst>
-          </p:cNvPr>
-          <p:cNvSpPr>
-            <a:spLocks noGrp="1"/>
-          </p:cNvSpPr>
-          <p:nvPr>
-            <p:ph type="sldNum" sz="quarter" idx="12"/>
-          </p:nvPr>
-        </p:nvSpPr>
-        <p:spPr/>
-        <p:txBody>
-          <a:bodyPr/>
-          <a:lstStyle/>
-          <a:p>
-            <a:pPr rtl="0"/>
-            <a:fld id="{401CF334-2D5C-4859-84A6-CA7E6E43FAEB}" type="slidenum">
-              <a:rPr lang="en-US" altLang="ja-JP" noProof="0" smtClean="0"/>
-              <a:t>2</a:t>
-            </a:fld>
-            <a:endParaRPr lang="ja-JP" altLang="en-US" noProof="0" dirty="0"/>
-          </a:p>
-        </p:txBody>
-      </p:sp>
-    </p:spTree>
-    <p:extLst>
-      <p:ext uri="{BB962C8B-B14F-4D97-AF65-F5344CB8AC3E}">
-        <p14:creationId xmlns:p14="http://schemas.microsoft.com/office/powerpoint/2010/main" val="1508910272"/>
-      </p:ext>
-    </p:extLst>
-  </p:cSld>
-  <p:clrMapOvr>
-    <a:masterClrMapping/>
-  </p:clrMapOvr>
-  <mc:AlternateContent xmlns:mc="http://schemas.openxmlformats.org/markup-compatibility/2006" xmlns:p14="http://schemas.microsoft.com/office/powerpoint/2010/main">
-    <mc:Choice Requires="p14">
-      <p:transition spd="med" p14:dur="700">
-        <p:fade/>
-      </p:transition>
-    </mc:Choice>
-    <mc:Fallback xmlns="">
-      <p:transition spd="med">
-        <p:fade/>
-      </p:transition>
-    </mc:Fallback>
-  </mc:AlternateContent>
-</p:sld>
-</file>
-
-<file path=ppt/slides/slide3.xml><?xml version="1.0" encoding="utf-8"?>
-<p:sld xmlns:a="http://schemas.openxmlformats.org/drawingml/2006/main" xmlns:r="http://schemas.openxmlformats.org/officeDocument/2006/relationships" xmlns:p="http://schemas.openxmlformats.org/presentationml/2006/main">
-  <p:cSld>
-    <p:spTree>
-      <p:nvGrpSpPr>
-        <p:cNvPr id="1" name=""/>
-        <p:cNvGrpSpPr/>
-        <p:nvPr/>
-      </p:nvGrpSpPr>
-      <p:grpSpPr>
-        <a:xfrm>
-          <a:off x="0" y="0"/>
-          <a:ext cx="0" cy="0"/>
-          <a:chOff x="0" y="0"/>
-          <a:chExt cx="0" cy="0"/>
-        </a:xfrm>
-      </p:grpSpPr>
-      <p:sp>
-        <p:nvSpPr>
-          <p:cNvPr id="3" name="タイトル 2"/>
-          <p:cNvSpPr>
-            <a:spLocks noGrp="1"/>
-          </p:cNvSpPr>
-          <p:nvPr>
-            <p:ph type="title"/>
-          </p:nvPr>
-        </p:nvSpPr>
-        <p:spPr/>
-        <p:txBody>
-          <a:bodyPr rtlCol="0"/>
-          <a:lstStyle/>
-          <a:p>
-            <a:pPr rtl="0"/>
-            <a:r>
-              <a:rPr lang="ja-JP" altLang="en-US" dirty="0">
-                <a:latin typeface="Meiryo UI" panose="020B0604030504040204" pitchFamily="50" charset="-128"/>
-                <a:ea typeface="Meiryo UI" panose="020B0604030504040204" pitchFamily="50" charset="-128"/>
-              </a:rPr>
-              <a:t>目的</a:t>
-            </a:r>
-          </a:p>
-        </p:txBody>
-      </p:sp>
-      <p:sp>
-        <p:nvSpPr>
-          <p:cNvPr id="4" name="日付プレースホルダー 3">
-            <a:extLst>
-              <a:ext uri="{FF2B5EF4-FFF2-40B4-BE49-F238E27FC236}">
-                <a16:creationId xmlns:a16="http://schemas.microsoft.com/office/drawing/2014/main" xmlns="" id="{2A955DE1-3AEF-4E45-97D7-28E745902D52}"/>
-              </a:ext>
-            </a:extLst>
-          </p:cNvPr>
-          <p:cNvSpPr>
-            <a:spLocks noGrp="1"/>
-          </p:cNvSpPr>
-          <p:nvPr>
-            <p:ph type="dt" sz="half" idx="10"/>
-          </p:nvPr>
-        </p:nvSpPr>
-        <p:spPr/>
-        <p:txBody>
-          <a:bodyPr/>
-          <a:lstStyle/>
-          <a:p>
-            <a:pPr rtl="0"/>
-            <a:fld id="{AB134B0F-F045-4F0B-8B34-CC17FB31FEC8}" type="datetime4">
-              <a:rPr lang="ja-JP" altLang="en-US" smtClean="0"/>
-              <a:t>2017年11月9日</a:t>
-            </a:fld>
-            <a:endParaRPr lang="en-US" dirty="0"/>
-          </a:p>
-        </p:txBody>
-      </p:sp>
-      <p:sp>
-        <p:nvSpPr>
-          <p:cNvPr id="5" name="スライド番号プレースホルダー 4">
-            <a:extLst>
-              <a:ext uri="{FF2B5EF4-FFF2-40B4-BE49-F238E27FC236}">
-                <a16:creationId xmlns:a16="http://schemas.microsoft.com/office/drawing/2014/main" xmlns="" id="{08144B19-6FE0-4B2E-A173-1035A8BB2783}"/>
-              </a:ext>
-            </a:extLst>
-          </p:cNvPr>
-          <p:cNvSpPr>
-            <a:spLocks noGrp="1"/>
-          </p:cNvSpPr>
-          <p:nvPr>
-            <p:ph type="sldNum" sz="quarter" idx="12"/>
-          </p:nvPr>
-        </p:nvSpPr>
-        <p:spPr/>
-        <p:txBody>
-          <a:bodyPr/>
-          <a:lstStyle/>
-          <a:p>
-            <a:pPr rtl="0"/>
-            <a:fld id="{401CF334-2D5C-4859-84A6-CA7E6E43FAEB}" type="slidenum">
-              <a:rPr lang="en-US" altLang="ja-JP" noProof="0" smtClean="0"/>
-              <a:t>3</a:t>
-            </a:fld>
-            <a:endParaRPr lang="ja-JP" altLang="en-US" noProof="0" dirty="0"/>
-          </a:p>
-        </p:txBody>
-      </p:sp>
-      <p:sp>
-        <p:nvSpPr>
-          <p:cNvPr id="6" name="コンテンツ プレースホルダー 1"/>
-          <p:cNvSpPr>
-            <a:spLocks noGrp="1"/>
-          </p:cNvSpPr>
-          <p:nvPr>
-            <p:ph idx="1"/>
-          </p:nvPr>
-        </p:nvSpPr>
-        <p:spPr>
-          <a:xfrm>
-            <a:off x="609600" y="1935480"/>
-            <a:ext cx="10972800" cy="4343400"/>
-          </a:xfrm>
-        </p:spPr>
-        <p:txBody>
-          <a:bodyPr rtlCol="0"/>
-          <a:lstStyle/>
-          <a:p>
-            <a:pPr rtl="0"/>
-            <a:r>
-              <a:rPr lang="ja-JP" altLang="en-US" dirty="0" smtClean="0"/>
-              <a:t>データ</a:t>
-            </a:r>
-            <a:r>
-              <a:rPr lang="ja-JP" altLang="en-US" dirty="0"/>
-              <a:t>分析</a:t>
-            </a:r>
-            <a:r>
-              <a:rPr lang="ja-JP" altLang="en-US" dirty="0" smtClean="0"/>
-              <a:t>を通じて</a:t>
-            </a:r>
-            <a:r>
-              <a:rPr lang="en-US" altLang="ja-JP" dirty="0" smtClean="0"/>
-              <a:t>, </a:t>
-            </a:r>
-            <a:r>
-              <a:rPr lang="ja-JP" altLang="en-US" dirty="0" smtClean="0"/>
-              <a:t>各店舗の特徴を見つける</a:t>
-            </a:r>
-            <a:r>
-              <a:rPr lang="en-US" altLang="ja-JP" dirty="0" smtClean="0"/>
-              <a:t>.</a:t>
-            </a:r>
-          </a:p>
-          <a:p>
-            <a:pPr rtl="0"/>
-            <a:r>
-              <a:rPr lang="ja-JP" altLang="en-US" dirty="0"/>
-              <a:t>店舗</a:t>
-            </a:r>
-            <a:r>
-              <a:rPr lang="ja-JP" altLang="en-US" dirty="0" smtClean="0"/>
-              <a:t>ごとの特徴から</a:t>
-            </a:r>
-            <a:r>
-              <a:rPr lang="en-US" altLang="ja-JP" dirty="0" smtClean="0"/>
-              <a:t>, </a:t>
-            </a:r>
-            <a:r>
-              <a:rPr lang="ja-JP" altLang="en-US" dirty="0" smtClean="0"/>
-              <a:t>最も大きい潜在能力を探す</a:t>
-            </a:r>
-            <a:r>
-              <a:rPr lang="en-US" altLang="ja-JP" dirty="0" smtClean="0"/>
-              <a:t>.</a:t>
-            </a:r>
-            <a:endParaRPr lang="ja-JP" altLang="en-US" dirty="0">
-              <a:latin typeface="ＭＳ 明朝" panose="02020609040205080304" pitchFamily="17" charset="-128"/>
-              <a:ea typeface="ＭＳ 明朝" panose="02020609040205080304" pitchFamily="17" charset="-128"/>
-            </a:endParaRPr>
-          </a:p>
-        </p:txBody>
-      </p:sp>
-    </p:spTree>
-    <p:extLst>
-      <p:ext uri="{BB962C8B-B14F-4D97-AF65-F5344CB8AC3E}">
-        <p14:creationId xmlns:p14="http://schemas.microsoft.com/office/powerpoint/2010/main" val="3339554045"/>
-      </p:ext>
-    </p:extLst>
-  </p:cSld>
-  <p:clrMapOvr>
-    <a:masterClrMapping/>
-  </p:clrMapOvr>
-  <mc:AlternateContent xmlns:mc="http://schemas.openxmlformats.org/markup-compatibility/2006" xmlns:p14="http://schemas.microsoft.com/office/powerpoint/2010/main">
-    <mc:Choice Requires="p14">
-      <p:transition spd="med" p14:dur="700">
-        <p:fade/>
-      </p:transition>
-    </mc:Choice>
-    <mc:Fallback xmlns="">
-      <p:transition spd="med">
-        <p:fade/>
-      </p:transition>
-    </mc:Fallback>
-  </mc:AlternateContent>
-</p:sld>
-</file>
-
-<file path=ppt/slides/slide4.xml><?xml version="1.0" encoding="utf-8"?>
-<p:sld xmlns:a="http://schemas.openxmlformats.org/drawingml/2006/main" xmlns:r="http://schemas.openxmlformats.org/officeDocument/2006/relationships" xmlns:p="http://schemas.openxmlformats.org/presentationml/2006/main">
-  <p:cSld>
-    <p:spTree>
-      <p:nvGrpSpPr>
-        <p:cNvPr id="1" name=""/>
-        <p:cNvGrpSpPr/>
-        <p:nvPr/>
-      </p:nvGrpSpPr>
-      <p:grpSpPr>
-        <a:xfrm>
-          <a:off x="0" y="0"/>
-          <a:ext cx="0" cy="0"/>
-          <a:chOff x="0" y="0"/>
-          <a:chExt cx="0" cy="0"/>
-        </a:xfrm>
-      </p:grpSpPr>
-      <p:sp>
-        <p:nvSpPr>
-          <p:cNvPr id="3" name="タイトル 2"/>
-          <p:cNvSpPr>
-            <a:spLocks noGrp="1"/>
-          </p:cNvSpPr>
-          <p:nvPr>
-            <p:ph type="title"/>
-          </p:nvPr>
-        </p:nvSpPr>
-        <p:spPr/>
-        <p:txBody>
-          <a:bodyPr rtlCol="0">
-            <a:normAutofit/>
-          </a:bodyPr>
-          <a:lstStyle/>
-          <a:p>
-            <a:pPr rtl="0"/>
-            <a:r>
-              <a:rPr lang="ja-JP" altLang="en-US" dirty="0">
-                <a:latin typeface="Meiryo UI" panose="020B0604030504040204" pitchFamily="50" charset="-128"/>
-                <a:ea typeface="Meiryo UI" panose="020B0604030504040204" pitchFamily="50" charset="-128"/>
-              </a:rPr>
-              <a:t>データ処理</a:t>
-            </a:r>
-            <a:r>
-              <a:rPr lang="en-US" altLang="ja-JP" dirty="0">
-                <a:latin typeface="Meiryo UI" panose="020B0604030504040204" pitchFamily="50" charset="-128"/>
-                <a:ea typeface="Meiryo UI" panose="020B0604030504040204" pitchFamily="50" charset="-128"/>
-              </a:rPr>
-              <a:t>(</a:t>
-            </a:r>
-            <a:r>
-              <a:rPr lang="ja-JP" altLang="en-US" dirty="0">
-                <a:latin typeface="Meiryo UI" panose="020B0604030504040204" pitchFamily="50" charset="-128"/>
-                <a:ea typeface="Meiryo UI" panose="020B0604030504040204" pitchFamily="50" charset="-128"/>
-              </a:rPr>
-              <a:t>店舗マスタ</a:t>
-            </a:r>
-            <a:r>
-              <a:rPr lang="en-US" altLang="ja-JP" dirty="0">
-                <a:latin typeface="Meiryo UI" panose="020B0604030504040204" pitchFamily="50" charset="-128"/>
-                <a:ea typeface="Meiryo UI" panose="020B0604030504040204" pitchFamily="50" charset="-128"/>
-              </a:rPr>
-              <a:t>)</a:t>
-            </a:r>
-            <a:endParaRPr lang="ja-JP" altLang="en-US" dirty="0">
-              <a:latin typeface="Meiryo UI" panose="020B0604030504040204" pitchFamily="50" charset="-128"/>
-              <a:ea typeface="Meiryo UI" panose="020B0604030504040204" pitchFamily="50" charset="-128"/>
-            </a:endParaRPr>
-          </a:p>
-        </p:txBody>
-      </p:sp>
-      <p:sp>
-        <p:nvSpPr>
-          <p:cNvPr id="2" name="コンテンツ プレースホルダー 1"/>
-          <p:cNvSpPr>
-            <a:spLocks noGrp="1"/>
-          </p:cNvSpPr>
-          <p:nvPr>
-            <p:ph idx="1"/>
-          </p:nvPr>
-        </p:nvSpPr>
-        <p:spPr/>
-        <p:txBody>
-          <a:bodyPr rtlCol="0"/>
-          <a:lstStyle/>
-          <a:p>
-            <a:pPr rtl="0"/>
-            <a:r>
-              <a:rPr lang="en-US" altLang="ja-JP" dirty="0"/>
-              <a:t>ID</a:t>
-            </a:r>
-            <a:r>
-              <a:rPr lang="ja-JP" altLang="en-US" dirty="0"/>
-              <a:t>を</a:t>
-            </a:r>
-            <a:r>
-              <a:rPr lang="en-US" altLang="ja-JP" dirty="0"/>
-              <a:t>A,B,C…</a:t>
-            </a:r>
-            <a:r>
-              <a:rPr lang="ja-JP" altLang="en-US" dirty="0"/>
-              <a:t>から</a:t>
-            </a:r>
-            <a:r>
-              <a:rPr lang="en-US" altLang="ja-JP" dirty="0" err="1"/>
-              <a:t>int</a:t>
-            </a:r>
-            <a:r>
-              <a:rPr lang="ja-JP" altLang="en-US" dirty="0"/>
-              <a:t>型</a:t>
-            </a:r>
-            <a:r>
-              <a:rPr lang="en-US" altLang="ja-JP" dirty="0"/>
-              <a:t>1,2,3…</a:t>
-            </a:r>
-            <a:r>
-              <a:rPr lang="ja-JP" altLang="en-US" dirty="0"/>
-              <a:t>に変更</a:t>
-            </a:r>
-            <a:endParaRPr lang="en-US" altLang="ja-JP" dirty="0"/>
-          </a:p>
-          <a:p>
-            <a:pPr rtl="0"/>
-            <a:r>
-              <a:rPr lang="ja-JP" altLang="en-US" dirty="0"/>
-              <a:t>その他の店舗の</a:t>
-            </a:r>
-            <a:r>
-              <a:rPr lang="en-US" altLang="ja-JP" dirty="0"/>
-              <a:t>ID</a:t>
-            </a:r>
-            <a:r>
-              <a:rPr lang="ja-JP" altLang="en-US" dirty="0"/>
-              <a:t>を</a:t>
-            </a:r>
-            <a:r>
-              <a:rPr lang="en-US" altLang="ja-JP" dirty="0"/>
-              <a:t>0</a:t>
-            </a:r>
-            <a:r>
-              <a:rPr lang="ja-JP" altLang="en-US" dirty="0"/>
-              <a:t>に指定</a:t>
-            </a:r>
-            <a:r>
-              <a:rPr lang="en-US" altLang="ja-JP" dirty="0"/>
-              <a:t> </a:t>
-            </a:r>
-            <a:endParaRPr lang="ja-JP" altLang="en-US" dirty="0">
-              <a:latin typeface="ＭＳ 明朝" panose="02020609040205080304" pitchFamily="17" charset="-128"/>
-              <a:ea typeface="ＭＳ 明朝" panose="02020609040205080304" pitchFamily="17" charset="-128"/>
-            </a:endParaRPr>
-          </a:p>
-        </p:txBody>
-      </p:sp>
-      <p:sp>
-        <p:nvSpPr>
-          <p:cNvPr id="4" name="日付プレースホルダー 3">
-            <a:extLst>
-              <a:ext uri="{FF2B5EF4-FFF2-40B4-BE49-F238E27FC236}">
-                <a16:creationId xmlns:a16="http://schemas.microsoft.com/office/drawing/2014/main" xmlns="" id="{80AB7885-0E5E-408E-9AAF-1454900A27F1}"/>
-              </a:ext>
-            </a:extLst>
-          </p:cNvPr>
-          <p:cNvSpPr>
-            <a:spLocks noGrp="1"/>
-          </p:cNvSpPr>
-          <p:nvPr>
-            <p:ph type="dt" sz="half" idx="10"/>
-          </p:nvPr>
-        </p:nvSpPr>
-        <p:spPr/>
-        <p:txBody>
-          <a:bodyPr/>
-          <a:lstStyle/>
-          <a:p>
-            <a:pPr rtl="0"/>
-            <a:fld id="{77C180FA-CFF2-4446-B401-E27F4FB9F4F7}" type="datetime4">
-              <a:rPr lang="ja-JP" altLang="en-US" smtClean="0"/>
-              <a:t>2017年11月9日</a:t>
-            </a:fld>
-            <a:endParaRPr lang="en-US" dirty="0"/>
-          </a:p>
-        </p:txBody>
-      </p:sp>
-      <p:sp>
-        <p:nvSpPr>
-          <p:cNvPr id="5" name="スライド番号プレースホルダー 4">
-            <a:extLst>
-              <a:ext uri="{FF2B5EF4-FFF2-40B4-BE49-F238E27FC236}">
-                <a16:creationId xmlns:a16="http://schemas.microsoft.com/office/drawing/2014/main" xmlns="" id="{5EA39D9F-5243-4AFC-890F-AF2AE32AE38B}"/>
-              </a:ext>
-            </a:extLst>
-          </p:cNvPr>
-          <p:cNvSpPr>
-            <a:spLocks noGrp="1"/>
-          </p:cNvSpPr>
-          <p:nvPr>
-            <p:ph type="sldNum" sz="quarter" idx="12"/>
-          </p:nvPr>
-        </p:nvSpPr>
-        <p:spPr/>
-        <p:txBody>
-          <a:bodyPr/>
-          <a:lstStyle/>
-          <a:p>
-            <a:pPr rtl="0"/>
-            <a:fld id="{401CF334-2D5C-4859-84A6-CA7E6E43FAEB}" type="slidenum">
-              <a:rPr lang="en-US" altLang="ja-JP" noProof="0" smtClean="0"/>
-              <a:t>4</a:t>
-            </a:fld>
-            <a:endParaRPr lang="ja-JP" altLang="en-US" noProof="0" dirty="0"/>
-          </a:p>
-        </p:txBody>
-      </p:sp>
-    </p:spTree>
-    <p:extLst>
-      <p:ext uri="{BB962C8B-B14F-4D97-AF65-F5344CB8AC3E}">
-        <p14:creationId xmlns:p14="http://schemas.microsoft.com/office/powerpoint/2010/main" val="115085417"/>
-      </p:ext>
-    </p:extLst>
-  </p:cSld>
-  <p:clrMapOvr>
-    <a:masterClrMapping/>
-  </p:clrMapOvr>
-  <mc:AlternateContent xmlns:mc="http://schemas.openxmlformats.org/markup-compatibility/2006" xmlns:p14="http://schemas.microsoft.com/office/powerpoint/2010/main">
-    <mc:Choice Requires="p14">
-      <p:transition spd="med" p14:dur="700">
-        <p:fade/>
-      </p:transition>
-    </mc:Choice>
-    <mc:Fallback xmlns="">
-      <p:transition spd="med">
-        <p:fade/>
-      </p:transition>
-    </mc:Fallback>
-  </mc:AlternateContent>
-  <p:timing>
-    <p:tnLst>
-      <p:par>
-        <p:cTn id="1" dur="indefinite" restart="never" nodeType="tmRoot"/>
-      </p:par>
-    </p:tnLst>
-  </p:timing>
-</p:sld>
-</file>
-
 <file path=ppt/slides/slide5.xml><?xml version="1.0" encoding="utf-8"?>
 <p:sld xmlns:a="http://schemas.openxmlformats.org/drawingml/2006/main" xmlns:r="http://schemas.openxmlformats.org/officeDocument/2006/relationships" xmlns:p="http://schemas.openxmlformats.org/presentationml/2006/main">
   <p:cSld>
@@ -9009,15 +9052,11 @@
               <a:t>(</a:t>
             </a:r>
             <a:r>
-              <a:rPr lang="ja-JP" altLang="en-US" dirty="0"/>
-              <a:t>担当者</a:t>
-            </a:r>
-            <a:r>
               <a:rPr lang="ja-JP" altLang="en-US" dirty="0">
                 <a:latin typeface="Meiryo UI" panose="020B0604030504040204" pitchFamily="50" charset="-128"/>
                 <a:ea typeface="Meiryo UI" panose="020B0604030504040204" pitchFamily="50" charset="-128"/>
               </a:rPr>
-              <a:t>マスタ</a:t>
+              <a:t>店舗マスタ</a:t>
             </a:r>
             <a:r>
               <a:rPr lang="en-US" altLang="ja-JP" dirty="0">
@@ -9051,81 +9090,43 @@
             <a:pPr rtl="0"/>
             <a:r>
               <a:rPr lang="en-US" altLang="ja-JP" dirty="0"/>
-              <a:t>ID:0</a:t>
+              <a:t>ID</a:t>
             </a:r>
             <a:r>
               <a:rPr lang="ja-JP" altLang="en-US" dirty="0"/>
-              <a:t>が</a:t>
+              <a:t>を</a:t>
             </a:r>
             <a:r>
               <a:rPr lang="en-US" altLang="ja-JP" dirty="0"/>
-              <a:t>2</a:t>
+              <a:t>A,B,C…</a:t>
             </a:r>
             <a:r>
               <a:rPr lang="ja-JP" altLang="en-US" dirty="0"/>
-              <a:t>名存在したので、一方を削除</a:t>
+              <a:t>から</a:t>
+            </a:r>
+            <a:r>
+              <a:rPr lang="en-US" altLang="ja-JP" dirty="0" err="1"/>
+              <a:t>int</a:t>
+            </a:r>
+            <a:r>
+              <a:rPr lang="ja-JP" altLang="en-US" dirty="0"/>
+              <a:t>型</a:t>
+            </a:r>
+            <a:r>
+              <a:rPr lang="en-US" altLang="ja-JP" dirty="0"/>
+              <a:t>1,2,3…</a:t>
+            </a:r>
+            <a:r>
+              <a:rPr lang="ja-JP" altLang="en-US" dirty="0"/>
+              <a:t>に変更</a:t>
             </a:r>
             <a:endParaRPr lang="en-US" altLang="ja-JP" dirty="0"/>
           </a:p>
           <a:p>
             <a:pPr rtl="0"/>
             <a:r>
-              <a:rPr lang="ja-JP" altLang="en-US" dirty="0">
-                <a:latin typeface="ＭＳ 明朝" panose="02020609040205080304" pitchFamily="17" charset="-128"/>
-                <a:ea typeface="ＭＳ 明朝" panose="02020609040205080304" pitchFamily="17" charset="-128"/>
-              </a:rPr>
-              <a:t>店舗</a:t>
-            </a:r>
-            <a:r>
-              <a:rPr lang="en-US" altLang="ja-JP" dirty="0">
-                <a:latin typeface="ＭＳ 明朝" panose="02020609040205080304" pitchFamily="17" charset="-128"/>
-                <a:ea typeface="ＭＳ 明朝" panose="02020609040205080304" pitchFamily="17" charset="-128"/>
-              </a:rPr>
-              <a:t>ID</a:t>
-            </a:r>
-            <a:r>
-              <a:rPr lang="ja-JP" altLang="en-US" dirty="0">
-                <a:latin typeface="ＭＳ 明朝" panose="02020609040205080304" pitchFamily="17" charset="-128"/>
-                <a:ea typeface="ＭＳ 明朝" panose="02020609040205080304" pitchFamily="17" charset="-128"/>
-              </a:rPr>
-              <a:t>を</a:t>
-            </a:r>
-            <a:r>
-              <a:rPr lang="en-US" altLang="ja-JP" dirty="0" err="1">
-                <a:latin typeface="ＭＳ 明朝" panose="02020609040205080304" pitchFamily="17" charset="-128"/>
-                <a:ea typeface="ＭＳ 明朝" panose="02020609040205080304" pitchFamily="17" charset="-128"/>
-              </a:rPr>
-              <a:t>int</a:t>
-            </a:r>
-            <a:r>
-              <a:rPr lang="ja-JP" altLang="en-US" dirty="0">
-                <a:latin typeface="ＭＳ 明朝" panose="02020609040205080304" pitchFamily="17" charset="-128"/>
-                <a:ea typeface="ＭＳ 明朝" panose="02020609040205080304" pitchFamily="17" charset="-128"/>
-              </a:rPr>
-              <a:t>型に更新</a:t>
-            </a:r>
-            <a:endParaRPr lang="en-US" altLang="ja-JP" dirty="0">
-              <a:latin typeface="ＭＳ 明朝" panose="02020609040205080304" pitchFamily="17" charset="-128"/>
-              <a:ea typeface="ＭＳ 明朝" panose="02020609040205080304" pitchFamily="17" charset="-128"/>
-            </a:endParaRPr>
-          </a:p>
-          <a:p>
-            <a:pPr rtl="0"/>
-            <a:r>
-              <a:rPr lang="en-US" altLang="ja-JP" dirty="0"/>
-              <a:t>“</a:t>
-            </a:r>
-            <a:r>
               <a:rPr lang="ja-JP" altLang="en-US" dirty="0"/>
-              <a:t>その他</a:t>
-            </a:r>
-            <a:r>
-              <a:rPr lang="en-US" altLang="ja-JP" dirty="0"/>
-              <a:t>”</a:t>
-            </a:r>
-            <a:r>
-              <a:rPr lang="ja-JP" altLang="en-US" dirty="0"/>
-              <a:t>の店舗</a:t>
+              <a:t>その他の店舗の</a:t>
             </a:r>
             <a:r>
               <a:rPr lang="en-US" altLang="ja-JP" dirty="0"/>
@@ -9142,6 +9143,10 @@
             <a:r>
               <a:rPr lang="ja-JP" altLang="en-US" dirty="0"/>
               <a:t>に指定</a:t>
+            </a:r>
+            <a:r>
+              <a:rPr lang="en-US" altLang="ja-JP" dirty="0"/>
+              <a:t> </a:t>
             </a:r>
             <a:endParaRPr lang="ja-JP" altLang="en-US" dirty="0">
               <a:latin typeface="ＭＳ 明朝" panose="02020609040205080304" pitchFamily="17" charset="-128"/>
@@ -9155,7 +9160,7 @@
           <p:cNvPr id="4" name="日付プレースホルダー 3">
             <a:extLst>
               <a:ext uri="{FF2B5EF4-FFF2-40B4-BE49-F238E27FC236}">
-                <a16:creationId xmlns:a16="http://schemas.microsoft.com/office/drawing/2014/main" xmlns="" id="{80AB7885-0E5E-408E-9AAF-1454900A27F1}"/>
+                <a16:creationId xmlns="" xmlns:a16="http://schemas.microsoft.com/office/drawing/2014/main" id="{80AB7885-0E5E-408E-9AAF-1454900A27F1}"/>
               </a:ext>
             </a:extLst>
           </p:cNvPr>
@@ -9174,7 +9179,7 @@
             <a:pPr rtl="0"/>
             <a:fld id="{77C180FA-CFF2-4446-B401-E27F4FB9F4F7}" type="datetime4">
               <a:rPr lang="ja-JP" altLang="en-US" smtClean="0"/>
-              <a:t>2017年11月9日</a:t>
+              <a:t>2017年11月11日</a:t>
             </a:fld>
             <a:endParaRPr lang="en-US" dirty="0"/>
           </a:p>
@@ -9185,7 +9190,7 @@
           <p:cNvPr id="5" name="スライド番号プレースホルダー 4">
             <a:extLst>
               <a:ext uri="{FF2B5EF4-FFF2-40B4-BE49-F238E27FC236}">
-                <a16:creationId xmlns:a16="http://schemas.microsoft.com/office/drawing/2014/main" xmlns="" id="{5EA39D9F-5243-4AFC-890F-AF2AE32AE38B}"/>
+                <a16:creationId xmlns="" xmlns:a16="http://schemas.microsoft.com/office/drawing/2014/main" id="{5EA39D9F-5243-4AFC-890F-AF2AE32AE38B}"/>
               </a:ext>
             </a:extLst>
           </p:cNvPr>
@@ -9213,7 +9218,7 @@
     </p:spTree>
     <p:extLst>
       <p:ext uri="{BB962C8B-B14F-4D97-AF65-F5344CB8AC3E}">
-        <p14:creationId xmlns:p14="http://schemas.microsoft.com/office/powerpoint/2010/main" val="762986421"/>
+        <p14:creationId xmlns:p14="http://schemas.microsoft.com/office/powerpoint/2010/main" val="115085417"/>
       </p:ext>
     </p:extLst>
   </p:cSld>
@@ -9293,7 +9298,7 @@
             </a:r>
             <a:r>
               <a:rPr lang="ja-JP" altLang="en-US" dirty="0"/>
-              <a:t>商品</a:t>
+              <a:t>担当者</a:t>
             </a:r>
             <a:r>
               <a:rPr lang="ja-JP" altLang="en-US" dirty="0">
@@ -9333,8 +9338,20 @@
           <a:p>
             <a:pPr rtl="0"/>
             <a:r>
+              <a:rPr lang="en-US" altLang="ja-JP" dirty="0"/>
+              <a:t>ID:0</a:t>
+            </a:r>
+            <a:r>
               <a:rPr lang="ja-JP" altLang="en-US" dirty="0"/>
-              <a:t>予約カテゴリ、予約商品名、商品略称を削除</a:t>
+              <a:t>が</a:t>
+            </a:r>
+            <a:r>
+              <a:rPr lang="en-US" altLang="ja-JP" dirty="0"/>
+              <a:t>2</a:t>
+            </a:r>
+            <a:r>
+              <a:rPr lang="ja-JP" altLang="en-US" dirty="0"/>
+              <a:t>名存在したので、一方を削除</a:t>
             </a:r>
             <a:endParaRPr lang="en-US" altLang="ja-JP" dirty="0"/>
           </a:p>
@@ -9345,7 +9362,7 @@
                 <a:latin typeface="ＭＳ 明朝" panose="02020609040205080304" pitchFamily="17" charset="-128"/>
                 <a:ea typeface="ＭＳ 明朝" panose="02020609040205080304" pitchFamily="17" charset="-128"/>
               </a:rPr>
-              <a:t>カテゴリ</a:t>
+              <a:t>店舗</a:t>
             </a:r>
             <a:r>
               <a:rPr lang="en-US" altLang="ja-JP" dirty="0">
@@ -9359,22 +9376,65 @@
                 <a:latin typeface="ＭＳ 明朝" panose="02020609040205080304" pitchFamily="17" charset="-128"/>
                 <a:ea typeface="ＭＳ 明朝" panose="02020609040205080304" pitchFamily="17" charset="-128"/>
               </a:rPr>
-              <a:t>の空欄に</a:t>
-            </a:r>
-            <a:r>
-              <a:rPr lang="ja-JP" altLang="en-US" dirty="0" smtClean="0">
+              <a:t>を</a:t>
+            </a:r>
+            <a:r>
+              <a:rPr lang="en-US" altLang="ja-JP" dirty="0" err="1">
                 <a:latin typeface="ＭＳ 明朝" panose="02020609040205080304" pitchFamily="17" charset="-128"/>
                 <a:ea typeface="ＭＳ 明朝" panose="02020609040205080304" pitchFamily="17" charset="-128"/>
               </a:rPr>
-              <a:t>ついて、その他の商品法則</a:t>
+              <a:t>int</a:t>
             </a:r>
             <a:r>
               <a:rPr lang="ja-JP" altLang="en-US" dirty="0">
                 <a:latin typeface="ＭＳ 明朝" panose="02020609040205080304" pitchFamily="17" charset="-128"/>
                 <a:ea typeface="ＭＳ 明朝" panose="02020609040205080304" pitchFamily="17" charset="-128"/>
               </a:rPr>
-              <a:t>に従い補完</a:t>
-            </a:r>
+              <a:t>型に更新</a:t>
+            </a:r>
+            <a:endParaRPr lang="en-US" altLang="ja-JP" dirty="0">
+              <a:latin typeface="ＭＳ 明朝" panose="02020609040205080304" pitchFamily="17" charset="-128"/>
+              <a:ea typeface="ＭＳ 明朝" panose="02020609040205080304" pitchFamily="17" charset="-128"/>
+            </a:endParaRPr>
+          </a:p>
+          <a:p>
+            <a:pPr rtl="0"/>
+            <a:r>
+              <a:rPr lang="en-US" altLang="ja-JP" dirty="0"/>
+              <a:t>“</a:t>
+            </a:r>
+            <a:r>
+              <a:rPr lang="ja-JP" altLang="en-US" dirty="0"/>
+              <a:t>その他</a:t>
+            </a:r>
+            <a:r>
+              <a:rPr lang="en-US" altLang="ja-JP" dirty="0"/>
+              <a:t>”</a:t>
+            </a:r>
+            <a:r>
+              <a:rPr lang="ja-JP" altLang="en-US" dirty="0"/>
+              <a:t>の店舗</a:t>
+            </a:r>
+            <a:r>
+              <a:rPr lang="en-US" altLang="ja-JP" dirty="0"/>
+              <a:t>ID</a:t>
+            </a:r>
+            <a:r>
+              <a:rPr lang="ja-JP" altLang="en-US" dirty="0"/>
+              <a:t>を</a:t>
+            </a:r>
+            <a:r>
+              <a:rPr lang="en-US" altLang="ja-JP" dirty="0"/>
+              <a:t>0</a:t>
+            </a:r>
+            <a:r>
+              <a:rPr lang="ja-JP" altLang="en-US" dirty="0"/>
+              <a:t>に指定</a:t>
+            </a:r>
+            <a:endParaRPr lang="ja-JP" altLang="en-US" dirty="0">
+              <a:latin typeface="ＭＳ 明朝" panose="02020609040205080304" pitchFamily="17" charset="-128"/>
+              <a:ea typeface="ＭＳ 明朝" panose="02020609040205080304" pitchFamily="17" charset="-128"/>
+            </a:endParaRPr>
           </a:p>
         </p:txBody>
       </p:sp>
@@ -9383,7 +9443,7 @@
           <p:cNvPr id="4" name="日付プレースホルダー 3">
             <a:extLst>
               <a:ext uri="{FF2B5EF4-FFF2-40B4-BE49-F238E27FC236}">
-                <a16:creationId xmlns:a16="http://schemas.microsoft.com/office/drawing/2014/main" xmlns="" id="{80AB7885-0E5E-408E-9AAF-1454900A27F1}"/>
+                <a16:creationId xmlns="" xmlns:a16="http://schemas.microsoft.com/office/drawing/2014/main" id="{80AB7885-0E5E-408E-9AAF-1454900A27F1}"/>
               </a:ext>
             </a:extLst>
           </p:cNvPr>
@@ -9402,7 +9462,7 @@
             <a:pPr rtl="0"/>
             <a:fld id="{77C180FA-CFF2-4446-B401-E27F4FB9F4F7}" type="datetime4">
               <a:rPr lang="ja-JP" altLang="en-US" smtClean="0"/>
-              <a:t>2017年11月9日</a:t>
+              <a:t>2017年11月11日</a:t>
             </a:fld>
             <a:endParaRPr lang="en-US" dirty="0"/>
           </a:p>
@@ -9413,7 +9473,7 @@
           <p:cNvPr id="5" name="スライド番号プレースホルダー 4">
             <a:extLst>
               <a:ext uri="{FF2B5EF4-FFF2-40B4-BE49-F238E27FC236}">
-                <a16:creationId xmlns:a16="http://schemas.microsoft.com/office/drawing/2014/main" xmlns="" id="{5EA39D9F-5243-4AFC-890F-AF2AE32AE38B}"/>
+                <a16:creationId xmlns="" xmlns:a16="http://schemas.microsoft.com/office/drawing/2014/main" id="{5EA39D9F-5243-4AFC-890F-AF2AE32AE38B}"/>
               </a:ext>
             </a:extLst>
           </p:cNvPr>
@@ -9441,7 +9501,7 @@
     </p:spTree>
     <p:extLst>
       <p:ext uri="{BB962C8B-B14F-4D97-AF65-F5344CB8AC3E}">
-        <p14:creationId xmlns:p14="http://schemas.microsoft.com/office/powerpoint/2010/main" val="3657918856"/>
+        <p14:creationId xmlns:p14="http://schemas.microsoft.com/office/powerpoint/2010/main" val="762986421"/>
       </p:ext>
     </p:extLst>
   </p:cSld>
@@ -9520,11 +9580,15 @@
               <a:t>(</a:t>
             </a:r>
             <a:r>
+              <a:rPr lang="ja-JP" altLang="en-US" dirty="0"/>
+              <a:t>商品</a:t>
+            </a:r>
+            <a:r>
               <a:rPr lang="ja-JP" altLang="en-US" dirty="0">
                 <a:latin typeface="Meiryo UI" panose="020B0604030504040204" pitchFamily="50" charset="-128"/>
                 <a:ea typeface="Meiryo UI" panose="020B0604030504040204" pitchFamily="50" charset="-128"/>
               </a:rPr>
-              <a:t>顧客マスタ</a:t>
+              <a:t>マスタ</a:t>
             </a:r>
             <a:r>
               <a:rPr lang="en-US" altLang="ja-JP" dirty="0">
@@ -9555,95 +9619,50 @@
           <a:bodyPr rtlCol="0"/>
           <a:lstStyle/>
           <a:p>
+            <a:pPr rtl="0"/>
             <a:r>
               <a:rPr lang="ja-JP" altLang="en-US" dirty="0"/>
-              <a:t>初回来店年が</a:t>
-            </a:r>
-            <a:r>
-              <a:rPr lang="en-US" altLang="ja-JP" dirty="0"/>
-              <a:t>1978</a:t>
-            </a:r>
-            <a:r>
-              <a:rPr lang="ja-JP" altLang="en-US" dirty="0"/>
-              <a:t>年以前のものを</a:t>
-            </a:r>
-            <a:r>
-              <a:rPr lang="en-US" altLang="ja-JP" dirty="0"/>
-              <a:t>NULL</a:t>
-            </a:r>
-            <a:r>
-              <a:rPr lang="ja-JP" altLang="en-US" dirty="0"/>
-              <a:t>に変更（日本進出が</a:t>
-            </a:r>
-            <a:r>
-              <a:rPr lang="en-US" altLang="ja-JP" dirty="0"/>
-              <a:t>1978</a:t>
-            </a:r>
-            <a:r>
-              <a:rPr lang="ja-JP" altLang="en-US" dirty="0"/>
-              <a:t>年）</a:t>
+              <a:t>予約カテゴリ、予約商品名、商品略称を削除</a:t>
             </a:r>
             <a:endParaRPr lang="en-US" altLang="ja-JP" dirty="0"/>
           </a:p>
           <a:p>
-            <a:r>
-              <a:rPr lang="ja-JP" altLang="en-US" dirty="0"/>
-              <a:t>誕生年代が</a:t>
-            </a:r>
-            <a:r>
-              <a:rPr lang="en-US" altLang="ja-JP" dirty="0"/>
-              <a:t>2030</a:t>
-            </a:r>
-            <a:r>
-              <a:rPr lang="ja-JP" altLang="en-US" dirty="0"/>
-              <a:t>と</a:t>
-            </a:r>
-            <a:r>
-              <a:rPr lang="en-US" altLang="ja-JP" dirty="0"/>
-              <a:t>2080</a:t>
-            </a:r>
-            <a:r>
-              <a:rPr lang="ja-JP" altLang="en-US" dirty="0"/>
-              <a:t>のものを</a:t>
-            </a:r>
-            <a:r>
-              <a:rPr lang="en-US" altLang="ja-JP" dirty="0"/>
-              <a:t>NULL</a:t>
-            </a:r>
-            <a:r>
-              <a:rPr lang="ja-JP" altLang="en-US" dirty="0"/>
-              <a:t>に変更</a:t>
-            </a:r>
-            <a:endParaRPr lang="en-US" altLang="ja-JP" dirty="0"/>
-          </a:p>
-          <a:p>
-            <a:r>
-              <a:rPr lang="ja-JP" altLang="en-US" dirty="0"/>
-              <a:t>初回来店年 </a:t>
-            </a:r>
-            <a:r>
-              <a:rPr lang="en-US" altLang="ja-JP" dirty="0"/>
-              <a:t>&lt; </a:t>
-            </a:r>
-            <a:r>
-              <a:rPr lang="ja-JP" altLang="en-US" dirty="0"/>
-              <a:t>誕生年代となっている項目を</a:t>
-            </a:r>
-            <a:r>
-              <a:rPr lang="en-US" altLang="ja-JP" dirty="0"/>
-              <a:t>NULL</a:t>
-            </a:r>
-            <a:r>
-              <a:rPr lang="ja-JP" altLang="en-US" dirty="0"/>
-              <a:t>に変更</a:t>
-            </a:r>
-            <a:endParaRPr lang="en-US" altLang="ja-JP" dirty="0"/>
-          </a:p>
-          <a:p>
-            <a:endParaRPr lang="ja-JP" altLang="en-US" dirty="0">
-              <a:latin typeface="ＭＳ 明朝" panose="02020609040205080304" pitchFamily="17" charset="-128"/>
-              <a:ea typeface="ＭＳ 明朝" panose="02020609040205080304" pitchFamily="17" charset="-128"/>
-            </a:endParaRPr>
+            <a:pPr rtl="0"/>
+            <a:r>
+              <a:rPr lang="ja-JP" altLang="en-US" dirty="0">
+                <a:latin typeface="ＭＳ 明朝" panose="02020609040205080304" pitchFamily="17" charset="-128"/>
+                <a:ea typeface="ＭＳ 明朝" panose="02020609040205080304" pitchFamily="17" charset="-128"/>
+              </a:rPr>
+              <a:t>カテゴリ</a:t>
+            </a:r>
+            <a:r>
+              <a:rPr lang="en-US" altLang="ja-JP" dirty="0">
+                <a:latin typeface="ＭＳ 明朝" panose="02020609040205080304" pitchFamily="17" charset="-128"/>
+                <a:ea typeface="ＭＳ 明朝" panose="02020609040205080304" pitchFamily="17" charset="-128"/>
+              </a:rPr>
+              <a:t>ID</a:t>
+            </a:r>
+            <a:r>
+              <a:rPr lang="ja-JP" altLang="en-US" dirty="0">
+                <a:latin typeface="ＭＳ 明朝" panose="02020609040205080304" pitchFamily="17" charset="-128"/>
+                <a:ea typeface="ＭＳ 明朝" panose="02020609040205080304" pitchFamily="17" charset="-128"/>
+              </a:rPr>
+              <a:t>の空欄に</a:t>
+            </a:r>
+            <a:r>
+              <a:rPr lang="ja-JP" altLang="en-US" dirty="0" smtClean="0">
+                <a:latin typeface="ＭＳ 明朝" panose="02020609040205080304" pitchFamily="17" charset="-128"/>
+                <a:ea typeface="ＭＳ 明朝" panose="02020609040205080304" pitchFamily="17" charset="-128"/>
+              </a:rPr>
+              <a:t>ついて、その他の商品法則</a:t>
+            </a:r>
+            <a:r>
+              <a:rPr lang="ja-JP" altLang="en-US" dirty="0">
+                <a:latin typeface="ＭＳ 明朝" panose="02020609040205080304" pitchFamily="17" charset="-128"/>
+                <a:ea typeface="ＭＳ 明朝" panose="02020609040205080304" pitchFamily="17" charset="-128"/>
+              </a:rPr>
+              <a:t>に従い補完</a:t>
+            </a:r>
           </a:p>
         </p:txBody>
       </p:sp>
@@ -9652,7 +9671,7 @@
           <p:cNvPr id="4" name="日付プレースホルダー 3">
             <a:extLst>
               <a:ext uri="{FF2B5EF4-FFF2-40B4-BE49-F238E27FC236}">
-                <a16:creationId xmlns:a16="http://schemas.microsoft.com/office/drawing/2014/main" xmlns="" id="{80AB7885-0E5E-408E-9AAF-1454900A27F1}"/>
+                <a16:creationId xmlns="" xmlns:a16="http://schemas.microsoft.com/office/drawing/2014/main" id="{80AB7885-0E5E-408E-9AAF-1454900A27F1}"/>
               </a:ext>
             </a:extLst>
           </p:cNvPr>
@@ -9671,7 +9690,7 @@
             <a:pPr rtl="0"/>
             <a:fld id="{77C180FA-CFF2-4446-B401-E27F4FB9F4F7}" type="datetime4">
               <a:rPr lang="ja-JP" altLang="en-US" smtClean="0"/>
-              <a:t>2017年11月9日</a:t>
+              <a:t>2017年11月11日</a:t>
             </a:fld>
             <a:endParaRPr lang="en-US" dirty="0"/>
           </a:p>
@@ -9682,7 +9701,7 @@
           <p:cNvPr id="5" name="スライド番号プレースホルダー 4">
             <a:extLst>
               <a:ext uri="{FF2B5EF4-FFF2-40B4-BE49-F238E27FC236}">
-                <a16:creationId xmlns:a16="http://schemas.microsoft.com/office/drawing/2014/main" xmlns="" id="{5EA39D9F-5243-4AFC-890F-AF2AE32AE38B}"/>
+                <a16:creationId xmlns="" xmlns:a16="http://schemas.microsoft.com/office/drawing/2014/main" id="{5EA39D9F-5243-4AFC-890F-AF2AE32AE38B}"/>
               </a:ext>
             </a:extLst>
           </p:cNvPr>
@@ -9710,7 +9729,7 @@
     </p:spTree>
     <p:extLst>
       <p:ext uri="{BB962C8B-B14F-4D97-AF65-F5344CB8AC3E}">
-        <p14:creationId xmlns:p14="http://schemas.microsoft.com/office/powerpoint/2010/main" val="1044467761"/>
+        <p14:creationId xmlns:p14="http://schemas.microsoft.com/office/powerpoint/2010/main" val="3657918856"/>
       </p:ext>
     </p:extLst>
   </p:cSld>
@@ -9789,8 +9808,11 @@
               <a:t>(</a:t>
             </a:r>
             <a:r>
-              <a:rPr lang="ja-JP" altLang="en-US" dirty="0"/>
-              <a:t>会計履歴</a:t>
+              <a:rPr lang="ja-JP" altLang="en-US" dirty="0">
+                <a:latin typeface="Meiryo UI" panose="020B0604030504040204" pitchFamily="50" charset="-128"/>
+                <a:ea typeface="Meiryo UI" panose="020B0604030504040204" pitchFamily="50" charset="-128"/>
+              </a:rPr>
+              <a:t>顧客マスタ</a:t>
             </a:r>
             <a:r>
               <a:rPr lang="en-US" altLang="ja-JP" dirty="0">
@@ -9823,89 +9845,93 @@
           <a:p>
             <a:r>
               <a:rPr lang="ja-JP" altLang="en-US" dirty="0"/>
-              <a:t>会計履歴から販売の返品のペア</a:t>
+              <a:t>初回来店年が</a:t>
             </a:r>
             <a:r>
               <a:rPr lang="en-US" altLang="ja-JP" dirty="0"/>
-              <a:t>(</a:t>
+              <a:t>1978</a:t>
             </a:r>
             <a:r>
               <a:rPr lang="ja-JP" altLang="en-US" dirty="0"/>
-              <a:t>店舗</a:t>
+              <a:t>年以前のものを</a:t>
             </a:r>
             <a:r>
               <a:rPr lang="en-US" altLang="ja-JP" dirty="0"/>
-              <a:t>id,</a:t>
+              <a:t>NULL</a:t>
             </a:r>
             <a:r>
               <a:rPr lang="ja-JP" altLang="en-US" dirty="0"/>
-              <a:t>顧客</a:t>
+              <a:t>に変更（日本進出が</a:t>
             </a:r>
             <a:r>
               <a:rPr lang="en-US" altLang="ja-JP" dirty="0"/>
-              <a:t>id,</a:t>
+              <a:t>1978</a:t>
             </a:r>
             <a:r>
               <a:rPr lang="ja-JP" altLang="en-US" dirty="0"/>
-              <a:t>金額</a:t>
+              <a:t>年）</a:t>
+            </a:r>
+            <a:endParaRPr lang="en-US" altLang="ja-JP" dirty="0"/>
+          </a:p>
+          <a:p>
+            <a:r>
+              <a:rPr lang="ja-JP" altLang="en-US" dirty="0"/>
+              <a:t>誕生年代が</a:t>
             </a:r>
             <a:r>
               <a:rPr lang="en-US" altLang="ja-JP" dirty="0"/>
-              <a:t>,</a:t>
+              <a:t>2030</a:t>
             </a:r>
             <a:r>
               <a:rPr lang="ja-JP" altLang="en-US" dirty="0"/>
-              <a:t>値が一致して、日付がその日を含む同日以前のもの</a:t>
+              <a:t>と</a:t>
             </a:r>
             <a:r>
               <a:rPr lang="en-US" altLang="ja-JP" dirty="0"/>
-              <a:t>)</a:t>
+              <a:t>2080</a:t>
             </a:r>
             <a:r>
               <a:rPr lang="ja-JP" altLang="en-US" dirty="0"/>
-              <a:t>を重複しないように削除</a:t>
+              <a:t>のものを</a:t>
+            </a:r>
+            <a:r>
+              <a:rPr lang="en-US" altLang="ja-JP" dirty="0"/>
+              <a:t>NULL</a:t>
+            </a:r>
+            <a:r>
+              <a:rPr lang="ja-JP" altLang="en-US" dirty="0"/>
+              <a:t>に変更</a:t>
             </a:r>
             <a:endParaRPr lang="en-US" altLang="ja-JP" dirty="0"/>
           </a:p>
           <a:p>
             <a:r>
               <a:rPr lang="ja-JP" altLang="en-US" dirty="0"/>
-              <a:t>取引種別が</a:t>
+              <a:t>初回来店年 </a:t>
             </a:r>
             <a:r>
               <a:rPr lang="en-US" altLang="ja-JP" dirty="0"/>
-              <a:t>“</a:t>
+              <a:t>&lt; </a:t>
             </a:r>
             <a:r>
               <a:rPr lang="ja-JP" altLang="en-US" dirty="0"/>
-              <a:t>返品</a:t>
+              <a:t>誕生年代となっている項目を</a:t>
             </a:r>
             <a:r>
               <a:rPr lang="en-US" altLang="ja-JP" dirty="0"/>
-              <a:t>”</a:t>
+              <a:t>NULL</a:t>
             </a:r>
             <a:r>
               <a:rPr lang="ja-JP" altLang="en-US" dirty="0"/>
-              <a:t>の項目を削除 </a:t>
-            </a:r>
-            <a:r>
-              <a:rPr lang="en-US" altLang="ja-JP" dirty="0"/>
-              <a:t>(29</a:t>
-            </a:r>
-            <a:r>
-              <a:rPr lang="ja-JP" altLang="en-US" dirty="0"/>
-              <a:t>件</a:t>
-            </a:r>
-            <a:r>
-              <a:rPr lang="en-US" altLang="ja-JP" dirty="0"/>
-              <a:t>)</a:t>
-            </a:r>
-          </a:p>
-          <a:p>
-            <a:pPr marL="0" indent="0">
-              <a:buNone/>
-            </a:pPr>
+              <a:t>に変更</a:t>
+            </a:r>
             <a:endParaRPr lang="en-US" altLang="ja-JP" dirty="0"/>
+          </a:p>
+          <a:p>
+            <a:endParaRPr lang="ja-JP" altLang="en-US" dirty="0">
+              <a:latin typeface="ＭＳ 明朝" panose="02020609040205080304" pitchFamily="17" charset="-128"/>
+              <a:ea typeface="ＭＳ 明朝" panose="02020609040205080304" pitchFamily="17" charset="-128"/>
+            </a:endParaRPr>
           </a:p>
         </p:txBody>
       </p:sp>
@@ -9914,7 +9940,7 @@
           <p:cNvPr id="4" name="日付プレースホルダー 3">
             <a:extLst>
               <a:ext uri="{FF2B5EF4-FFF2-40B4-BE49-F238E27FC236}">
-                <a16:creationId xmlns:a16="http://schemas.microsoft.com/office/drawing/2014/main" xmlns="" id="{80AB7885-0E5E-408E-9AAF-1454900A27F1}"/>
+                <a16:creationId xmlns="" xmlns:a16="http://schemas.microsoft.com/office/drawing/2014/main" id="{80AB7885-0E5E-408E-9AAF-1454900A27F1}"/>
               </a:ext>
             </a:extLst>
           </p:cNvPr>
@@ -9933,7 +9959,7 @@
             <a:pPr rtl="0"/>
             <a:fld id="{77C180FA-CFF2-4446-B401-E27F4FB9F4F7}" type="datetime4">
               <a:rPr lang="ja-JP" altLang="en-US" smtClean="0"/>
-              <a:t>2017年11月9日</a:t>
+              <a:t>2017年11月11日</a:t>
             </a:fld>
             <a:endParaRPr lang="en-US" dirty="0"/>
           </a:p>
@@ -9944,7 +9970,7 @@
           <p:cNvPr id="5" name="スライド番号プレースホルダー 4">
             <a:extLst>
               <a:ext uri="{FF2B5EF4-FFF2-40B4-BE49-F238E27FC236}">
-                <a16:creationId xmlns:a16="http://schemas.microsoft.com/office/drawing/2014/main" xmlns="" id="{5EA39D9F-5243-4AFC-890F-AF2AE32AE38B}"/>
+                <a16:creationId xmlns="" xmlns:a16="http://schemas.microsoft.com/office/drawing/2014/main" id="{5EA39D9F-5243-4AFC-890F-AF2AE32AE38B}"/>
               </a:ext>
             </a:extLst>
           </p:cNvPr>
@@ -9972,7 +9998,7 @@
     </p:spTree>
     <p:extLst>
       <p:ext uri="{BB962C8B-B14F-4D97-AF65-F5344CB8AC3E}">
-        <p14:creationId xmlns:p14="http://schemas.microsoft.com/office/powerpoint/2010/main" val="1061772988"/>
+        <p14:creationId xmlns:p14="http://schemas.microsoft.com/office/powerpoint/2010/main" val="1044467761"/>
       </p:ext>
     </p:extLst>
   </p:cSld>
@@ -10051,11 +10077,8 @@
               <a:t>(</a:t>
             </a:r>
             <a:r>
-              <a:rPr lang="ja-JP" altLang="en-US" dirty="0">
-                <a:latin typeface="Meiryo UI" panose="020B0604030504040204" pitchFamily="50" charset="-128"/>
-                <a:ea typeface="Meiryo UI" panose="020B0604030504040204" pitchFamily="50" charset="-128"/>
-              </a:rPr>
-              <a:t>会計明細</a:t>
+              <a:rPr lang="ja-JP" altLang="en-US" dirty="0"/>
+              <a:t>会計履歴</a:t>
             </a:r>
             <a:r>
               <a:rPr lang="en-US" altLang="ja-JP" dirty="0">
@@ -10086,22 +10109,33 @@
           <a:bodyPr rtlCol="0"/>
           <a:lstStyle/>
           <a:p>
-            <a:pPr rtl="0"/>
             <a:r>
               <a:rPr lang="ja-JP" altLang="en-US" dirty="0"/>
-              <a:t>会計履歴の会計</a:t>
+              <a:t>会計履歴から販売の返品のペア</a:t>
             </a:r>
             <a:r>
               <a:rPr lang="en-US" altLang="ja-JP" dirty="0"/>
-              <a:t>Id</a:t>
-            </a:r>
-            <a:r>
-              <a:rPr lang="ja-JP" altLang="en-US" dirty="0" err="1"/>
-              <a:t>と照</a:t>
+              <a:t>(</a:t>
             </a:r>
             <a:r>
               <a:rPr lang="ja-JP" altLang="en-US" dirty="0"/>
-              <a:t>合することで一致する返品</a:t>
+              <a:t>店舗</a:t>
+            </a:r>
+            <a:r>
+              <a:rPr lang="en-US" altLang="ja-JP" dirty="0"/>
+              <a:t>id,</a:t>
+            </a:r>
+            <a:r>
+              <a:rPr lang="ja-JP" altLang="en-US" dirty="0"/>
+              <a:t>顧客</a:t>
+            </a:r>
+            <a:r>
+              <a:rPr lang="en-US" altLang="ja-JP" dirty="0"/>
+              <a:t>id,</a:t>
+            </a:r>
+            <a:r>
+              <a:rPr lang="ja-JP" altLang="en-US" dirty="0"/>
+              <a:t>金額</a:t>
             </a:r>
             <a:r>
               <a:rPr lang="en-US" altLang="ja-JP" dirty="0"/>
@@ -10109,38 +10143,42 @@
             </a:r>
             <a:r>
               <a:rPr lang="ja-JP" altLang="en-US" dirty="0"/>
-              <a:t>販売を削除</a:t>
+              <a:t>値が一致して、日付がその日を含む同日以前のもの</a:t>
+            </a:r>
+            <a:r>
+              <a:rPr lang="en-US" altLang="ja-JP" dirty="0"/>
+              <a:t>)</a:t>
+            </a:r>
+            <a:r>
+              <a:rPr lang="ja-JP" altLang="en-US" dirty="0"/>
+              <a:t>を重複しないように削除</a:t>
             </a:r>
             <a:endParaRPr lang="en-US" altLang="ja-JP" dirty="0"/>
           </a:p>
           <a:p>
             <a:r>
               <a:rPr lang="ja-JP" altLang="en-US" dirty="0"/>
-              <a:t>会計履歴の会計</a:t>
+              <a:t>取引種別が</a:t>
             </a:r>
             <a:r>
               <a:rPr lang="en-US" altLang="ja-JP" dirty="0"/>
-              <a:t>Id</a:t>
-            </a:r>
-            <a:r>
-              <a:rPr lang="ja-JP" altLang="en-US" dirty="0" err="1"/>
-              <a:t>と照</a:t>
+              <a:t>“</a:t>
             </a:r>
             <a:r>
               <a:rPr lang="ja-JP" altLang="en-US" dirty="0"/>
-              <a:t>合し</a:t>
+              <a:t>返品</a:t>
             </a:r>
             <a:r>
               <a:rPr lang="en-US" altLang="ja-JP" dirty="0"/>
-              <a:t>,</a:t>
+              <a:t>”</a:t>
             </a:r>
             <a:r>
               <a:rPr lang="ja-JP" altLang="en-US" dirty="0"/>
-              <a:t>残りの返品項目を削除</a:t>
+              <a:t>の項目を削除 </a:t>
             </a:r>
             <a:r>
               <a:rPr lang="en-US" altLang="ja-JP" dirty="0"/>
-              <a:t>(60</a:t>
+              <a:t>(29</a:t>
             </a:r>
             <a:r>
               <a:rPr lang="ja-JP" altLang="en-US" dirty="0"/>
@@ -10150,6 +10188,12 @@
               <a:rPr lang="en-US" altLang="ja-JP" dirty="0"/>
               <a:t>)</a:t>
             </a:r>
+          </a:p>
+          <a:p>
+            <a:pPr marL="0" indent="0">
+              <a:buNone/>
+            </a:pPr>
+            <a:endParaRPr lang="en-US" altLang="ja-JP" dirty="0"/>
           </a:p>
         </p:txBody>
       </p:sp>
@@ -10158,7 +10202,7 @@
           <p:cNvPr id="4" name="日付プレースホルダー 3">
             <a:extLst>
               <a:ext uri="{FF2B5EF4-FFF2-40B4-BE49-F238E27FC236}">
-                <a16:creationId xmlns:a16="http://schemas.microsoft.com/office/drawing/2014/main" xmlns="" id="{80AB7885-0E5E-408E-9AAF-1454900A27F1}"/>
+                <a16:creationId xmlns="" xmlns:a16="http://schemas.microsoft.com/office/drawing/2014/main" id="{80AB7885-0E5E-408E-9AAF-1454900A27F1}"/>
               </a:ext>
             </a:extLst>
           </p:cNvPr>
@@ -10177,7 +10221,7 @@
             <a:pPr rtl="0"/>
             <a:fld id="{77C180FA-CFF2-4446-B401-E27F4FB9F4F7}" type="datetime4">
               <a:rPr lang="ja-JP" altLang="en-US" smtClean="0"/>
-              <a:t>2017年11月9日</a:t>
+              <a:t>2017年11月11日</a:t>
             </a:fld>
             <a:endParaRPr lang="en-US" dirty="0"/>
           </a:p>
@@ -10188,7 +10232,7 @@
           <p:cNvPr id="5" name="スライド番号プレースホルダー 4">
             <a:extLst>
               <a:ext uri="{FF2B5EF4-FFF2-40B4-BE49-F238E27FC236}">
-                <a16:creationId xmlns:a16="http://schemas.microsoft.com/office/drawing/2014/main" xmlns="" id="{5EA39D9F-5243-4AFC-890F-AF2AE32AE38B}"/>
+                <a16:creationId xmlns="" xmlns:a16="http://schemas.microsoft.com/office/drawing/2014/main" id="{5EA39D9F-5243-4AFC-890F-AF2AE32AE38B}"/>
               </a:ext>
             </a:extLst>
           </p:cNvPr>
@@ -10216,7 +10260,7 @@
     </p:spTree>
     <p:extLst>
       <p:ext uri="{BB962C8B-B14F-4D97-AF65-F5344CB8AC3E}">
-        <p14:creationId xmlns:p14="http://schemas.microsoft.com/office/powerpoint/2010/main" val="545263164"/>
+        <p14:creationId xmlns:p14="http://schemas.microsoft.com/office/powerpoint/2010/main" val="1061772988"/>
       </p:ext>
     </p:extLst>
   </p:cSld>
